--- a/apresentacao ciencia dados.pptx
+++ b/apresentacao ciencia dados.pptx
@@ -5,7 +5,7 @@
     <p:sldMasterId id="2147483648" r:id="rId1"/>
   </p:sldMasterIdLst>
   <p:notesMasterIdLst>
-    <p:notesMasterId r:id="rId14"/>
+    <p:notesMasterId r:id="rId16"/>
   </p:notesMasterIdLst>
   <p:sldIdLst>
     <p:sldId id="256" r:id="rId2"/>
@@ -19,7 +19,9 @@
     <p:sldId id="272" r:id="rId10"/>
     <p:sldId id="282" r:id="rId11"/>
     <p:sldId id="283" r:id="rId12"/>
-    <p:sldId id="281" r:id="rId13"/>
+    <p:sldId id="284" r:id="rId13"/>
+    <p:sldId id="281" r:id="rId14"/>
+    <p:sldId id="285" r:id="rId15"/>
   </p:sldIdLst>
   <p:sldSz cx="9144000" cy="6858000" type="screen4x3"/>
   <p:notesSz cx="6858000" cy="9144000"/>
@@ -220,7 +222,7 @@
             <a:fld id="{D3A8EBA5-A3D1-458F-B493-A7784F843002}" type="datetimeFigureOut">
               <a:rPr lang="en-US" smtClean="0"/>
               <a:pPr/>
-              <a:t>11/29/2016</a:t>
+              <a:t>11/30/2016</a:t>
             </a:fld>
             <a:endParaRPr lang="en-US"/>
           </a:p>
@@ -670,7 +672,7 @@
             <a:fld id="{50201450-F2A9-41C1-8119-B38BC03DA58C}" type="datetime1">
               <a:rPr lang="en-US" smtClean="0"/>
               <a:pPr/>
-              <a:t>11/29/2016</a:t>
+              <a:t>11/30/2016</a:t>
             </a:fld>
             <a:endParaRPr lang="en-US"/>
           </a:p>
@@ -835,7 +837,7 @@
             <a:fld id="{2FEA0145-8AC0-4DDC-911D-F77BEBC790BD}" type="datetime1">
               <a:rPr lang="en-US" smtClean="0"/>
               <a:pPr/>
-              <a:t>11/29/2016</a:t>
+              <a:t>11/30/2016</a:t>
             </a:fld>
             <a:endParaRPr lang="en-US"/>
           </a:p>
@@ -1010,7 +1012,7 @@
             <a:fld id="{511E4AA7-0685-45A7-9F44-7D10107E141B}" type="datetime1">
               <a:rPr lang="en-US" smtClean="0"/>
               <a:pPr/>
-              <a:t>11/29/2016</a:t>
+              <a:t>11/30/2016</a:t>
             </a:fld>
             <a:endParaRPr lang="en-US"/>
           </a:p>
@@ -1175,7 +1177,7 @@
             <a:fld id="{02FFE042-8C99-4012-BBC4-835B518843A0}" type="datetime1">
               <a:rPr lang="en-US" smtClean="0"/>
               <a:pPr/>
-              <a:t>11/29/2016</a:t>
+              <a:t>11/30/2016</a:t>
             </a:fld>
             <a:endParaRPr lang="en-US"/>
           </a:p>
@@ -1417,7 +1419,7 @@
             <a:fld id="{0D4C97B6-059F-43FD-B53A-998549F69658}" type="datetime1">
               <a:rPr lang="en-US" smtClean="0"/>
               <a:pPr/>
-              <a:t>11/29/2016</a:t>
+              <a:t>11/30/2016</a:t>
             </a:fld>
             <a:endParaRPr lang="en-US"/>
           </a:p>
@@ -1699,7 +1701,7 @@
             <a:fld id="{EB07978A-2AF6-4872-9549-BBC7E5EEFE7B}" type="datetime1">
               <a:rPr lang="en-US" smtClean="0"/>
               <a:pPr/>
-              <a:t>11/29/2016</a:t>
+              <a:t>11/30/2016</a:t>
             </a:fld>
             <a:endParaRPr lang="en-US"/>
           </a:p>
@@ -2115,7 +2117,7 @@
             <a:fld id="{A90C1374-2E5A-42C7-B8F6-0AB8B24FEC0B}" type="datetime1">
               <a:rPr lang="en-US" smtClean="0"/>
               <a:pPr/>
-              <a:t>11/29/2016</a:t>
+              <a:t>11/30/2016</a:t>
             </a:fld>
             <a:endParaRPr lang="en-US"/>
           </a:p>
@@ -2229,7 +2231,7 @@
             <a:fld id="{046B26FA-4A17-4144-A70F-4074511E2C99}" type="datetime1">
               <a:rPr lang="en-US" smtClean="0"/>
               <a:pPr/>
-              <a:t>11/29/2016</a:t>
+              <a:t>11/30/2016</a:t>
             </a:fld>
             <a:endParaRPr lang="en-US"/>
           </a:p>
@@ -2321,7 +2323,7 @@
             <a:fld id="{430BF8BC-40DC-4171-ABBA-F975DA434BC3}" type="datetime1">
               <a:rPr lang="en-US" smtClean="0"/>
               <a:pPr/>
-              <a:t>11/29/2016</a:t>
+              <a:t>11/30/2016</a:t>
             </a:fld>
             <a:endParaRPr lang="en-US"/>
           </a:p>
@@ -2593,7 +2595,7 @@
             <a:fld id="{36B2C415-8473-40AA-9C9E-EA02E2BBE695}" type="datetime1">
               <a:rPr lang="en-US" smtClean="0"/>
               <a:pPr/>
-              <a:t>11/29/2016</a:t>
+              <a:t>11/30/2016</a:t>
             </a:fld>
             <a:endParaRPr lang="en-US"/>
           </a:p>
@@ -2842,7 +2844,7 @@
             <a:fld id="{55215ABF-363E-43D1-B7C6-BD8F5D7891DF}" type="datetime1">
               <a:rPr lang="en-US" smtClean="0"/>
               <a:pPr/>
-              <a:t>11/29/2016</a:t>
+              <a:t>11/30/2016</a:t>
             </a:fld>
             <a:endParaRPr lang="en-US"/>
           </a:p>
@@ -3050,7 +3052,7 @@
             <a:fld id="{A4D20CB3-E548-497B-8DA5-345095E99FDB}" type="datetime1">
               <a:rPr lang="en-US" smtClean="0"/>
               <a:pPr/>
-              <a:t>11/29/2016</a:t>
+              <a:t>11/30/2016</a:t>
             </a:fld>
             <a:endParaRPr lang="en-US"/>
           </a:p>
@@ -3528,21 +3530,8 @@
                   <a:schemeClr val="tx1"/>
                 </a:solidFill>
               </a:rPr>
-              <a:t> </a:t>
-            </a:r>
-            <a:r>
-              <a:rPr lang="pt-BR" b="1" dirty="0" err="1">
-                <a:solidFill>
-                  <a:schemeClr val="tx1"/>
-                </a:solidFill>
-              </a:rPr>
-              <a:t>Yinhe</a:t>
-            </a:r>
-            <a:endParaRPr lang="pt-BR" b="1" dirty="0">
-              <a:solidFill>
-                <a:schemeClr val="tx1"/>
-              </a:solidFill>
-            </a:endParaRPr>
+              <a:t> Yin He</a:t>
+            </a:r>
           </a:p>
           <a:p>
             <a:pPr>
@@ -3892,7 +3881,7 @@
           <p:nvPr>
             <p:extLst>
               <p:ext uri="{D42A27DB-BD31-4B8C-83A1-F6EECF244321}">
-                <p14:modId xmlns:p14="http://schemas.microsoft.com/office/powerpoint/2010/main" val="3362144228"/>
+                <p14:modId xmlns:p14="http://schemas.microsoft.com/office/powerpoint/2010/main" val="3495775407"/>
               </p:ext>
             </p:extLst>
           </p:nvPr>
@@ -3988,7 +3977,7 @@
                       <a:pPr algn="ctr"/>
                       <a:r>
                         <a:rPr lang="pt-BR" dirty="0"/>
-                        <a:t>Fatalidades/aeronaves</a:t>
+                        <a:t>Fatalidades/aeronave</a:t>
                       </a:r>
                     </a:p>
                   </a:txBody>
@@ -4193,6 +4182,52 @@
           </a:graphicData>
         </a:graphic>
       </p:graphicFrame>
+      <p:sp>
+        <p:nvSpPr>
+          <p:cNvPr id="6" name="Elipse 5"/>
+          <p:cNvSpPr/>
+          <p:nvPr/>
+        </p:nvSpPr>
+        <p:spPr>
+          <a:xfrm>
+            <a:off x="3505200" y="4800600"/>
+            <a:ext cx="609600" cy="533400"/>
+          </a:xfrm>
+          <a:prstGeom prst="ellipse">
+            <a:avLst/>
+          </a:prstGeom>
+          <a:noFill/>
+          <a:ln>
+            <a:solidFill>
+              <a:srgbClr val="FF0000"/>
+            </a:solidFill>
+          </a:ln>
+        </p:spPr>
+        <p:style>
+          <a:lnRef idx="2">
+            <a:schemeClr val="accent1">
+              <a:shade val="50000"/>
+            </a:schemeClr>
+          </a:lnRef>
+          <a:fillRef idx="1">
+            <a:schemeClr val="accent1"/>
+          </a:fillRef>
+          <a:effectRef idx="0">
+            <a:schemeClr val="accent1"/>
+          </a:effectRef>
+          <a:fontRef idx="minor">
+            <a:schemeClr val="lt1"/>
+          </a:fontRef>
+        </p:style>
+        <p:txBody>
+          <a:bodyPr rtlCol="0" anchor="ctr"/>
+          <a:lstStyle/>
+          <a:p>
+            <a:pPr algn="ctr"/>
+            <a:endParaRPr lang="pt-BR"/>
+          </a:p>
+        </p:txBody>
+      </p:sp>
     </p:spTree>
     <p:extLst>
       <p:ext uri="{BB962C8B-B14F-4D97-AF65-F5344CB8AC3E}">
@@ -4350,14 +4385,14 @@
           <p:nvPr>
             <p:extLst>
               <p:ext uri="{D42A27DB-BD31-4B8C-83A1-F6EECF244321}">
-                <p14:modId xmlns:p14="http://schemas.microsoft.com/office/powerpoint/2010/main" val="3244278762"/>
+                <p14:modId xmlns:p14="http://schemas.microsoft.com/office/powerpoint/2010/main" val="1067363718"/>
               </p:ext>
             </p:extLst>
           </p:nvPr>
         </p:nvGraphicFramePr>
         <p:xfrm>
-          <a:off x="1657350" y="2819400"/>
-          <a:ext cx="5829300" cy="3600520"/>
+          <a:off x="2628900" y="2817778"/>
+          <a:ext cx="3886200" cy="3600520"/>
         </p:xfrm>
         <a:graphic>
           <a:graphicData uri="http://schemas.openxmlformats.org/drawingml/2006/table">
@@ -4370,13 +4405,6 @@
                   <a:extLst>
                     <a:ext uri="{9D8B030D-6E8A-4147-A177-3AD203B41FA5}">
                       <a16:colId xmlns:a16="http://schemas.microsoft.com/office/drawing/2014/main" val="3009972550"/>
-                    </a:ext>
-                  </a:extLst>
-                </a:gridCol>
-                <a:gridCol w="1943100">
-                  <a:extLst>
-                    <a:ext uri="{9D8B030D-6E8A-4147-A177-3AD203B41FA5}">
-                      <a16:colId xmlns:a16="http://schemas.microsoft.com/office/drawing/2014/main" val="613980470"/>
                     </a:ext>
                   </a:extLst>
                 </a:gridCol>
@@ -4399,25 +4427,6 @@
                         <a:rPr lang="pt-BR" dirty="0"/>
                         <a:t>Fator contribuinte</a:t>
                       </a:r>
-                    </a:p>
-                  </a:txBody>
-                  <a:tcPr/>
-                </a:tc>
-                <a:tc>
-                  <a:txBody>
-                    <a:bodyPr/>
-                    <a:lstStyle/>
-                    <a:p>
-                      <a:pPr algn="ctr"/>
-                      <a:r>
-                        <a:rPr lang="pt-BR" dirty="0"/>
-                        <a:t>Fatores das </a:t>
-                      </a:r>
-                      <a:r>
-                        <a:rPr lang="pt-BR" dirty="0" err="1"/>
-                        <a:t>ocorrencias</a:t>
-                      </a:r>
-                      <a:endParaRPr lang="pt-BR" dirty="0"/>
                     </a:p>
                   </a:txBody>
                   <a:tcPr/>
@@ -4469,20 +4478,6 @@
                       <a:pPr algn="ctr"/>
                       <a:r>
                         <a:rPr lang="pt-BR" dirty="0"/>
-                        <a:t>1850</a:t>
-                      </a:r>
-                    </a:p>
-                  </a:txBody>
-                  <a:tcPr/>
-                </a:tc>
-                <a:tc>
-                  <a:txBody>
-                    <a:bodyPr/>
-                    <a:lstStyle/>
-                    <a:p>
-                      <a:pPr algn="ctr"/>
-                      <a:r>
-                        <a:rPr lang="pt-BR" dirty="0"/>
                         <a:t>789</a:t>
                       </a:r>
                     </a:p>
@@ -4505,20 +4500,6 @@
                       <a:r>
                         <a:rPr lang="pt-BR" dirty="0"/>
                         <a:t>Organização</a:t>
-                      </a:r>
-                    </a:p>
-                  </a:txBody>
-                  <a:tcPr/>
-                </a:tc>
-                <a:tc>
-                  <a:txBody>
-                    <a:bodyPr/>
-                    <a:lstStyle/>
-                    <a:p>
-                      <a:pPr algn="ctr"/>
-                      <a:r>
-                        <a:rPr lang="pt-BR" dirty="0"/>
-                        <a:t>1374</a:t>
                       </a:r>
                     </a:p>
                   </a:txBody>
@@ -4567,20 +4548,6 @@
                       <a:pPr algn="ctr"/>
                       <a:r>
                         <a:rPr lang="pt-BR" dirty="0"/>
-                        <a:t>234</a:t>
-                      </a:r>
-                    </a:p>
-                  </a:txBody>
-                  <a:tcPr/>
-                </a:tc>
-                <a:tc>
-                  <a:txBody>
-                    <a:bodyPr/>
-                    <a:lstStyle/>
-                    <a:p>
-                      <a:pPr algn="ctr"/>
-                      <a:r>
-                        <a:rPr lang="pt-BR" dirty="0"/>
                         <a:t>192</a:t>
                       </a:r>
                     </a:p>
@@ -4603,20 +4570,6 @@
                       <a:r>
                         <a:rPr lang="pt-BR" dirty="0"/>
                         <a:t>Normas</a:t>
-                      </a:r>
-                    </a:p>
-                  </a:txBody>
-                  <a:tcPr/>
-                </a:tc>
-                <a:tc>
-                  <a:txBody>
-                    <a:bodyPr/>
-                    <a:lstStyle/>
-                    <a:p>
-                      <a:pPr algn="ctr"/>
-                      <a:r>
-                        <a:rPr lang="pt-BR" dirty="0"/>
-                        <a:t>206</a:t>
                       </a:r>
                     </a:p>
                   </a:txBody>
@@ -4671,20 +4624,6 @@
                   </a:txBody>
                   <a:tcPr/>
                 </a:tc>
-                <a:tc>
-                  <a:txBody>
-                    <a:bodyPr/>
-                    <a:lstStyle/>
-                    <a:p>
-                      <a:pPr algn="ctr"/>
-                      <a:r>
-                        <a:rPr lang="pt-BR" dirty="0"/>
-                        <a:t>132</a:t>
-                      </a:r>
-                    </a:p>
-                  </a:txBody>
-                  <a:tcPr/>
-                </a:tc>
                 <a:extLst>
                   <a:ext uri="{0D108BD9-81ED-4DB2-BD59-A6C34878D82A}">
                     <a16:rowId xmlns:a16="http://schemas.microsoft.com/office/drawing/2014/main" val="2308757382"/>
@@ -4695,6 +4634,52 @@
           </a:graphicData>
         </a:graphic>
       </p:graphicFrame>
+      <p:sp>
+        <p:nvSpPr>
+          <p:cNvPr id="6" name="Elipse 5"/>
+          <p:cNvSpPr/>
+          <p:nvPr/>
+        </p:nvSpPr>
+        <p:spPr>
+          <a:xfrm>
+            <a:off x="2819400" y="3505200"/>
+            <a:ext cx="1676400" cy="1676400"/>
+          </a:xfrm>
+          <a:prstGeom prst="ellipse">
+            <a:avLst/>
+          </a:prstGeom>
+          <a:noFill/>
+          <a:ln>
+            <a:solidFill>
+              <a:srgbClr val="FF0000"/>
+            </a:solidFill>
+          </a:ln>
+        </p:spPr>
+        <p:style>
+          <a:lnRef idx="2">
+            <a:schemeClr val="accent1">
+              <a:shade val="50000"/>
+            </a:schemeClr>
+          </a:lnRef>
+          <a:fillRef idx="1">
+            <a:schemeClr val="accent1"/>
+          </a:fillRef>
+          <a:effectRef idx="0">
+            <a:schemeClr val="accent1"/>
+          </a:effectRef>
+          <a:fontRef idx="minor">
+            <a:schemeClr val="lt1"/>
+          </a:fontRef>
+        </p:style>
+        <p:txBody>
+          <a:bodyPr rtlCol="0" anchor="ctr"/>
+          <a:lstStyle/>
+          <a:p>
+            <a:pPr algn="ctr"/>
+            <a:endParaRPr lang="pt-BR"/>
+          </a:p>
+        </p:txBody>
+      </p:sp>
     </p:spTree>
     <p:extLst>
       <p:ext uri="{BB962C8B-B14F-4D97-AF65-F5344CB8AC3E}">
@@ -4727,15 +4712,43 @@
       </p:grpSpPr>
       <p:sp>
         <p:nvSpPr>
-          <p:cNvPr id="2" name="Título 1"/>
-          <p:cNvSpPr>
-            <a:spLocks noGrp="1"/>
-          </p:cNvSpPr>
-          <p:nvPr>
-            <p:ph type="ctrTitle"/>
+          <p:cNvPr id="2" name="Title 1"/>
+          <p:cNvSpPr>
+            <a:spLocks noGrp="1"/>
+          </p:cNvSpPr>
+          <p:nvPr>
+            <p:ph type="title"/>
           </p:nvPr>
         </p:nvSpPr>
         <p:spPr/>
+        <p:txBody>
+          <a:bodyPr/>
+          <a:lstStyle/>
+          <a:p>
+            <a:r>
+              <a:rPr lang="en-US" dirty="0" err="1"/>
+              <a:t>Descobertas</a:t>
+            </a:r>
+            <a:endParaRPr lang="en-US" dirty="0"/>
+          </a:p>
+        </p:txBody>
+      </p:sp>
+      <p:sp>
+        <p:nvSpPr>
+          <p:cNvPr id="3" name="Content Placeholder 2"/>
+          <p:cNvSpPr>
+            <a:spLocks noGrp="1"/>
+          </p:cNvSpPr>
+          <p:nvPr>
+            <p:ph idx="1"/>
+          </p:nvPr>
+        </p:nvSpPr>
+        <p:spPr>
+          <a:xfrm>
+            <a:off x="457200" y="1143000"/>
+            <a:ext cx="8229600" cy="1219199"/>
+          </a:xfrm>
+        </p:spPr>
         <p:txBody>
           <a:bodyPr>
             <a:normAutofit/>
@@ -4743,16 +4756,57 @@
           <a:lstStyle/>
           <a:p>
             <a:r>
-              <a:rPr lang="pt-BR" sz="6000"/>
-              <a:t>Obrigado!</a:t>
-            </a:r>
-            <a:endParaRPr lang="en-US" sz="6000" dirty="0"/>
-          </a:p>
-        </p:txBody>
-      </p:sp>
-      <p:sp>
-        <p:nvSpPr>
-          <p:cNvPr id="6" name="Slide Number Placeholder 5"/>
+              <a:rPr lang="en-US" dirty="0" err="1"/>
+              <a:t>Qual</a:t>
+            </a:r>
+            <a:r>
+              <a:rPr lang="en-US" dirty="0"/>
+              <a:t> o </a:t>
+            </a:r>
+            <a:r>
+              <a:rPr lang="en-US" dirty="0" err="1"/>
+              <a:t>fator</a:t>
+            </a:r>
+            <a:r>
+              <a:rPr lang="en-US" dirty="0"/>
+              <a:t> </a:t>
+            </a:r>
+            <a:r>
+              <a:rPr lang="en-US" dirty="0" err="1"/>
+              <a:t>contribuinte</a:t>
+            </a:r>
+            <a:r>
+              <a:rPr lang="en-US" dirty="0"/>
+              <a:t> para a </a:t>
+            </a:r>
+            <a:r>
+              <a:rPr lang="en-US" dirty="0" err="1"/>
+              <a:t>maioria</a:t>
+            </a:r>
+            <a:r>
+              <a:rPr lang="en-US" dirty="0"/>
+              <a:t> dos </a:t>
+            </a:r>
+            <a:r>
+              <a:rPr lang="en-US" dirty="0" err="1"/>
+              <a:t>incidentes</a:t>
+            </a:r>
+            <a:r>
+              <a:rPr lang="en-US" dirty="0"/>
+              <a:t> (cont.)?</a:t>
+            </a:r>
+          </a:p>
+          <a:p>
+            <a:pPr marL="0" indent="0">
+              <a:buNone/>
+            </a:pPr>
+            <a:endParaRPr lang="en-US" dirty="0"/>
+          </a:p>
+        </p:txBody>
+      </p:sp>
+      <p:sp>
+        <p:nvSpPr>
+          <p:cNvPr id="5" name="Slide Number Placeholder 4"/>
           <p:cNvSpPr>
             <a:spLocks noGrp="1"/>
           </p:cNvSpPr>
@@ -4774,6 +4828,630 @@
           </a:p>
         </p:txBody>
       </p:sp>
+      <p:graphicFrame>
+        <p:nvGraphicFramePr>
+          <p:cNvPr id="14" name="Tabela 13"/>
+          <p:cNvGraphicFramePr>
+            <a:graphicFrameLocks noGrp="1"/>
+          </p:cNvGraphicFramePr>
+          <p:nvPr>
+            <p:extLst>
+              <p:ext uri="{D42A27DB-BD31-4B8C-83A1-F6EECF244321}">
+                <p14:modId xmlns:p14="http://schemas.microsoft.com/office/powerpoint/2010/main" val="2524535686"/>
+              </p:ext>
+            </p:extLst>
+          </p:nvPr>
+        </p:nvGraphicFramePr>
+        <p:xfrm>
+          <a:off x="914398" y="2209800"/>
+          <a:ext cx="7162804" cy="4432568"/>
+        </p:xfrm>
+        <a:graphic>
+          <a:graphicData uri="http://schemas.openxmlformats.org/drawingml/2006/table">
+            <a:tbl>
+              <a:tblPr firstRow="1" bandRow="1">
+                <a:tableStyleId>{5C22544A-7EE6-4342-B048-85BDC9FD1C3A}</a:tableStyleId>
+              </a:tblPr>
+              <a:tblGrid>
+                <a:gridCol w="1790701">
+                  <a:extLst>
+                    <a:ext uri="{9D8B030D-6E8A-4147-A177-3AD203B41FA5}">
+                      <a16:colId xmlns:a16="http://schemas.microsoft.com/office/drawing/2014/main" val="3009972550"/>
+                    </a:ext>
+                  </a:extLst>
+                </a:gridCol>
+                <a:gridCol w="1790701">
+                  <a:extLst>
+                    <a:ext uri="{9D8B030D-6E8A-4147-A177-3AD203B41FA5}">
+                      <a16:colId xmlns:a16="http://schemas.microsoft.com/office/drawing/2014/main" val="613980470"/>
+                    </a:ext>
+                  </a:extLst>
+                </a:gridCol>
+                <a:gridCol w="1790701">
+                  <a:extLst>
+                    <a:ext uri="{9D8B030D-6E8A-4147-A177-3AD203B41FA5}">
+                      <a16:colId xmlns:a16="http://schemas.microsoft.com/office/drawing/2014/main" val="381861498"/>
+                    </a:ext>
+                  </a:extLst>
+                </a:gridCol>
+                <a:gridCol w="1790701">
+                  <a:extLst>
+                    <a:ext uri="{9D8B030D-6E8A-4147-A177-3AD203B41FA5}">
+                      <a16:colId xmlns:a16="http://schemas.microsoft.com/office/drawing/2014/main" val="1991093738"/>
+                    </a:ext>
+                  </a:extLst>
+                </a:gridCol>
+              </a:tblGrid>
+              <a:tr h="570914">
+                <a:tc>
+                  <a:txBody>
+                    <a:bodyPr/>
+                    <a:lstStyle/>
+                    <a:p>
+                      <a:pPr algn="ctr"/>
+                      <a:r>
+                        <a:rPr lang="pt-BR" dirty="0"/>
+                        <a:t>Fator</a:t>
+                      </a:r>
+                    </a:p>
+                  </a:txBody>
+                  <a:tcPr/>
+                </a:tc>
+                <a:tc>
+                  <a:txBody>
+                    <a:bodyPr/>
+                    <a:lstStyle/>
+                    <a:p>
+                      <a:pPr algn="ctr"/>
+                      <a:r>
+                        <a:rPr lang="pt-BR" dirty="0"/>
+                        <a:t>Classificação</a:t>
+                      </a:r>
+                    </a:p>
+                  </a:txBody>
+                  <a:tcPr/>
+                </a:tc>
+                <a:tc>
+                  <a:txBody>
+                    <a:bodyPr/>
+                    <a:lstStyle/>
+                    <a:p>
+                      <a:pPr algn="ctr"/>
+                      <a:r>
+                        <a:rPr lang="pt-BR" dirty="0"/>
+                        <a:t>Quantidade de Fatalidades</a:t>
+                      </a:r>
+                    </a:p>
+                  </a:txBody>
+                  <a:tcPr/>
+                </a:tc>
+                <a:tc>
+                  <a:txBody>
+                    <a:bodyPr/>
+                    <a:lstStyle/>
+                    <a:p>
+                      <a:pPr algn="ctr"/>
+                      <a:r>
+                        <a:rPr lang="pt-BR" dirty="0"/>
+                        <a:t>Aeronaves</a:t>
+                      </a:r>
+                    </a:p>
+                  </a:txBody>
+                  <a:tcPr/>
+                </a:tc>
+                <a:extLst>
+                  <a:ext uri="{0D108BD9-81ED-4DB2-BD59-A6C34878D82A}">
+                    <a16:rowId xmlns:a16="http://schemas.microsoft.com/office/drawing/2014/main" val="20274608"/>
+                  </a:ext>
+                </a:extLst>
+              </a:tr>
+              <a:tr h="592088">
+                <a:tc>
+                  <a:txBody>
+                    <a:bodyPr/>
+                    <a:lstStyle/>
+                    <a:p>
+                      <a:pPr algn="ctr"/>
+                      <a:r>
+                        <a:rPr lang="pt-BR" dirty="0"/>
+                        <a:t>Julgamento de pilotagem</a:t>
+                      </a:r>
+                    </a:p>
+                  </a:txBody>
+                  <a:tcPr/>
+                </a:tc>
+                <a:tc>
+                  <a:txBody>
+                    <a:bodyPr/>
+                    <a:lstStyle/>
+                    <a:p>
+                      <a:pPr algn="ctr"/>
+                      <a:r>
+                        <a:rPr lang="pt-BR" dirty="0"/>
+                        <a:t>Piloto</a:t>
+                      </a:r>
+                    </a:p>
+                  </a:txBody>
+                  <a:tcPr/>
+                </a:tc>
+                <a:tc>
+                  <a:txBody>
+                    <a:bodyPr/>
+                    <a:lstStyle/>
+                    <a:p>
+                      <a:pPr algn="ctr"/>
+                      <a:r>
+                        <a:rPr lang="pt-BR" dirty="0"/>
+                        <a:t>672</a:t>
+                      </a:r>
+                    </a:p>
+                  </a:txBody>
+                  <a:tcPr/>
+                </a:tc>
+                <a:tc>
+                  <a:txBody>
+                    <a:bodyPr/>
+                    <a:lstStyle/>
+                    <a:p>
+                      <a:pPr algn="ctr"/>
+                      <a:r>
+                        <a:rPr lang="pt-BR" dirty="0"/>
+                        <a:t>499</a:t>
+                      </a:r>
+                    </a:p>
+                  </a:txBody>
+                  <a:tcPr/>
+                </a:tc>
+                <a:extLst>
+                  <a:ext uri="{0D108BD9-81ED-4DB2-BD59-A6C34878D82A}">
+                    <a16:rowId xmlns:a16="http://schemas.microsoft.com/office/drawing/2014/main" val="1131738232"/>
+                  </a:ext>
+                </a:extLst>
+              </a:tr>
+              <a:tr h="592088">
+                <a:tc>
+                  <a:txBody>
+                    <a:bodyPr/>
+                    <a:lstStyle/>
+                    <a:p>
+                      <a:pPr algn="ctr"/>
+                      <a:r>
+                        <a:rPr lang="pt-BR" dirty="0"/>
+                        <a:t>Planejamento de voo</a:t>
+                      </a:r>
+                    </a:p>
+                  </a:txBody>
+                  <a:tcPr/>
+                </a:tc>
+                <a:tc>
+                  <a:txBody>
+                    <a:bodyPr/>
+                    <a:lstStyle/>
+                    <a:p>
+                      <a:pPr algn="ctr"/>
+                      <a:r>
+                        <a:rPr lang="pt-BR" dirty="0"/>
+                        <a:t>Organização</a:t>
+                      </a:r>
+                    </a:p>
+                  </a:txBody>
+                  <a:tcPr/>
+                </a:tc>
+                <a:tc>
+                  <a:txBody>
+                    <a:bodyPr/>
+                    <a:lstStyle/>
+                    <a:p>
+                      <a:pPr algn="ctr"/>
+                      <a:r>
+                        <a:rPr lang="pt-BR" dirty="0"/>
+                        <a:t>604</a:t>
+                      </a:r>
+                    </a:p>
+                  </a:txBody>
+                  <a:tcPr/>
+                </a:tc>
+                <a:tc>
+                  <a:txBody>
+                    <a:bodyPr/>
+                    <a:lstStyle/>
+                    <a:p>
+                      <a:pPr algn="ctr"/>
+                      <a:r>
+                        <a:rPr lang="pt-BR" dirty="0"/>
+                        <a:t>337</a:t>
+                      </a:r>
+                    </a:p>
+                  </a:txBody>
+                  <a:tcPr/>
+                </a:tc>
+                <a:extLst>
+                  <a:ext uri="{0D108BD9-81ED-4DB2-BD59-A6C34878D82A}">
+                    <a16:rowId xmlns:a16="http://schemas.microsoft.com/office/drawing/2014/main" val="3901065553"/>
+                  </a:ext>
+                </a:extLst>
+              </a:tr>
+              <a:tr h="592088">
+                <a:tc>
+                  <a:txBody>
+                    <a:bodyPr/>
+                    <a:lstStyle/>
+                    <a:p>
+                      <a:pPr algn="ctr"/>
+                      <a:r>
+                        <a:rPr lang="pt-BR" dirty="0"/>
+                        <a:t>Supervisão gerencial</a:t>
+                      </a:r>
+                    </a:p>
+                  </a:txBody>
+                  <a:tcPr/>
+                </a:tc>
+                <a:tc>
+                  <a:txBody>
+                    <a:bodyPr/>
+                    <a:lstStyle/>
+                    <a:p>
+                      <a:pPr algn="ctr"/>
+                      <a:r>
+                        <a:rPr lang="pt-BR" dirty="0"/>
+                        <a:t>Organização</a:t>
+                      </a:r>
+                    </a:p>
+                  </a:txBody>
+                  <a:tcPr/>
+                </a:tc>
+                <a:tc>
+                  <a:txBody>
+                    <a:bodyPr/>
+                    <a:lstStyle/>
+                    <a:p>
+                      <a:pPr algn="ctr"/>
+                      <a:r>
+                        <a:rPr lang="pt-BR" dirty="0"/>
+                        <a:t>602</a:t>
+                      </a:r>
+                    </a:p>
+                  </a:txBody>
+                  <a:tcPr/>
+                </a:tc>
+                <a:tc>
+                  <a:txBody>
+                    <a:bodyPr/>
+                    <a:lstStyle/>
+                    <a:p>
+                      <a:pPr algn="ctr"/>
+                      <a:r>
+                        <a:rPr lang="pt-BR" dirty="0"/>
+                        <a:t>380</a:t>
+                      </a:r>
+                    </a:p>
+                  </a:txBody>
+                  <a:tcPr/>
+                </a:tc>
+                <a:extLst>
+                  <a:ext uri="{0D108BD9-81ED-4DB2-BD59-A6C34878D82A}">
+                    <a16:rowId xmlns:a16="http://schemas.microsoft.com/office/drawing/2014/main" val="3477588915"/>
+                  </a:ext>
+                </a:extLst>
+              </a:tr>
+              <a:tr h="592088">
+                <a:tc>
+                  <a:txBody>
+                    <a:bodyPr/>
+                    <a:lstStyle/>
+                    <a:p>
+                      <a:pPr algn="ctr"/>
+                      <a:r>
+                        <a:rPr lang="pt-BR" dirty="0"/>
+                        <a:t>Coordenação de cabine</a:t>
+                      </a:r>
+                    </a:p>
+                  </a:txBody>
+                  <a:tcPr/>
+                </a:tc>
+                <a:tc>
+                  <a:txBody>
+                    <a:bodyPr/>
+                    <a:lstStyle/>
+                    <a:p>
+                      <a:pPr algn="ctr"/>
+                      <a:r>
+                        <a:rPr lang="pt-BR" dirty="0"/>
+                        <a:t>Piloto</a:t>
+                      </a:r>
+                    </a:p>
+                  </a:txBody>
+                  <a:tcPr/>
+                </a:tc>
+                <a:tc>
+                  <a:txBody>
+                    <a:bodyPr/>
+                    <a:lstStyle/>
+                    <a:p>
+                      <a:pPr algn="ctr"/>
+                      <a:r>
+                        <a:rPr lang="pt-BR" dirty="0"/>
+                        <a:t>481</a:t>
+                      </a:r>
+                    </a:p>
+                  </a:txBody>
+                  <a:tcPr/>
+                </a:tc>
+                <a:tc>
+                  <a:txBody>
+                    <a:bodyPr/>
+                    <a:lstStyle/>
+                    <a:p>
+                      <a:pPr algn="ctr"/>
+                      <a:r>
+                        <a:rPr lang="pt-BR" dirty="0"/>
+                        <a:t>92</a:t>
+                      </a:r>
+                    </a:p>
+                  </a:txBody>
+                  <a:tcPr/>
+                </a:tc>
+                <a:extLst>
+                  <a:ext uri="{0D108BD9-81ED-4DB2-BD59-A6C34878D82A}">
+                    <a16:rowId xmlns:a16="http://schemas.microsoft.com/office/drawing/2014/main" val="2959120716"/>
+                  </a:ext>
+                </a:extLst>
+              </a:tr>
+              <a:tr h="592088">
+                <a:tc>
+                  <a:txBody>
+                    <a:bodyPr/>
+                    <a:lstStyle/>
+                    <a:p>
+                      <a:pPr algn="ctr"/>
+                      <a:r>
+                        <a:rPr lang="pt-BR" dirty="0"/>
+                        <a:t>Instrução </a:t>
+                      </a:r>
+                    </a:p>
+                  </a:txBody>
+                  <a:tcPr/>
+                </a:tc>
+                <a:tc>
+                  <a:txBody>
+                    <a:bodyPr/>
+                    <a:lstStyle/>
+                    <a:p>
+                      <a:pPr algn="ctr"/>
+                      <a:r>
+                        <a:rPr lang="pt-BR" dirty="0"/>
+                        <a:t>Treinamento</a:t>
+                      </a:r>
+                    </a:p>
+                  </a:txBody>
+                  <a:tcPr/>
+                </a:tc>
+                <a:tc>
+                  <a:txBody>
+                    <a:bodyPr/>
+                    <a:lstStyle/>
+                    <a:p>
+                      <a:pPr algn="ctr"/>
+                      <a:r>
+                        <a:rPr lang="pt-BR" dirty="0"/>
+                        <a:t>467</a:t>
+                      </a:r>
+                    </a:p>
+                  </a:txBody>
+                  <a:tcPr/>
+                </a:tc>
+                <a:tc>
+                  <a:txBody>
+                    <a:bodyPr/>
+                    <a:lstStyle/>
+                    <a:p>
+                      <a:pPr algn="ctr"/>
+                      <a:r>
+                        <a:rPr lang="pt-BR" dirty="0"/>
+                        <a:t>148</a:t>
+                      </a:r>
+                    </a:p>
+                  </a:txBody>
+                  <a:tcPr/>
+                </a:tc>
+                <a:extLst>
+                  <a:ext uri="{0D108BD9-81ED-4DB2-BD59-A6C34878D82A}">
+                    <a16:rowId xmlns:a16="http://schemas.microsoft.com/office/drawing/2014/main" val="2308757382"/>
+                  </a:ext>
+                </a:extLst>
+              </a:tr>
+              <a:tr h="592088">
+                <a:tc>
+                  <a:txBody>
+                    <a:bodyPr/>
+                    <a:lstStyle/>
+                    <a:p>
+                      <a:pPr algn="ctr"/>
+                      <a:r>
+                        <a:rPr lang="pt-BR" dirty="0"/>
+                        <a:t>Indisciplina de Voo</a:t>
+                      </a:r>
+                    </a:p>
+                  </a:txBody>
+                  <a:tcPr/>
+                </a:tc>
+                <a:tc>
+                  <a:txBody>
+                    <a:bodyPr/>
+                    <a:lstStyle/>
+                    <a:p>
+                      <a:pPr algn="ctr"/>
+                      <a:r>
+                        <a:rPr lang="pt-BR" dirty="0"/>
+                        <a:t>Normas</a:t>
+                      </a:r>
+                    </a:p>
+                  </a:txBody>
+                  <a:tcPr/>
+                </a:tc>
+                <a:tc>
+                  <a:txBody>
+                    <a:bodyPr/>
+                    <a:lstStyle/>
+                    <a:p>
+                      <a:pPr algn="ctr"/>
+                      <a:r>
+                        <a:rPr lang="pt-BR" dirty="0"/>
+                        <a:t>409</a:t>
+                      </a:r>
+                    </a:p>
+                  </a:txBody>
+                  <a:tcPr/>
+                </a:tc>
+                <a:tc>
+                  <a:txBody>
+                    <a:bodyPr/>
+                    <a:lstStyle/>
+                    <a:p>
+                      <a:pPr algn="ctr"/>
+                      <a:r>
+                        <a:rPr lang="pt-BR" dirty="0"/>
+                        <a:t>167</a:t>
+                      </a:r>
+                    </a:p>
+                  </a:txBody>
+                  <a:tcPr/>
+                </a:tc>
+                <a:extLst>
+                  <a:ext uri="{0D108BD9-81ED-4DB2-BD59-A6C34878D82A}">
+                    <a16:rowId xmlns:a16="http://schemas.microsoft.com/office/drawing/2014/main" val="2362869105"/>
+                  </a:ext>
+                </a:extLst>
+              </a:tr>
+            </a:tbl>
+          </a:graphicData>
+        </a:graphic>
+      </p:graphicFrame>
+      <p:sp>
+        <p:nvSpPr>
+          <p:cNvPr id="7" name="Elipse 6"/>
+          <p:cNvSpPr/>
+          <p:nvPr/>
+        </p:nvSpPr>
+        <p:spPr>
+          <a:xfrm>
+            <a:off x="838200" y="5943599"/>
+            <a:ext cx="7239002" cy="698769"/>
+          </a:xfrm>
+          <a:prstGeom prst="ellipse">
+            <a:avLst/>
+          </a:prstGeom>
+          <a:noFill/>
+          <a:ln>
+            <a:solidFill>
+              <a:srgbClr val="FF0000"/>
+            </a:solidFill>
+          </a:ln>
+        </p:spPr>
+        <p:style>
+          <a:lnRef idx="2">
+            <a:schemeClr val="accent1">
+              <a:shade val="50000"/>
+            </a:schemeClr>
+          </a:lnRef>
+          <a:fillRef idx="1">
+            <a:schemeClr val="accent1"/>
+          </a:fillRef>
+          <a:effectRef idx="0">
+            <a:schemeClr val="accent1"/>
+          </a:effectRef>
+          <a:fontRef idx="minor">
+            <a:schemeClr val="lt1"/>
+          </a:fontRef>
+        </p:style>
+        <p:txBody>
+          <a:bodyPr rtlCol="0" anchor="ctr"/>
+          <a:lstStyle/>
+          <a:p>
+            <a:pPr algn="ctr"/>
+            <a:endParaRPr lang="pt-BR"/>
+          </a:p>
+        </p:txBody>
+      </p:sp>
+    </p:spTree>
+    <p:extLst>
+      <p:ext uri="{BB962C8B-B14F-4D97-AF65-F5344CB8AC3E}">
+        <p14:creationId xmlns:p14="http://schemas.microsoft.com/office/powerpoint/2010/main" val="1849305516"/>
+      </p:ext>
+    </p:extLst>
+  </p:cSld>
+  <p:clrMapOvr>
+    <a:masterClrMapping/>
+  </p:clrMapOvr>
+</p:sld>
+</file>
+
+<file path=ppt/slides/slide13.xml><?xml version="1.0" encoding="utf-8"?>
+<p:sld xmlns:a="http://schemas.openxmlformats.org/drawingml/2006/main" xmlns:r="http://schemas.openxmlformats.org/officeDocument/2006/relationships" xmlns:p="http://schemas.openxmlformats.org/presentationml/2006/main">
+  <p:cSld>
+    <p:spTree>
+      <p:nvGrpSpPr>
+        <p:cNvPr id="1" name=""/>
+        <p:cNvGrpSpPr/>
+        <p:nvPr/>
+      </p:nvGrpSpPr>
+      <p:grpSpPr>
+        <a:xfrm>
+          <a:off x="0" y="0"/>
+          <a:ext cx="0" cy="0"/>
+          <a:chOff x="0" y="0"/>
+          <a:chExt cx="0" cy="0"/>
+        </a:xfrm>
+      </p:grpSpPr>
+      <p:sp>
+        <p:nvSpPr>
+          <p:cNvPr id="2" name="Título 1"/>
+          <p:cNvSpPr>
+            <a:spLocks noGrp="1"/>
+          </p:cNvSpPr>
+          <p:nvPr>
+            <p:ph type="ctrTitle"/>
+          </p:nvPr>
+        </p:nvSpPr>
+        <p:spPr/>
+        <p:txBody>
+          <a:bodyPr>
+            <a:normAutofit/>
+          </a:bodyPr>
+          <a:lstStyle/>
+          <a:p>
+            <a:r>
+              <a:rPr lang="pt-BR" sz="6000" dirty="0"/>
+              <a:t>Perguntas?</a:t>
+            </a:r>
+            <a:endParaRPr lang="en-US" sz="6000" dirty="0"/>
+          </a:p>
+        </p:txBody>
+      </p:sp>
+      <p:sp>
+        <p:nvSpPr>
+          <p:cNvPr id="6" name="Slide Number Placeholder 5"/>
+          <p:cNvSpPr>
+            <a:spLocks noGrp="1"/>
+          </p:cNvSpPr>
+          <p:nvPr>
+            <p:ph type="sldNum" sz="quarter" idx="12"/>
+          </p:nvPr>
+        </p:nvSpPr>
+        <p:spPr/>
+        <p:txBody>
+          <a:bodyPr/>
+          <a:lstStyle/>
+          <a:p>
+            <a:fld id="{8FE1B02D-2A3F-49DE-AB67-7B93722EBA11}" type="slidenum">
+              <a:rPr lang="en-US" smtClean="0"/>
+              <a:pPr/>
+              <a:t>13</a:t>
+            </a:fld>
+            <a:endParaRPr lang="en-US"/>
+          </a:p>
+        </p:txBody>
+      </p:sp>
       <p:sp>
         <p:nvSpPr>
           <p:cNvPr id="4" name="Subtítulo 3"/>
@@ -4797,6 +5475,104 @@
     <p:extLst>
       <p:ext uri="{BB962C8B-B14F-4D97-AF65-F5344CB8AC3E}">
         <p14:creationId xmlns:p14="http://schemas.microsoft.com/office/powerpoint/2010/main" val="78595364"/>
+      </p:ext>
+    </p:extLst>
+  </p:cSld>
+  <p:clrMapOvr>
+    <a:masterClrMapping/>
+  </p:clrMapOvr>
+</p:sld>
+</file>
+
+<file path=ppt/slides/slide14.xml><?xml version="1.0" encoding="utf-8"?>
+<p:sld xmlns:a="http://schemas.openxmlformats.org/drawingml/2006/main" xmlns:r="http://schemas.openxmlformats.org/officeDocument/2006/relationships" xmlns:p="http://schemas.openxmlformats.org/presentationml/2006/main">
+  <p:cSld>
+    <p:spTree>
+      <p:nvGrpSpPr>
+        <p:cNvPr id="1" name=""/>
+        <p:cNvGrpSpPr/>
+        <p:nvPr/>
+      </p:nvGrpSpPr>
+      <p:grpSpPr>
+        <a:xfrm>
+          <a:off x="0" y="0"/>
+          <a:ext cx="0" cy="0"/>
+          <a:chOff x="0" y="0"/>
+          <a:chExt cx="0" cy="0"/>
+        </a:xfrm>
+      </p:grpSpPr>
+      <p:sp>
+        <p:nvSpPr>
+          <p:cNvPr id="2" name="Título 1"/>
+          <p:cNvSpPr>
+            <a:spLocks noGrp="1"/>
+          </p:cNvSpPr>
+          <p:nvPr>
+            <p:ph type="ctrTitle"/>
+          </p:nvPr>
+        </p:nvSpPr>
+        <p:spPr/>
+        <p:txBody>
+          <a:bodyPr>
+            <a:normAutofit/>
+          </a:bodyPr>
+          <a:lstStyle/>
+          <a:p>
+            <a:r>
+              <a:rPr lang="pt-BR" sz="6000"/>
+              <a:t>Obrigado!</a:t>
+            </a:r>
+            <a:endParaRPr lang="en-US" sz="6000" dirty="0"/>
+          </a:p>
+        </p:txBody>
+      </p:sp>
+      <p:sp>
+        <p:nvSpPr>
+          <p:cNvPr id="6" name="Slide Number Placeholder 5"/>
+          <p:cNvSpPr>
+            <a:spLocks noGrp="1"/>
+          </p:cNvSpPr>
+          <p:nvPr>
+            <p:ph type="sldNum" sz="quarter" idx="12"/>
+          </p:nvPr>
+        </p:nvSpPr>
+        <p:spPr/>
+        <p:txBody>
+          <a:bodyPr/>
+          <a:lstStyle/>
+          <a:p>
+            <a:fld id="{8FE1B02D-2A3F-49DE-AB67-7B93722EBA11}" type="slidenum">
+              <a:rPr lang="en-US" smtClean="0"/>
+              <a:pPr/>
+              <a:t>14</a:t>
+            </a:fld>
+            <a:endParaRPr lang="en-US"/>
+          </a:p>
+        </p:txBody>
+      </p:sp>
+      <p:sp>
+        <p:nvSpPr>
+          <p:cNvPr id="4" name="Subtítulo 3"/>
+          <p:cNvSpPr>
+            <a:spLocks noGrp="1"/>
+          </p:cNvSpPr>
+          <p:nvPr>
+            <p:ph type="subTitle" idx="1"/>
+          </p:nvPr>
+        </p:nvSpPr>
+        <p:spPr/>
+        <p:txBody>
+          <a:bodyPr/>
+          <a:lstStyle/>
+          <a:p>
+            <a:endParaRPr lang="pt-BR"/>
+          </a:p>
+        </p:txBody>
+      </p:sp>
+    </p:spTree>
+    <p:extLst>
+      <p:ext uri="{BB962C8B-B14F-4D97-AF65-F5344CB8AC3E}">
+        <p14:creationId xmlns:p14="http://schemas.microsoft.com/office/powerpoint/2010/main" val="1528458059"/>
       </p:ext>
     </p:extLst>
   </p:cSld>
@@ -5100,6 +5876,47 @@
           </a:p>
         </p:txBody>
       </p:sp>
+      <p:pic>
+        <p:nvPicPr>
+          <p:cNvPr id="1026" name="Picture 2" descr="Resultado de imagem para CENIPA"/>
+          <p:cNvPicPr>
+            <a:picLocks noChangeAspect="1" noChangeArrowheads="1"/>
+          </p:cNvPicPr>
+          <p:nvPr/>
+        </p:nvPicPr>
+        <p:blipFill>
+          <a:blip r:embed="rId2" cstate="print">
+            <a:extLst>
+              <a:ext uri="{28A0092B-C50C-407E-A947-70E740481C1C}">
+                <a14:useLocalDpi xmlns:a14="http://schemas.microsoft.com/office/drawing/2010/main" val="0"/>
+              </a:ext>
+            </a:extLst>
+          </a:blip>
+          <a:srcRect/>
+          <a:stretch>
+            <a:fillRect/>
+          </a:stretch>
+        </p:blipFill>
+        <p:spPr bwMode="auto">
+          <a:xfrm>
+            <a:off x="5295900" y="2637239"/>
+            <a:ext cx="3124200" cy="3634180"/>
+          </a:xfrm>
+          <a:prstGeom prst="rect">
+            <a:avLst/>
+          </a:prstGeom>
+          <a:noFill/>
+          <a:extLst>
+            <a:ext uri="{909E8E84-426E-40DD-AFC4-6F175D3DCCD1}">
+              <a14:hiddenFill xmlns:a14="http://schemas.microsoft.com/office/drawing/2010/main">
+                <a:solidFill>
+                  <a:srgbClr val="FFFFFF"/>
+                </a:solidFill>
+              </a14:hiddenFill>
+            </a:ext>
+          </a:extLst>
+        </p:spPr>
+      </p:pic>
     </p:spTree>
     <p:extLst>
       <p:ext uri="{BB962C8B-B14F-4D97-AF65-F5344CB8AC3E}">
@@ -5647,7 +6464,7 @@
             </a:r>
             <a:r>
               <a:rPr lang="en-US" dirty="0"/>
-              <a:t> que Boeing</a:t>
+              <a:t> que Boeing?</a:t>
             </a:r>
           </a:p>
           <a:p>
@@ -5695,12 +6512,47 @@
               <a:rPr lang="en-US" dirty="0" err="1"/>
               <a:t>decolagem</a:t>
             </a:r>
+            <a:r>
+              <a:rPr lang="en-US" dirty="0"/>
+              <a:t>?</a:t>
+            </a:r>
+          </a:p>
+          <a:p>
+            <a:r>
+              <a:rPr lang="en-US" dirty="0" err="1"/>
+              <a:t>Fator</a:t>
+            </a:r>
+            <a:r>
+              <a:rPr lang="en-US" dirty="0"/>
+              <a:t> </a:t>
+            </a:r>
+            <a:r>
+              <a:rPr lang="en-US" dirty="0" err="1"/>
+              <a:t>contribuinte</a:t>
+            </a:r>
+            <a:r>
+              <a:rPr lang="en-US" dirty="0"/>
+              <a:t> para a </a:t>
+            </a:r>
+            <a:r>
+              <a:rPr lang="en-US" dirty="0" err="1"/>
+              <a:t>maioria</a:t>
+            </a:r>
+            <a:r>
+              <a:rPr lang="en-US" dirty="0"/>
+              <a:t> dos </a:t>
+            </a:r>
+            <a:r>
+              <a:rPr lang="en-US" dirty="0" err="1"/>
+              <a:t>incidentes</a:t>
+            </a:r>
             <a:endParaRPr lang="en-US" dirty="0"/>
           </a:p>
           <a:p>
-            <a:r>
-              <a:rPr lang="en-US" dirty="0" err="1"/>
-              <a:t>Fator</a:t>
+            <a:pPr lvl="1"/>
+            <a:r>
+              <a:rPr lang="en-US" dirty="0" err="1"/>
+              <a:t>Falha</a:t>
             </a:r>
             <a:r>
               <a:rPr lang="en-US" dirty="0"/>
@@ -5708,41 +6560,12 @@
             </a:r>
             <a:r>
               <a:rPr lang="en-US" dirty="0" err="1"/>
-              <a:t>contribuinte</a:t>
-            </a:r>
-            <a:r>
-              <a:rPr lang="en-US" dirty="0"/>
-              <a:t> para a </a:t>
-            </a:r>
-            <a:r>
-              <a:rPr lang="en-US" dirty="0" err="1"/>
-              <a:t>maioria</a:t>
-            </a:r>
-            <a:r>
-              <a:rPr lang="en-US" dirty="0"/>
-              <a:t> dos </a:t>
-            </a:r>
-            <a:r>
-              <a:rPr lang="en-US" dirty="0" err="1"/>
-              <a:t>incidentes</a:t>
-            </a:r>
-            <a:endParaRPr lang="en-US" dirty="0"/>
-          </a:p>
-          <a:p>
-            <a:pPr lvl="1"/>
-            <a:r>
-              <a:rPr lang="en-US" dirty="0" err="1"/>
-              <a:t>Falha</a:t>
-            </a:r>
-            <a:r>
-              <a:rPr lang="en-US" dirty="0"/>
-              <a:t> </a:t>
-            </a:r>
-            <a:r>
-              <a:rPr lang="en-US" dirty="0" err="1"/>
               <a:t>humana</a:t>
             </a:r>
-            <a:endParaRPr lang="en-US" dirty="0"/>
+            <a:r>
+              <a:rPr lang="en-US" dirty="0"/>
+              <a:t>?</a:t>
+            </a:r>
           </a:p>
           <a:p>
             <a:endParaRPr lang="en-US" dirty="0"/>
@@ -6037,12 +6860,8 @@
           <a:lstStyle/>
           <a:p>
             <a:r>
-              <a:rPr lang="en-US" dirty="0" err="1"/>
-              <a:t>Os</a:t>
-            </a:r>
-            <a:r>
-              <a:rPr lang="en-US" dirty="0"/>
-              <a:t> Datasets</a:t>
+              <a:rPr lang="en-US" dirty="0"/>
+              <a:t>O Dataset</a:t>
             </a:r>
           </a:p>
         </p:txBody>
@@ -6967,6 +7786,52 @@
           </a:graphicData>
         </a:graphic>
       </p:graphicFrame>
+      <p:sp>
+        <p:nvSpPr>
+          <p:cNvPr id="4" name="Elipse 3"/>
+          <p:cNvSpPr/>
+          <p:nvPr/>
+        </p:nvSpPr>
+        <p:spPr>
+          <a:xfrm>
+            <a:off x="914400" y="5105400"/>
+            <a:ext cx="7772400" cy="609600"/>
+          </a:xfrm>
+          <a:prstGeom prst="ellipse">
+            <a:avLst/>
+          </a:prstGeom>
+          <a:noFill/>
+          <a:ln>
+            <a:solidFill>
+              <a:srgbClr val="FF0000"/>
+            </a:solidFill>
+          </a:ln>
+        </p:spPr>
+        <p:style>
+          <a:lnRef idx="2">
+            <a:schemeClr val="accent1">
+              <a:shade val="50000"/>
+            </a:schemeClr>
+          </a:lnRef>
+          <a:fillRef idx="1">
+            <a:schemeClr val="accent1"/>
+          </a:fillRef>
+          <a:effectRef idx="0">
+            <a:schemeClr val="accent1"/>
+          </a:effectRef>
+          <a:fontRef idx="minor">
+            <a:schemeClr val="lt1"/>
+          </a:fontRef>
+        </p:style>
+        <p:txBody>
+          <a:bodyPr rtlCol="0" anchor="ctr"/>
+          <a:lstStyle/>
+          <a:p>
+            <a:pPr algn="ctr"/>
+            <a:endParaRPr lang="pt-BR"/>
+          </a:p>
+        </p:txBody>
+      </p:sp>
     </p:spTree>
     <p:extLst>
       <p:ext uri="{BB962C8B-B14F-4D97-AF65-F5344CB8AC3E}">

--- a/apresentacao ciencia dados.pptx
+++ b/apresentacao ciencia dados.pptx
@@ -3530,8 +3530,21 @@
                   <a:schemeClr val="tx1"/>
                 </a:solidFill>
               </a:rPr>
-              <a:t> Yin He</a:t>
-            </a:r>
+              <a:t> </a:t>
+            </a:r>
+            <a:r>
+              <a:rPr lang="pt-BR" b="1" dirty="0" err="1">
+                <a:solidFill>
+                  <a:schemeClr val="tx1"/>
+                </a:solidFill>
+              </a:rPr>
+              <a:t>Yinhe</a:t>
+            </a:r>
+            <a:endParaRPr lang="pt-BR" b="1" dirty="0">
+              <a:solidFill>
+                <a:schemeClr val="tx1"/>
+              </a:solidFill>
+            </a:endParaRPr>
           </a:p>
           <a:p>
             <a:pPr>
@@ -3540,7 +3553,7 @@
               </a:lnSpc>
             </a:pPr>
             <a:r>
-              <a:rPr lang="pt-BR" sz="2800" b="1" dirty="0">
+              <a:rPr lang="pt-BR" b="1" dirty="0">
                 <a:solidFill>
                   <a:schemeClr val="tx1"/>
                 </a:solidFill>
@@ -5664,12 +5677,8 @@
           </a:p>
           <a:p>
             <a:r>
-              <a:rPr lang="en-US" dirty="0" err="1"/>
-              <a:t>Os</a:t>
-            </a:r>
-            <a:r>
-              <a:rPr lang="en-US" dirty="0"/>
-              <a:t> datasets</a:t>
+              <a:rPr lang="en-US" dirty="0"/>
+              <a:t>O Dataset</a:t>
             </a:r>
           </a:p>
           <a:p>
@@ -5784,8 +5793,12 @@
           <a:lstStyle/>
           <a:p>
             <a:r>
-              <a:rPr lang="en-US" dirty="0"/>
-              <a:t>Centro de </a:t>
+              <a:rPr lang="en-US" dirty="0" err="1"/>
+              <a:t>CeNtro</a:t>
+            </a:r>
+            <a:r>
+              <a:rPr lang="en-US" dirty="0"/>
+              <a:t> de </a:t>
             </a:r>
             <a:r>
               <a:rPr lang="en-US" dirty="0" err="1"/>
@@ -5993,10 +6006,33 @@
           <a:lstStyle/>
           <a:p>
             <a:r>
-              <a:rPr lang="en-US" dirty="0" err="1"/>
-              <a:t>Incidente</a:t>
-            </a:r>
-            <a:endParaRPr lang="en-US" dirty="0"/>
+              <a:rPr lang="en-US" dirty="0"/>
+              <a:t>É </a:t>
+            </a:r>
+            <a:r>
+              <a:rPr lang="en-US" dirty="0" err="1"/>
+              <a:t>considerado</a:t>
+            </a:r>
+            <a:r>
+              <a:rPr lang="en-US" dirty="0"/>
+              <a:t> </a:t>
+            </a:r>
+            <a:r>
+              <a:rPr lang="en-US" dirty="0" err="1"/>
+              <a:t>incidente</a:t>
+            </a:r>
+            <a:r>
+              <a:rPr lang="en-US" dirty="0"/>
+              <a:t> </a:t>
+            </a:r>
+            <a:r>
+              <a:rPr lang="en-US" dirty="0" err="1"/>
+              <a:t>quando</a:t>
+            </a:r>
+            <a:r>
+              <a:rPr lang="en-US" dirty="0"/>
+              <a:t>:</a:t>
+            </a:r>
           </a:p>
           <a:p>
             <a:pPr lvl="1"/>
@@ -6397,7 +6433,7 @@
             </a:r>
             <a:r>
               <a:rPr lang="en-US" dirty="0" err="1"/>
-              <a:t>esta</a:t>
+              <a:t>está</a:t>
             </a:r>
             <a:r>
               <a:rPr lang="en-US" dirty="0"/>
@@ -6470,7 +6506,15 @@
           <a:p>
             <a:r>
               <a:rPr lang="en-US" dirty="0" err="1"/>
-              <a:t>Fase</a:t>
+              <a:t>Qual</a:t>
+            </a:r>
+            <a:r>
+              <a:rPr lang="en-US" dirty="0"/>
+              <a:t> </a:t>
+            </a:r>
+            <a:r>
+              <a:rPr lang="en-US" dirty="0" err="1"/>
+              <a:t>fase</a:t>
             </a:r>
             <a:r>
               <a:rPr lang="en-US" dirty="0"/>
@@ -6478,7 +6522,7 @@
             </a:r>
             <a:r>
               <a:rPr lang="en-US" dirty="0" err="1"/>
-              <a:t>voo</a:t>
+              <a:t>vôo</a:t>
             </a:r>
             <a:r>
               <a:rPr lang="en-US" dirty="0"/>
@@ -7061,7 +7105,10 @@
               <a:rPr lang="en-US" dirty="0" err="1"/>
               <a:t>linha</a:t>
             </a:r>
-            <a:endParaRPr lang="en-US" dirty="0"/>
+            <a:r>
+              <a:rPr lang="en-US" dirty="0"/>
+              <a:t>.</a:t>
+            </a:r>
           </a:p>
           <a:p>
             <a:r>
@@ -7076,7 +7123,10 @@
               <a:rPr lang="en-US" dirty="0" err="1"/>
               <a:t>datas</a:t>
             </a:r>
-            <a:endParaRPr lang="en-US" dirty="0"/>
+            <a:r>
+              <a:rPr lang="en-US" dirty="0"/>
+              <a:t>.</a:t>
+            </a:r>
           </a:p>
           <a:p>
             <a:r>
@@ -7117,7 +7167,7 @@
             </a:r>
             <a:r>
               <a:rPr lang="en-US" dirty="0"/>
-              <a:t>”</a:t>
+              <a:t>”.</a:t>
             </a:r>
           </a:p>
           <a:p>

--- a/apresentacao ciencia dados.pptx
+++ b/apresentacao ciencia dados.pptx
@@ -2,10 +2,10 @@
 <file path=ppt/presentation.xml><?xml version="1.0" encoding="utf-8"?>
 <p:presentation xmlns:a="http://schemas.openxmlformats.org/drawingml/2006/main" xmlns:r="http://schemas.openxmlformats.org/officeDocument/2006/relationships" xmlns:p="http://schemas.openxmlformats.org/presentationml/2006/main" showSpecialPlsOnTitleSld="0" saveSubsetFonts="1">
   <p:sldMasterIdLst>
-    <p:sldMasterId id="2147483648" r:id="rId1"/>
+    <p:sldMasterId id="2147483732" r:id="rId1"/>
   </p:sldMasterIdLst>
   <p:notesMasterIdLst>
-    <p:notesMasterId r:id="rId16"/>
+    <p:notesMasterId r:id="rId17"/>
   </p:notesMasterIdLst>
   <p:sldIdLst>
     <p:sldId id="256" r:id="rId2"/>
@@ -20,8 +20,9 @@
     <p:sldId id="282" r:id="rId11"/>
     <p:sldId id="283" r:id="rId12"/>
     <p:sldId id="284" r:id="rId13"/>
-    <p:sldId id="281" r:id="rId14"/>
-    <p:sldId id="285" r:id="rId15"/>
+    <p:sldId id="286" r:id="rId14"/>
+    <p:sldId id="281" r:id="rId15"/>
+    <p:sldId id="285" r:id="rId16"/>
   </p:sldIdLst>
   <p:sldSz cx="9144000" cy="6858000" type="screen4x3"/>
   <p:notesSz cx="6858000" cy="9144000"/>
@@ -222,7 +223,7 @@
             <a:fld id="{D3A8EBA5-A3D1-458F-B493-A7784F843002}" type="datetimeFigureOut">
               <a:rPr lang="en-US" smtClean="0"/>
               <a:pPr/>
-              <a:t>11/30/2016</a:t>
+              <a:t>12/1/2016</a:t>
             </a:fld>
             <a:endParaRPr lang="en-US"/>
           </a:p>
@@ -493,8 +494,13 @@
 </file>
 
 <file path=ppt/slideLayouts/slideLayout1.xml><?xml version="1.0" encoding="utf-8"?>
-<p:sldLayout xmlns:a="http://schemas.openxmlformats.org/drawingml/2006/main" xmlns:r="http://schemas.openxmlformats.org/officeDocument/2006/relationships" xmlns:p="http://schemas.openxmlformats.org/presentationml/2006/main" type="title" preserve="1">
-  <p:cSld name="Title Slide">
+<p:sldLayout xmlns:a="http://schemas.openxmlformats.org/drawingml/2006/main" xmlns:r="http://schemas.openxmlformats.org/officeDocument/2006/relationships" xmlns:p="http://schemas.openxmlformats.org/presentationml/2006/main" showMasterSp="0" type="title" preserve="1">
+  <p:cSld name="Slide de título">
+    <p:bg>
+      <p:bgRef idx="1001">
+        <a:schemeClr val="bg1"/>
+      </p:bgRef>
+    </p:bg>
     <p:spTree>
       <p:nvGrpSpPr>
         <p:cNvPr id="1" name=""/>
@@ -511,7 +517,7 @@
       </p:grpSpPr>
       <p:sp>
         <p:nvSpPr>
-          <p:cNvPr id="2" name="Title 1"/>
+          <p:cNvPr id="8" name="Título 7"/>
           <p:cNvSpPr>
             <a:spLocks noGrp="1"/>
           </p:cNvSpPr>
@@ -521,24 +527,29 @@
         </p:nvSpPr>
         <p:spPr>
           <a:xfrm>
-            <a:off x="685800" y="2130425"/>
-            <a:ext cx="7772400" cy="1470025"/>
+            <a:off x="2286000" y="3124200"/>
+            <a:ext cx="6172200" cy="1894362"/>
           </a:xfrm>
         </p:spPr>
         <p:txBody>
           <a:bodyPr/>
-          <a:lstStyle/>
-          <a:p>
-            <a:r>
-              <a:rPr lang="en-US"/>
-              <a:t>Click to edit Master title style</a:t>
-            </a:r>
-          </a:p>
-        </p:txBody>
-      </p:sp>
-      <p:sp>
-        <p:nvSpPr>
-          <p:cNvPr id="3" name="Subtitle 2"/>
+          <a:lstStyle>
+            <a:lvl1pPr>
+              <a:defRPr b="1"/>
+            </a:lvl1pPr>
+          </a:lstStyle>
+          <a:p>
+            <a:r>
+              <a:rPr kumimoji="0" lang="pt-BR"/>
+              <a:t>Clique para editar o estilo do título mestre</a:t>
+            </a:r>
+            <a:endParaRPr kumimoji="0" lang="en-US"/>
+          </a:p>
+        </p:txBody>
+      </p:sp>
+      <p:sp>
+        <p:nvSpPr>
+          <p:cNvPr id="9" name="Subtítulo 8"/>
           <p:cNvSpPr>
             <a:spLocks noGrp="1"/>
           </p:cNvSpPr>
@@ -548,115 +559,58 @@
         </p:nvSpPr>
         <p:spPr>
           <a:xfrm>
-            <a:off x="1371600" y="3886200"/>
-            <a:ext cx="6400800" cy="1752600"/>
+            <a:off x="2286000" y="5003322"/>
+            <a:ext cx="6172200" cy="1371600"/>
           </a:xfrm>
         </p:spPr>
         <p:txBody>
           <a:bodyPr/>
           <a:lstStyle>
-            <a:lvl1pPr marL="0" indent="0" algn="ctr">
+            <a:lvl1pPr marL="0" indent="0" algn="l">
               <a:buNone/>
-              <a:defRPr>
+              <a:defRPr sz="1800" b="1">
                 <a:solidFill>
-                  <a:schemeClr val="tx1">
-                    <a:tint val="75000"/>
-                  </a:schemeClr>
+                  <a:schemeClr val="tx2"/>
                 </a:solidFill>
               </a:defRPr>
             </a:lvl1pPr>
             <a:lvl2pPr marL="457200" indent="0" algn="ctr">
               <a:buNone/>
-              <a:defRPr>
-                <a:solidFill>
-                  <a:schemeClr val="tx1">
-                    <a:tint val="75000"/>
-                  </a:schemeClr>
-                </a:solidFill>
-              </a:defRPr>
             </a:lvl2pPr>
             <a:lvl3pPr marL="914400" indent="0" algn="ctr">
               <a:buNone/>
-              <a:defRPr>
-                <a:solidFill>
-                  <a:schemeClr val="tx1">
-                    <a:tint val="75000"/>
-                  </a:schemeClr>
-                </a:solidFill>
-              </a:defRPr>
             </a:lvl3pPr>
             <a:lvl4pPr marL="1371600" indent="0" algn="ctr">
               <a:buNone/>
-              <a:defRPr>
-                <a:solidFill>
-                  <a:schemeClr val="tx1">
-                    <a:tint val="75000"/>
-                  </a:schemeClr>
-                </a:solidFill>
-              </a:defRPr>
             </a:lvl4pPr>
             <a:lvl5pPr marL="1828800" indent="0" algn="ctr">
               <a:buNone/>
-              <a:defRPr>
-                <a:solidFill>
-                  <a:schemeClr val="tx1">
-                    <a:tint val="75000"/>
-                  </a:schemeClr>
-                </a:solidFill>
-              </a:defRPr>
             </a:lvl5pPr>
             <a:lvl6pPr marL="2286000" indent="0" algn="ctr">
               <a:buNone/>
-              <a:defRPr>
-                <a:solidFill>
-                  <a:schemeClr val="tx1">
-                    <a:tint val="75000"/>
-                  </a:schemeClr>
-                </a:solidFill>
-              </a:defRPr>
             </a:lvl6pPr>
             <a:lvl7pPr marL="2743200" indent="0" algn="ctr">
               <a:buNone/>
-              <a:defRPr>
-                <a:solidFill>
-                  <a:schemeClr val="tx1">
-                    <a:tint val="75000"/>
-                  </a:schemeClr>
-                </a:solidFill>
-              </a:defRPr>
             </a:lvl7pPr>
             <a:lvl8pPr marL="3200400" indent="0" algn="ctr">
               <a:buNone/>
-              <a:defRPr>
-                <a:solidFill>
-                  <a:schemeClr val="tx1">
-                    <a:tint val="75000"/>
-                  </a:schemeClr>
-                </a:solidFill>
-              </a:defRPr>
             </a:lvl8pPr>
             <a:lvl9pPr marL="3657600" indent="0" algn="ctr">
               <a:buNone/>
-              <a:defRPr>
-                <a:solidFill>
-                  <a:schemeClr val="tx1">
-                    <a:tint val="75000"/>
-                  </a:schemeClr>
-                </a:solidFill>
-              </a:defRPr>
             </a:lvl9pPr>
           </a:lstStyle>
           <a:p>
             <a:r>
-              <a:rPr lang="en-US"/>
-              <a:t>Click to edit Master subtitle style</a:t>
-            </a:r>
-          </a:p>
-        </p:txBody>
-      </p:sp>
-      <p:sp>
-        <p:nvSpPr>
-          <p:cNvPr id="4" name="Date Placeholder 3"/>
+              <a:rPr kumimoji="0" lang="pt-BR"/>
+              <a:t>Clique para editar o estilo do subtítulo mestre</a:t>
+            </a:r>
+            <a:endParaRPr kumimoji="0" lang="en-US"/>
+          </a:p>
+        </p:txBody>
+      </p:sp>
+      <p:sp>
+        <p:nvSpPr>
+          <p:cNvPr id="28" name="Espaço Reservado para Data 27"/>
           <p:cNvSpPr>
             <a:spLocks noGrp="1"/>
           </p:cNvSpPr>
@@ -664,15 +618,20 @@
             <p:ph type="dt" sz="half" idx="10"/>
           </p:nvPr>
         </p:nvSpPr>
-        <p:spPr/>
+        <p:spPr bwMode="auto">
+          <a:xfrm rot="5400000">
+            <a:off x="7764621" y="1174097"/>
+            <a:ext cx="2286000" cy="381000"/>
+          </a:xfrm>
+        </p:spPr>
         <p:txBody>
           <a:bodyPr/>
           <a:lstStyle/>
           <a:p>
-            <a:fld id="{50201450-F2A9-41C1-8119-B38BC03DA58C}" type="datetime1">
+            <a:fld id="{A4D20CB3-E548-497B-8DA5-345095E99FDB}" type="datetime1">
               <a:rPr lang="en-US" smtClean="0"/>
               <a:pPr/>
-              <a:t>11/30/2016</a:t>
+              <a:t>12/1/2016</a:t>
             </a:fld>
             <a:endParaRPr lang="en-US"/>
           </a:p>
@@ -680,7 +639,7 @@
       </p:sp>
       <p:sp>
         <p:nvSpPr>
-          <p:cNvPr id="5" name="Footer Placeholder 4"/>
+          <p:cNvPr id="17" name="Espaço Reservado para Rodapé 16"/>
           <p:cNvSpPr>
             <a:spLocks noGrp="1"/>
           </p:cNvSpPr>
@@ -688,7 +647,12 @@
             <p:ph type="ftr" sz="quarter" idx="11"/>
           </p:nvPr>
         </p:nvSpPr>
-        <p:spPr/>
+        <p:spPr bwMode="auto">
+          <a:xfrm rot="5400000">
+            <a:off x="7077269" y="4181669"/>
+            <a:ext cx="3657600" cy="384048"/>
+          </a:xfrm>
+        </p:spPr>
         <p:txBody>
           <a:bodyPr/>
           <a:lstStyle/>
@@ -699,7 +663,701 @@
       </p:sp>
       <p:sp>
         <p:nvSpPr>
-          <p:cNvPr id="6" name="Slide Number Placeholder 5"/>
+          <p:cNvPr id="10" name="Retângulo 9"/>
+          <p:cNvSpPr/>
+          <p:nvPr/>
+        </p:nvSpPr>
+        <p:spPr bwMode="auto">
+          <a:xfrm>
+            <a:off x="381000" y="0"/>
+            <a:ext cx="609600" cy="6858000"/>
+          </a:xfrm>
+          <a:prstGeom prst="rect">
+            <a:avLst/>
+          </a:prstGeom>
+          <a:solidFill>
+            <a:schemeClr val="accent1">
+              <a:tint val="60000"/>
+              <a:alpha val="54000"/>
+            </a:schemeClr>
+          </a:solidFill>
+          <a:ln w="38100" cap="rnd" cmpd="sng" algn="ctr">
+            <a:noFill/>
+            <a:prstDash val="solid"/>
+          </a:ln>
+          <a:effectLst/>
+        </p:spPr>
+        <p:style>
+          <a:lnRef idx="3">
+            <a:schemeClr val="lt1"/>
+          </a:lnRef>
+          <a:fillRef idx="1">
+            <a:schemeClr val="accent1"/>
+          </a:fillRef>
+          <a:effectRef idx="1">
+            <a:schemeClr val="accent1"/>
+          </a:effectRef>
+          <a:fontRef idx="minor">
+            <a:schemeClr val="lt1"/>
+          </a:fontRef>
+        </p:style>
+        <p:txBody>
+          <a:bodyPr anchor="ctr"/>
+          <a:lstStyle/>
+          <a:p>
+            <a:pPr algn="ctr" eaLnBrk="1" latinLnBrk="0" hangingPunct="1"/>
+            <a:endParaRPr kumimoji="0" lang="en-US"/>
+          </a:p>
+        </p:txBody>
+      </p:sp>
+      <p:sp>
+        <p:nvSpPr>
+          <p:cNvPr id="12" name="Retângulo 11"/>
+          <p:cNvSpPr/>
+          <p:nvPr/>
+        </p:nvSpPr>
+        <p:spPr bwMode="auto">
+          <a:xfrm>
+            <a:off x="276336" y="0"/>
+            <a:ext cx="104664" cy="6858000"/>
+          </a:xfrm>
+          <a:prstGeom prst="rect">
+            <a:avLst/>
+          </a:prstGeom>
+          <a:solidFill>
+            <a:schemeClr val="accent1">
+              <a:tint val="40000"/>
+              <a:alpha val="36000"/>
+            </a:schemeClr>
+          </a:solidFill>
+          <a:ln w="38100" cap="rnd" cmpd="sng" algn="ctr">
+            <a:noFill/>
+            <a:prstDash val="solid"/>
+          </a:ln>
+          <a:effectLst/>
+        </p:spPr>
+        <p:style>
+          <a:lnRef idx="3">
+            <a:schemeClr val="lt1"/>
+          </a:lnRef>
+          <a:fillRef idx="1">
+            <a:schemeClr val="accent1"/>
+          </a:fillRef>
+          <a:effectRef idx="1">
+            <a:schemeClr val="accent1"/>
+          </a:effectRef>
+          <a:fontRef idx="minor">
+            <a:schemeClr val="lt1"/>
+          </a:fontRef>
+        </p:style>
+        <p:txBody>
+          <a:bodyPr anchor="ctr"/>
+          <a:lstStyle/>
+          <a:p>
+            <a:pPr algn="ctr" eaLnBrk="1" latinLnBrk="0" hangingPunct="1"/>
+            <a:endParaRPr kumimoji="0" lang="en-US"/>
+          </a:p>
+        </p:txBody>
+      </p:sp>
+      <p:sp>
+        <p:nvSpPr>
+          <p:cNvPr id="14" name="Retângulo 13"/>
+          <p:cNvSpPr/>
+          <p:nvPr/>
+        </p:nvSpPr>
+        <p:spPr bwMode="auto">
+          <a:xfrm>
+            <a:off x="990600" y="0"/>
+            <a:ext cx="181872" cy="6858000"/>
+          </a:xfrm>
+          <a:prstGeom prst="rect">
+            <a:avLst/>
+          </a:prstGeom>
+          <a:solidFill>
+            <a:schemeClr val="accent1">
+              <a:tint val="40000"/>
+              <a:alpha val="70000"/>
+            </a:schemeClr>
+          </a:solidFill>
+          <a:ln w="38100" cap="rnd" cmpd="sng" algn="ctr">
+            <a:noFill/>
+            <a:prstDash val="solid"/>
+          </a:ln>
+          <a:effectLst/>
+        </p:spPr>
+        <p:style>
+          <a:lnRef idx="3">
+            <a:schemeClr val="lt1"/>
+          </a:lnRef>
+          <a:fillRef idx="1">
+            <a:schemeClr val="accent1"/>
+          </a:fillRef>
+          <a:effectRef idx="1">
+            <a:schemeClr val="accent1"/>
+          </a:effectRef>
+          <a:fontRef idx="minor">
+            <a:schemeClr val="lt1"/>
+          </a:fontRef>
+        </p:style>
+        <p:txBody>
+          <a:bodyPr anchor="ctr"/>
+          <a:lstStyle/>
+          <a:p>
+            <a:pPr algn="ctr" eaLnBrk="1" latinLnBrk="0" hangingPunct="1"/>
+            <a:endParaRPr kumimoji="0" lang="en-US"/>
+          </a:p>
+        </p:txBody>
+      </p:sp>
+      <p:sp>
+        <p:nvSpPr>
+          <p:cNvPr id="19" name="Retângulo 18"/>
+          <p:cNvSpPr/>
+          <p:nvPr/>
+        </p:nvSpPr>
+        <p:spPr bwMode="auto">
+          <a:xfrm>
+            <a:off x="1141320" y="0"/>
+            <a:ext cx="230280" cy="6858000"/>
+          </a:xfrm>
+          <a:prstGeom prst="rect">
+            <a:avLst/>
+          </a:prstGeom>
+          <a:solidFill>
+            <a:schemeClr val="accent1">
+              <a:tint val="20000"/>
+              <a:alpha val="71000"/>
+            </a:schemeClr>
+          </a:solidFill>
+          <a:ln w="38100" cap="rnd" cmpd="sng" algn="ctr">
+            <a:noFill/>
+            <a:prstDash val="solid"/>
+          </a:ln>
+          <a:effectLst/>
+        </p:spPr>
+        <p:style>
+          <a:lnRef idx="3">
+            <a:schemeClr val="lt1"/>
+          </a:lnRef>
+          <a:fillRef idx="1">
+            <a:schemeClr val="accent1"/>
+          </a:fillRef>
+          <a:effectRef idx="1">
+            <a:schemeClr val="accent1"/>
+          </a:effectRef>
+          <a:fontRef idx="minor">
+            <a:schemeClr val="lt1"/>
+          </a:fontRef>
+        </p:style>
+        <p:txBody>
+          <a:bodyPr anchor="ctr"/>
+          <a:lstStyle/>
+          <a:p>
+            <a:pPr algn="ctr" eaLnBrk="1" latinLnBrk="0" hangingPunct="1"/>
+            <a:endParaRPr kumimoji="0" lang="en-US"/>
+          </a:p>
+        </p:txBody>
+      </p:sp>
+      <p:sp>
+        <p:nvSpPr>
+          <p:cNvPr id="11" name="Conector reto 10"/>
+          <p:cNvSpPr>
+            <a:spLocks noChangeShapeType="1"/>
+          </p:cNvSpPr>
+          <p:nvPr/>
+        </p:nvSpPr>
+        <p:spPr bwMode="auto">
+          <a:xfrm>
+            <a:off x="106344" y="0"/>
+            <a:ext cx="0" cy="6858000"/>
+          </a:xfrm>
+          <a:prstGeom prst="line">
+            <a:avLst/>
+          </a:prstGeom>
+          <a:noFill/>
+          <a:ln w="57150" cap="flat" cmpd="sng" algn="ctr">
+            <a:solidFill>
+              <a:schemeClr val="accent1">
+                <a:tint val="60000"/>
+                <a:alpha val="73000"/>
+              </a:schemeClr>
+            </a:solidFill>
+            <a:prstDash val="solid"/>
+            <a:round/>
+            <a:headEnd type="none" w="med" len="med"/>
+            <a:tailEnd type="none" w="med" len="med"/>
+          </a:ln>
+          <a:effectLst/>
+        </p:spPr>
+        <p:txBody>
+          <a:bodyPr vert="horz" wrap="square" lIns="91440" tIns="45720" rIns="91440" bIns="45720" anchor="t" compatLnSpc="1"/>
+          <a:lstStyle/>
+          <a:p>
+            <a:endParaRPr kumimoji="0" lang="en-US"/>
+          </a:p>
+        </p:txBody>
+      </p:sp>
+      <p:sp>
+        <p:nvSpPr>
+          <p:cNvPr id="18" name="Conector reto 17"/>
+          <p:cNvSpPr>
+            <a:spLocks noChangeShapeType="1"/>
+          </p:cNvSpPr>
+          <p:nvPr/>
+        </p:nvSpPr>
+        <p:spPr bwMode="auto">
+          <a:xfrm>
+            <a:off x="914400" y="0"/>
+            <a:ext cx="0" cy="6858000"/>
+          </a:xfrm>
+          <a:prstGeom prst="line">
+            <a:avLst/>
+          </a:prstGeom>
+          <a:noFill/>
+          <a:ln w="57150" cap="flat" cmpd="sng" algn="ctr">
+            <a:solidFill>
+              <a:schemeClr val="accent1">
+                <a:tint val="20000"/>
+                <a:alpha val="83000"/>
+              </a:schemeClr>
+            </a:solidFill>
+            <a:prstDash val="solid"/>
+            <a:round/>
+            <a:headEnd type="none" w="med" len="med"/>
+            <a:tailEnd type="none" w="med" len="med"/>
+          </a:ln>
+          <a:effectLst/>
+        </p:spPr>
+        <p:txBody>
+          <a:bodyPr vert="horz" wrap="square" lIns="91440" tIns="45720" rIns="91440" bIns="45720" anchor="t" compatLnSpc="1"/>
+          <a:lstStyle/>
+          <a:p>
+            <a:endParaRPr kumimoji="0" lang="en-US"/>
+          </a:p>
+        </p:txBody>
+      </p:sp>
+      <p:sp>
+        <p:nvSpPr>
+          <p:cNvPr id="20" name="Conector reto 19"/>
+          <p:cNvSpPr>
+            <a:spLocks noChangeShapeType="1"/>
+          </p:cNvSpPr>
+          <p:nvPr/>
+        </p:nvSpPr>
+        <p:spPr bwMode="auto">
+          <a:xfrm>
+            <a:off x="854112" y="0"/>
+            <a:ext cx="0" cy="6858000"/>
+          </a:xfrm>
+          <a:prstGeom prst="line">
+            <a:avLst/>
+          </a:prstGeom>
+          <a:noFill/>
+          <a:ln w="57150" cap="flat" cmpd="sng" algn="ctr">
+            <a:solidFill>
+              <a:schemeClr val="accent1">
+                <a:tint val="60000"/>
+              </a:schemeClr>
+            </a:solidFill>
+            <a:prstDash val="solid"/>
+            <a:round/>
+            <a:headEnd type="none" w="med" len="med"/>
+            <a:tailEnd type="none" w="med" len="med"/>
+          </a:ln>
+          <a:effectLst/>
+        </p:spPr>
+        <p:txBody>
+          <a:bodyPr vert="horz" wrap="square" lIns="91440" tIns="45720" rIns="91440" bIns="45720" anchor="t" compatLnSpc="1"/>
+          <a:lstStyle/>
+          <a:p>
+            <a:endParaRPr kumimoji="0" lang="en-US"/>
+          </a:p>
+        </p:txBody>
+      </p:sp>
+      <p:sp>
+        <p:nvSpPr>
+          <p:cNvPr id="16" name="Conector reto 15"/>
+          <p:cNvSpPr>
+            <a:spLocks noChangeShapeType="1"/>
+          </p:cNvSpPr>
+          <p:nvPr/>
+        </p:nvSpPr>
+        <p:spPr bwMode="auto">
+          <a:xfrm>
+            <a:off x="1726640" y="0"/>
+            <a:ext cx="0" cy="6858000"/>
+          </a:xfrm>
+          <a:prstGeom prst="line">
+            <a:avLst/>
+          </a:prstGeom>
+          <a:noFill/>
+          <a:ln w="28575" cap="flat" cmpd="sng" algn="ctr">
+            <a:solidFill>
+              <a:schemeClr val="accent1">
+                <a:tint val="60000"/>
+                <a:alpha val="82000"/>
+              </a:schemeClr>
+            </a:solidFill>
+            <a:prstDash val="solid"/>
+            <a:round/>
+            <a:headEnd type="none" w="med" len="med"/>
+            <a:tailEnd type="none" w="med" len="med"/>
+          </a:ln>
+          <a:effectLst/>
+        </p:spPr>
+        <p:txBody>
+          <a:bodyPr vert="horz" wrap="square" lIns="91440" tIns="45720" rIns="91440" bIns="45720" anchor="t" compatLnSpc="1"/>
+          <a:lstStyle/>
+          <a:p>
+            <a:endParaRPr kumimoji="0" lang="en-US"/>
+          </a:p>
+        </p:txBody>
+      </p:sp>
+      <p:sp>
+        <p:nvSpPr>
+          <p:cNvPr id="15" name="Conector reto 14"/>
+          <p:cNvSpPr>
+            <a:spLocks noChangeShapeType="1"/>
+          </p:cNvSpPr>
+          <p:nvPr/>
+        </p:nvSpPr>
+        <p:spPr bwMode="auto">
+          <a:xfrm>
+            <a:off x="1066800" y="0"/>
+            <a:ext cx="0" cy="6858000"/>
+          </a:xfrm>
+          <a:prstGeom prst="line">
+            <a:avLst/>
+          </a:prstGeom>
+          <a:noFill/>
+          <a:ln w="9525" cap="flat" cmpd="sng" algn="ctr">
+            <a:solidFill>
+              <a:schemeClr val="accent1">
+                <a:tint val="60000"/>
+              </a:schemeClr>
+            </a:solidFill>
+            <a:prstDash val="solid"/>
+            <a:round/>
+            <a:headEnd type="none" w="med" len="med"/>
+            <a:tailEnd type="none" w="med" len="med"/>
+          </a:ln>
+          <a:effectLst/>
+        </p:spPr>
+        <p:txBody>
+          <a:bodyPr vert="horz" wrap="square" lIns="91440" tIns="45720" rIns="91440" bIns="45720" anchor="t" compatLnSpc="1"/>
+          <a:lstStyle/>
+          <a:p>
+            <a:endParaRPr kumimoji="0" lang="en-US"/>
+          </a:p>
+        </p:txBody>
+      </p:sp>
+      <p:sp>
+        <p:nvSpPr>
+          <p:cNvPr id="22" name="Conector reto 21"/>
+          <p:cNvSpPr>
+            <a:spLocks noChangeShapeType="1"/>
+          </p:cNvSpPr>
+          <p:nvPr/>
+        </p:nvSpPr>
+        <p:spPr bwMode="auto">
+          <a:xfrm>
+            <a:off x="9113856" y="0"/>
+            <a:ext cx="0" cy="6858000"/>
+          </a:xfrm>
+          <a:prstGeom prst="line">
+            <a:avLst/>
+          </a:prstGeom>
+          <a:noFill/>
+          <a:ln w="57150" cap="flat" cmpd="thickThin" algn="ctr">
+            <a:solidFill>
+              <a:schemeClr val="accent1">
+                <a:tint val="60000"/>
+              </a:schemeClr>
+            </a:solidFill>
+            <a:prstDash val="solid"/>
+            <a:round/>
+            <a:headEnd type="none" w="med" len="med"/>
+            <a:tailEnd type="none" w="med" len="med"/>
+          </a:ln>
+          <a:effectLst/>
+        </p:spPr>
+        <p:txBody>
+          <a:bodyPr vert="horz" wrap="square" lIns="91440" tIns="45720" rIns="91440" bIns="45720" anchor="t" compatLnSpc="1"/>
+          <a:lstStyle/>
+          <a:p>
+            <a:endParaRPr kumimoji="0" lang="en-US"/>
+          </a:p>
+        </p:txBody>
+      </p:sp>
+      <p:sp>
+        <p:nvSpPr>
+          <p:cNvPr id="27" name="Retângulo 26"/>
+          <p:cNvSpPr/>
+          <p:nvPr/>
+        </p:nvSpPr>
+        <p:spPr bwMode="auto">
+          <a:xfrm>
+            <a:off x="1219200" y="0"/>
+            <a:ext cx="76200" cy="6858000"/>
+          </a:xfrm>
+          <a:prstGeom prst="rect">
+            <a:avLst/>
+          </a:prstGeom>
+          <a:solidFill>
+            <a:schemeClr val="accent1">
+              <a:tint val="60000"/>
+              <a:alpha val="51000"/>
+            </a:schemeClr>
+          </a:solidFill>
+          <a:ln w="38100" cap="rnd" cmpd="sng" algn="ctr">
+            <a:noFill/>
+            <a:prstDash val="solid"/>
+          </a:ln>
+          <a:effectLst/>
+        </p:spPr>
+        <p:style>
+          <a:lnRef idx="3">
+            <a:schemeClr val="lt1"/>
+          </a:lnRef>
+          <a:fillRef idx="1">
+            <a:schemeClr val="accent1"/>
+          </a:fillRef>
+          <a:effectRef idx="1">
+            <a:schemeClr val="accent1"/>
+          </a:effectRef>
+          <a:fontRef idx="minor">
+            <a:schemeClr val="lt1"/>
+          </a:fontRef>
+        </p:style>
+        <p:txBody>
+          <a:bodyPr anchor="ctr"/>
+          <a:lstStyle/>
+          <a:p>
+            <a:pPr algn="ctr" eaLnBrk="1" latinLnBrk="0" hangingPunct="1"/>
+            <a:endParaRPr kumimoji="0" lang="en-US" dirty="0"/>
+          </a:p>
+        </p:txBody>
+      </p:sp>
+      <p:sp>
+        <p:nvSpPr>
+          <p:cNvPr id="21" name="Elipse 20"/>
+          <p:cNvSpPr/>
+          <p:nvPr/>
+        </p:nvSpPr>
+        <p:spPr bwMode="auto">
+          <a:xfrm>
+            <a:off x="609600" y="3429000"/>
+            <a:ext cx="1295400" cy="1295400"/>
+          </a:xfrm>
+          <a:prstGeom prst="ellipse">
+            <a:avLst/>
+          </a:prstGeom>
+          <a:solidFill>
+            <a:schemeClr val="accent1"/>
+          </a:solidFill>
+          <a:ln w="38100" cap="rnd" cmpd="sng" algn="ctr">
+            <a:noFill/>
+            <a:prstDash val="solid"/>
+          </a:ln>
+          <a:effectLst/>
+        </p:spPr>
+        <p:style>
+          <a:lnRef idx="3">
+            <a:schemeClr val="lt1"/>
+          </a:lnRef>
+          <a:fillRef idx="1">
+            <a:schemeClr val="accent1"/>
+          </a:fillRef>
+          <a:effectRef idx="1">
+            <a:schemeClr val="accent1"/>
+          </a:effectRef>
+          <a:fontRef idx="minor">
+            <a:schemeClr val="lt1"/>
+          </a:fontRef>
+        </p:style>
+        <p:txBody>
+          <a:bodyPr anchor="ctr"/>
+          <a:lstStyle/>
+          <a:p>
+            <a:pPr algn="ctr" eaLnBrk="1" latinLnBrk="0" hangingPunct="1"/>
+            <a:endParaRPr kumimoji="0" lang="en-US" dirty="0"/>
+          </a:p>
+        </p:txBody>
+      </p:sp>
+      <p:sp>
+        <p:nvSpPr>
+          <p:cNvPr id="23" name="Elipse 22"/>
+          <p:cNvSpPr/>
+          <p:nvPr/>
+        </p:nvSpPr>
+        <p:spPr bwMode="auto">
+          <a:xfrm>
+            <a:off x="1309632" y="4866752"/>
+            <a:ext cx="641424" cy="641424"/>
+          </a:xfrm>
+          <a:prstGeom prst="ellipse">
+            <a:avLst/>
+          </a:prstGeom>
+          <a:ln w="28575" cap="rnd" cmpd="sng" algn="ctr">
+            <a:noFill/>
+            <a:prstDash val="solid"/>
+          </a:ln>
+          <a:effectLst/>
+        </p:spPr>
+        <p:style>
+          <a:lnRef idx="3">
+            <a:schemeClr val="lt1"/>
+          </a:lnRef>
+          <a:fillRef idx="1">
+            <a:schemeClr val="accent1"/>
+          </a:fillRef>
+          <a:effectRef idx="1">
+            <a:schemeClr val="accent1"/>
+          </a:effectRef>
+          <a:fontRef idx="minor">
+            <a:schemeClr val="lt1"/>
+          </a:fontRef>
+        </p:style>
+        <p:txBody>
+          <a:bodyPr anchor="ctr"/>
+          <a:lstStyle/>
+          <a:p>
+            <a:pPr algn="ctr" eaLnBrk="1" latinLnBrk="0" hangingPunct="1"/>
+            <a:endParaRPr kumimoji="0" lang="en-US" dirty="0"/>
+          </a:p>
+        </p:txBody>
+      </p:sp>
+      <p:sp>
+        <p:nvSpPr>
+          <p:cNvPr id="24" name="Elipse 23"/>
+          <p:cNvSpPr/>
+          <p:nvPr/>
+        </p:nvSpPr>
+        <p:spPr bwMode="auto">
+          <a:xfrm>
+            <a:off x="1091080" y="5500632"/>
+            <a:ext cx="137160" cy="137160"/>
+          </a:xfrm>
+          <a:prstGeom prst="ellipse">
+            <a:avLst/>
+          </a:prstGeom>
+          <a:ln w="12700" cap="rnd" cmpd="sng" algn="ctr">
+            <a:noFill/>
+            <a:prstDash val="solid"/>
+          </a:ln>
+          <a:effectLst/>
+        </p:spPr>
+        <p:style>
+          <a:lnRef idx="3">
+            <a:schemeClr val="lt1"/>
+          </a:lnRef>
+          <a:fillRef idx="1">
+            <a:schemeClr val="accent1"/>
+          </a:fillRef>
+          <a:effectRef idx="1">
+            <a:schemeClr val="accent1"/>
+          </a:effectRef>
+          <a:fontRef idx="minor">
+            <a:schemeClr val="lt1"/>
+          </a:fontRef>
+        </p:style>
+        <p:txBody>
+          <a:bodyPr anchor="ctr"/>
+          <a:lstStyle/>
+          <a:p>
+            <a:pPr algn="ctr" eaLnBrk="1" latinLnBrk="0" hangingPunct="1"/>
+            <a:endParaRPr kumimoji="0" lang="en-US" dirty="0"/>
+          </a:p>
+        </p:txBody>
+      </p:sp>
+      <p:sp>
+        <p:nvSpPr>
+          <p:cNvPr id="26" name="Elipse 25"/>
+          <p:cNvSpPr/>
+          <p:nvPr/>
+        </p:nvSpPr>
+        <p:spPr bwMode="auto">
+          <a:xfrm>
+            <a:off x="1664208" y="5788152"/>
+            <a:ext cx="274320" cy="274320"/>
+          </a:xfrm>
+          <a:prstGeom prst="ellipse">
+            <a:avLst/>
+          </a:prstGeom>
+          <a:ln w="12700" cap="rnd" cmpd="sng" algn="ctr">
+            <a:noFill/>
+            <a:prstDash val="solid"/>
+          </a:ln>
+          <a:effectLst/>
+        </p:spPr>
+        <p:style>
+          <a:lnRef idx="3">
+            <a:schemeClr val="lt1"/>
+          </a:lnRef>
+          <a:fillRef idx="1">
+            <a:schemeClr val="accent1"/>
+          </a:fillRef>
+          <a:effectRef idx="1">
+            <a:schemeClr val="accent1"/>
+          </a:effectRef>
+          <a:fontRef idx="minor">
+            <a:schemeClr val="lt1"/>
+          </a:fontRef>
+        </p:style>
+        <p:txBody>
+          <a:bodyPr anchor="ctr"/>
+          <a:lstStyle/>
+          <a:p>
+            <a:pPr algn="ctr" eaLnBrk="1" latinLnBrk="0" hangingPunct="1"/>
+            <a:endParaRPr kumimoji="0" lang="en-US" dirty="0"/>
+          </a:p>
+        </p:txBody>
+      </p:sp>
+      <p:sp>
+        <p:nvSpPr>
+          <p:cNvPr id="25" name="Elipse 24"/>
+          <p:cNvSpPr/>
+          <p:nvPr/>
+        </p:nvSpPr>
+        <p:spPr>
+          <a:xfrm>
+            <a:off x="1905000" y="4495800"/>
+            <a:ext cx="365760" cy="365760"/>
+          </a:xfrm>
+          <a:prstGeom prst="ellipse">
+            <a:avLst/>
+          </a:prstGeom>
+          <a:ln w="28575" cap="rnd" cmpd="sng" algn="ctr">
+            <a:noFill/>
+            <a:prstDash val="solid"/>
+          </a:ln>
+          <a:effectLst/>
+        </p:spPr>
+        <p:style>
+          <a:lnRef idx="3">
+            <a:schemeClr val="lt1"/>
+          </a:lnRef>
+          <a:fillRef idx="1">
+            <a:schemeClr val="accent1"/>
+          </a:fillRef>
+          <a:effectRef idx="1">
+            <a:schemeClr val="accent1"/>
+          </a:effectRef>
+          <a:fontRef idx="minor">
+            <a:schemeClr val="lt1"/>
+          </a:fontRef>
+        </p:style>
+        <p:txBody>
+          <a:bodyPr anchor="ctr"/>
+          <a:lstStyle/>
+          <a:p>
+            <a:pPr algn="ctr" eaLnBrk="1" latinLnBrk="0" hangingPunct="1"/>
+            <a:endParaRPr kumimoji="0" lang="en-US" dirty="0"/>
+          </a:p>
+        </p:txBody>
+      </p:sp>
+      <p:sp>
+        <p:nvSpPr>
+          <p:cNvPr id="29" name="Espaço Reservado para Número de Slide 28"/>
           <p:cNvSpPr>
             <a:spLocks noGrp="1"/>
           </p:cNvSpPr>
@@ -707,7 +1365,12 @@
             <p:ph type="sldNum" sz="quarter" idx="12"/>
           </p:nvPr>
         </p:nvSpPr>
-        <p:spPr/>
+        <p:spPr bwMode="auto">
+          <a:xfrm>
+            <a:off x="1325544" y="4928702"/>
+            <a:ext cx="609600" cy="517524"/>
+          </a:xfrm>
+        </p:spPr>
         <p:txBody>
           <a:bodyPr/>
           <a:lstStyle/>
@@ -724,14 +1387,15 @@
     </p:spTree>
   </p:cSld>
   <p:clrMapOvr>
-    <a:masterClrMapping/>
+    <a:overrideClrMapping bg1="lt1" tx1="dk1" bg2="lt2" tx2="dk2" accent1="accent1" accent2="accent2" accent3="accent3" accent4="accent4" accent5="accent5" accent6="accent6" hlink="hlink" folHlink="folHlink"/>
   </p:clrMapOvr>
+  <p:hf hdr="0" ftr="0" dt="0"/>
 </p:sldLayout>
 </file>
 
 <file path=ppt/slideLayouts/slideLayout10.xml><?xml version="1.0" encoding="utf-8"?>
 <p:sldLayout xmlns:a="http://schemas.openxmlformats.org/drawingml/2006/main" xmlns:r="http://schemas.openxmlformats.org/officeDocument/2006/relationships" xmlns:p="http://schemas.openxmlformats.org/presentationml/2006/main" type="vertTx" preserve="1">
-  <p:cSld name="Title and Vertical Text">
+  <p:cSld name="Título e texto vertical">
     <p:spTree>
       <p:nvGrpSpPr>
         <p:cNvPr id="1" name=""/>
@@ -748,7 +1412,7 @@
       </p:grpSpPr>
       <p:sp>
         <p:nvSpPr>
-          <p:cNvPr id="2" name="Title 1"/>
+          <p:cNvPr id="2" name="Título 1"/>
           <p:cNvSpPr>
             <a:spLocks noGrp="1"/>
           </p:cNvSpPr>
@@ -762,15 +1426,16 @@
           <a:lstStyle/>
           <a:p>
             <a:r>
-              <a:rPr lang="en-US"/>
-              <a:t>Click to edit Master title style</a:t>
-            </a:r>
-          </a:p>
-        </p:txBody>
-      </p:sp>
-      <p:sp>
-        <p:nvSpPr>
-          <p:cNvPr id="3" name="Vertical Text Placeholder 2"/>
+              <a:rPr kumimoji="0" lang="pt-BR"/>
+              <a:t>Clique para editar o estilo do título mestre</a:t>
+            </a:r>
+            <a:endParaRPr kumimoji="0" lang="en-US"/>
+          </a:p>
+        </p:txBody>
+      </p:sp>
+      <p:sp>
+        <p:nvSpPr>
+          <p:cNvPr id="3" name="Espaço Reservado para Texto Vertical 2"/>
           <p:cNvSpPr>
             <a:spLocks noGrp="1"/>
           </p:cNvSpPr>
@@ -783,45 +1448,46 @@
           <a:bodyPr vert="eaVert"/>
           <a:lstStyle/>
           <a:p>
-            <a:pPr lvl="0"/>
-            <a:r>
-              <a:rPr lang="en-US"/>
-              <a:t>Click to edit Master text styles</a:t>
-            </a:r>
-          </a:p>
-          <a:p>
-            <a:pPr lvl="1"/>
-            <a:r>
-              <a:rPr lang="en-US"/>
-              <a:t>Second level</a:t>
-            </a:r>
-          </a:p>
-          <a:p>
-            <a:pPr lvl="2"/>
-            <a:r>
-              <a:rPr lang="en-US"/>
-              <a:t>Third level</a:t>
-            </a:r>
-          </a:p>
-          <a:p>
-            <a:pPr lvl="3"/>
-            <a:r>
-              <a:rPr lang="en-US"/>
-              <a:t>Fourth level</a:t>
-            </a:r>
-          </a:p>
-          <a:p>
-            <a:pPr lvl="4"/>
-            <a:r>
-              <a:rPr lang="en-US"/>
-              <a:t>Fifth level</a:t>
-            </a:r>
-          </a:p>
-        </p:txBody>
-      </p:sp>
-      <p:sp>
-        <p:nvSpPr>
-          <p:cNvPr id="4" name="Date Placeholder 3"/>
+            <a:pPr lvl="0" eaLnBrk="1" latinLnBrk="0" hangingPunct="1"/>
+            <a:r>
+              <a:rPr lang="pt-BR"/>
+              <a:t>Clique para editar os estilos do texto mestre</a:t>
+            </a:r>
+          </a:p>
+          <a:p>
+            <a:pPr lvl="1" eaLnBrk="1" latinLnBrk="0" hangingPunct="1"/>
+            <a:r>
+              <a:rPr lang="pt-BR"/>
+              <a:t>Segundo nível</a:t>
+            </a:r>
+          </a:p>
+          <a:p>
+            <a:pPr lvl="2" eaLnBrk="1" latinLnBrk="0" hangingPunct="1"/>
+            <a:r>
+              <a:rPr lang="pt-BR"/>
+              <a:t>Terceiro nível</a:t>
+            </a:r>
+          </a:p>
+          <a:p>
+            <a:pPr lvl="3" eaLnBrk="1" latinLnBrk="0" hangingPunct="1"/>
+            <a:r>
+              <a:rPr lang="pt-BR"/>
+              <a:t>Quarto nível</a:t>
+            </a:r>
+          </a:p>
+          <a:p>
+            <a:pPr lvl="4" eaLnBrk="1" latinLnBrk="0" hangingPunct="1"/>
+            <a:r>
+              <a:rPr lang="pt-BR"/>
+              <a:t>Quinto nível</a:t>
+            </a:r>
+            <a:endParaRPr kumimoji="0" lang="en-US"/>
+          </a:p>
+        </p:txBody>
+      </p:sp>
+      <p:sp>
+        <p:nvSpPr>
+          <p:cNvPr id="4" name="Espaço Reservado para Data 3"/>
           <p:cNvSpPr>
             <a:spLocks noGrp="1"/>
           </p:cNvSpPr>
@@ -834,10 +1500,10 @@
           <a:bodyPr/>
           <a:lstStyle/>
           <a:p>
-            <a:fld id="{2FEA0145-8AC0-4DDC-911D-F77BEBC790BD}" type="datetime1">
+            <a:fld id="{A4D20CB3-E548-497B-8DA5-345095E99FDB}" type="datetime1">
               <a:rPr lang="en-US" smtClean="0"/>
               <a:pPr/>
-              <a:t>11/30/2016</a:t>
+              <a:t>12/1/2016</a:t>
             </a:fld>
             <a:endParaRPr lang="en-US"/>
           </a:p>
@@ -845,7 +1511,7 @@
       </p:sp>
       <p:sp>
         <p:nvSpPr>
-          <p:cNvPr id="5" name="Footer Placeholder 4"/>
+          <p:cNvPr id="5" name="Espaço Reservado para Rodapé 4"/>
           <p:cNvSpPr>
             <a:spLocks noGrp="1"/>
           </p:cNvSpPr>
@@ -864,7 +1530,7 @@
       </p:sp>
       <p:sp>
         <p:nvSpPr>
-          <p:cNvPr id="6" name="Slide Number Placeholder 5"/>
+          <p:cNvPr id="6" name="Espaço Reservado para Número de Slide 5"/>
           <p:cNvSpPr>
             <a:spLocks noGrp="1"/>
           </p:cNvSpPr>
@@ -891,12 +1557,13 @@
   <p:clrMapOvr>
     <a:masterClrMapping/>
   </p:clrMapOvr>
+  <p:hf hdr="0" ftr="0" dt="0"/>
 </p:sldLayout>
 </file>
 
 <file path=ppt/slideLayouts/slideLayout11.xml><?xml version="1.0" encoding="utf-8"?>
 <p:sldLayout xmlns:a="http://schemas.openxmlformats.org/drawingml/2006/main" xmlns:r="http://schemas.openxmlformats.org/officeDocument/2006/relationships" xmlns:p="http://schemas.openxmlformats.org/presentationml/2006/main" type="vertTitleAndTx" preserve="1">
-  <p:cSld name="Vertical Title and Text">
+  <p:cSld name="Título e texto verticais">
     <p:spTree>
       <p:nvGrpSpPr>
         <p:cNvPr id="1" name=""/>
@@ -913,7 +1580,7 @@
       </p:grpSpPr>
       <p:sp>
         <p:nvSpPr>
-          <p:cNvPr id="2" name="Vertical Title 1"/>
+          <p:cNvPr id="2" name="Título Vertical 1"/>
           <p:cNvSpPr>
             <a:spLocks noGrp="1"/>
           </p:cNvSpPr>
@@ -923,8 +1590,8 @@
         </p:nvSpPr>
         <p:spPr>
           <a:xfrm>
-            <a:off x="6629400" y="274638"/>
-            <a:ext cx="2057400" cy="5851525"/>
+            <a:off x="6629400" y="274639"/>
+            <a:ext cx="1676400" cy="5851525"/>
           </a:xfrm>
         </p:spPr>
         <p:txBody>
@@ -932,15 +1599,16 @@
           <a:lstStyle/>
           <a:p>
             <a:r>
-              <a:rPr lang="en-US"/>
-              <a:t>Click to edit Master title style</a:t>
-            </a:r>
-          </a:p>
-        </p:txBody>
-      </p:sp>
-      <p:sp>
-        <p:nvSpPr>
-          <p:cNvPr id="3" name="Vertical Text Placeholder 2"/>
+              <a:rPr kumimoji="0" lang="pt-BR"/>
+              <a:t>Clique para editar o estilo do título mestre</a:t>
+            </a:r>
+            <a:endParaRPr kumimoji="0" lang="en-US"/>
+          </a:p>
+        </p:txBody>
+      </p:sp>
+      <p:sp>
+        <p:nvSpPr>
+          <p:cNvPr id="3" name="Espaço Reservado para Texto Vertical 2"/>
           <p:cNvSpPr>
             <a:spLocks noGrp="1"/>
           </p:cNvSpPr>
@@ -958,45 +1626,46 @@
           <a:bodyPr vert="eaVert"/>
           <a:lstStyle/>
           <a:p>
-            <a:pPr lvl="0"/>
-            <a:r>
-              <a:rPr lang="en-US"/>
-              <a:t>Click to edit Master text styles</a:t>
-            </a:r>
-          </a:p>
-          <a:p>
-            <a:pPr lvl="1"/>
-            <a:r>
-              <a:rPr lang="en-US"/>
-              <a:t>Second level</a:t>
-            </a:r>
-          </a:p>
-          <a:p>
-            <a:pPr lvl="2"/>
-            <a:r>
-              <a:rPr lang="en-US"/>
-              <a:t>Third level</a:t>
-            </a:r>
-          </a:p>
-          <a:p>
-            <a:pPr lvl="3"/>
-            <a:r>
-              <a:rPr lang="en-US"/>
-              <a:t>Fourth level</a:t>
-            </a:r>
-          </a:p>
-          <a:p>
-            <a:pPr lvl="4"/>
-            <a:r>
-              <a:rPr lang="en-US"/>
-              <a:t>Fifth level</a:t>
-            </a:r>
-          </a:p>
-        </p:txBody>
-      </p:sp>
-      <p:sp>
-        <p:nvSpPr>
-          <p:cNvPr id="4" name="Date Placeholder 3"/>
+            <a:pPr lvl="0" eaLnBrk="1" latinLnBrk="0" hangingPunct="1"/>
+            <a:r>
+              <a:rPr lang="pt-BR"/>
+              <a:t>Clique para editar os estilos do texto mestre</a:t>
+            </a:r>
+          </a:p>
+          <a:p>
+            <a:pPr lvl="1" eaLnBrk="1" latinLnBrk="0" hangingPunct="1"/>
+            <a:r>
+              <a:rPr lang="pt-BR"/>
+              <a:t>Segundo nível</a:t>
+            </a:r>
+          </a:p>
+          <a:p>
+            <a:pPr lvl="2" eaLnBrk="1" latinLnBrk="0" hangingPunct="1"/>
+            <a:r>
+              <a:rPr lang="pt-BR"/>
+              <a:t>Terceiro nível</a:t>
+            </a:r>
+          </a:p>
+          <a:p>
+            <a:pPr lvl="3" eaLnBrk="1" latinLnBrk="0" hangingPunct="1"/>
+            <a:r>
+              <a:rPr lang="pt-BR"/>
+              <a:t>Quarto nível</a:t>
+            </a:r>
+          </a:p>
+          <a:p>
+            <a:pPr lvl="4" eaLnBrk="1" latinLnBrk="0" hangingPunct="1"/>
+            <a:r>
+              <a:rPr lang="pt-BR"/>
+              <a:t>Quinto nível</a:t>
+            </a:r>
+            <a:endParaRPr kumimoji="0" lang="en-US"/>
+          </a:p>
+        </p:txBody>
+      </p:sp>
+      <p:sp>
+        <p:nvSpPr>
+          <p:cNvPr id="4" name="Espaço Reservado para Data 3"/>
           <p:cNvSpPr>
             <a:spLocks noGrp="1"/>
           </p:cNvSpPr>
@@ -1009,10 +1678,10 @@
           <a:bodyPr/>
           <a:lstStyle/>
           <a:p>
-            <a:fld id="{511E4AA7-0685-45A7-9F44-7D10107E141B}" type="datetime1">
+            <a:fld id="{A4D20CB3-E548-497B-8DA5-345095E99FDB}" type="datetime1">
               <a:rPr lang="en-US" smtClean="0"/>
               <a:pPr/>
-              <a:t>11/30/2016</a:t>
+              <a:t>12/1/2016</a:t>
             </a:fld>
             <a:endParaRPr lang="en-US"/>
           </a:p>
@@ -1020,7 +1689,7 @@
       </p:sp>
       <p:sp>
         <p:nvSpPr>
-          <p:cNvPr id="5" name="Footer Placeholder 4"/>
+          <p:cNvPr id="5" name="Espaço Reservado para Rodapé 4"/>
           <p:cNvSpPr>
             <a:spLocks noGrp="1"/>
           </p:cNvSpPr>
@@ -1039,7 +1708,7 @@
       </p:sp>
       <p:sp>
         <p:nvSpPr>
-          <p:cNvPr id="6" name="Slide Number Placeholder 5"/>
+          <p:cNvPr id="6" name="Espaço Reservado para Número de Slide 5"/>
           <p:cNvSpPr>
             <a:spLocks noGrp="1"/>
           </p:cNvSpPr>
@@ -1066,12 +1735,13 @@
   <p:clrMapOvr>
     <a:masterClrMapping/>
   </p:clrMapOvr>
+  <p:hf hdr="0" ftr="0" dt="0"/>
 </p:sldLayout>
 </file>
 
 <file path=ppt/slideLayouts/slideLayout2.xml><?xml version="1.0" encoding="utf-8"?>
 <p:sldLayout xmlns:a="http://schemas.openxmlformats.org/drawingml/2006/main" xmlns:r="http://schemas.openxmlformats.org/officeDocument/2006/relationships" xmlns:p="http://schemas.openxmlformats.org/presentationml/2006/main" type="obj" preserve="1">
-  <p:cSld name="Title and Content">
+  <p:cSld name="Título e conteúdo">
     <p:spTree>
       <p:nvGrpSpPr>
         <p:cNvPr id="1" name=""/>
@@ -1088,7 +1758,7 @@
       </p:grpSpPr>
       <p:sp>
         <p:nvSpPr>
-          <p:cNvPr id="2" name="Title 1"/>
+          <p:cNvPr id="2" name="Título 1"/>
           <p:cNvSpPr>
             <a:spLocks noGrp="1"/>
           </p:cNvSpPr>
@@ -1102,82 +1772,89 @@
           <a:lstStyle/>
           <a:p>
             <a:r>
-              <a:rPr lang="en-US"/>
-              <a:t>Click to edit Master title style</a:t>
-            </a:r>
-          </a:p>
-        </p:txBody>
-      </p:sp>
-      <p:sp>
-        <p:nvSpPr>
-          <p:cNvPr id="3" name="Content Placeholder 2"/>
+              <a:rPr kumimoji="0" lang="pt-BR"/>
+              <a:t>Clique para editar o estilo do título mestre</a:t>
+            </a:r>
+            <a:endParaRPr kumimoji="0" lang="en-US"/>
+          </a:p>
+        </p:txBody>
+      </p:sp>
+      <p:sp>
+        <p:nvSpPr>
+          <p:cNvPr id="8" name="Espaço Reservado para Conteúdo 7"/>
           <p:cNvSpPr>
             <a:spLocks noGrp="1"/>
           </p:cNvSpPr>
           <p:nvPr>
-            <p:ph idx="1"/>
+            <p:ph sz="quarter" idx="1"/>
           </p:nvPr>
         </p:nvSpPr>
+        <p:spPr>
+          <a:xfrm>
+            <a:off x="457200" y="1600200"/>
+            <a:ext cx="7467600" cy="4873752"/>
+          </a:xfrm>
+        </p:spPr>
+        <p:txBody>
+          <a:bodyPr/>
+          <a:lstStyle/>
+          <a:p>
+            <a:pPr lvl="0" eaLnBrk="1" latinLnBrk="0" hangingPunct="1"/>
+            <a:r>
+              <a:rPr lang="pt-BR"/>
+              <a:t>Clique para editar os estilos do texto mestre</a:t>
+            </a:r>
+          </a:p>
+          <a:p>
+            <a:pPr lvl="1" eaLnBrk="1" latinLnBrk="0" hangingPunct="1"/>
+            <a:r>
+              <a:rPr lang="pt-BR"/>
+              <a:t>Segundo nível</a:t>
+            </a:r>
+          </a:p>
+          <a:p>
+            <a:pPr lvl="2" eaLnBrk="1" latinLnBrk="0" hangingPunct="1"/>
+            <a:r>
+              <a:rPr lang="pt-BR"/>
+              <a:t>Terceiro nível</a:t>
+            </a:r>
+          </a:p>
+          <a:p>
+            <a:pPr lvl="3" eaLnBrk="1" latinLnBrk="0" hangingPunct="1"/>
+            <a:r>
+              <a:rPr lang="pt-BR"/>
+              <a:t>Quarto nível</a:t>
+            </a:r>
+          </a:p>
+          <a:p>
+            <a:pPr lvl="4" eaLnBrk="1" latinLnBrk="0" hangingPunct="1"/>
+            <a:r>
+              <a:rPr lang="pt-BR"/>
+              <a:t>Quinto nível</a:t>
+            </a:r>
+            <a:endParaRPr kumimoji="0" lang="en-US"/>
+          </a:p>
+        </p:txBody>
+      </p:sp>
+      <p:sp>
+        <p:nvSpPr>
+          <p:cNvPr id="7" name="Espaço Reservado para Data 6"/>
+          <p:cNvSpPr>
+            <a:spLocks noGrp="1"/>
+          </p:cNvSpPr>
+          <p:nvPr>
+            <p:ph type="dt" sz="half" idx="14"/>
+          </p:nvPr>
+        </p:nvSpPr>
         <p:spPr/>
         <p:txBody>
-          <a:bodyPr/>
-          <a:lstStyle/>
-          <a:p>
-            <a:pPr lvl="0"/>
-            <a:r>
-              <a:rPr lang="en-US"/>
-              <a:t>Click to edit Master text styles</a:t>
-            </a:r>
-          </a:p>
-          <a:p>
-            <a:pPr lvl="1"/>
-            <a:r>
-              <a:rPr lang="en-US"/>
-              <a:t>Second level</a:t>
-            </a:r>
-          </a:p>
-          <a:p>
-            <a:pPr lvl="2"/>
-            <a:r>
-              <a:rPr lang="en-US"/>
-              <a:t>Third level</a:t>
-            </a:r>
-          </a:p>
-          <a:p>
-            <a:pPr lvl="3"/>
-            <a:r>
-              <a:rPr lang="en-US"/>
-              <a:t>Fourth level</a:t>
-            </a:r>
-          </a:p>
-          <a:p>
-            <a:pPr lvl="4"/>
-            <a:r>
-              <a:rPr lang="en-US"/>
-              <a:t>Fifth level</a:t>
-            </a:r>
-          </a:p>
-        </p:txBody>
-      </p:sp>
-      <p:sp>
-        <p:nvSpPr>
-          <p:cNvPr id="4" name="Date Placeholder 3"/>
-          <p:cNvSpPr>
-            <a:spLocks noGrp="1"/>
-          </p:cNvSpPr>
-          <p:nvPr>
-            <p:ph type="dt" sz="half" idx="10"/>
-          </p:nvPr>
-        </p:nvSpPr>
-        <p:spPr/>
-        <p:txBody>
-          <a:bodyPr/>
-          <a:lstStyle/>
-          <a:p>
-            <a:fld id="{02FFE042-8C99-4012-BBC4-835B518843A0}" type="datetime1">
+          <a:bodyPr rtlCol="0"/>
+          <a:lstStyle/>
+          <a:p>
+            <a:fld id="{A4D20CB3-E548-497B-8DA5-345095E99FDB}" type="datetime1">
               <a:rPr lang="en-US" smtClean="0"/>
               <a:pPr/>
-              <a:t>11/30/2016</a:t>
+              <a:t>12/1/2016</a:t>
             </a:fld>
             <a:endParaRPr lang="en-US"/>
           </a:p>
@@ -1185,36 +1862,17 @@
       </p:sp>
       <p:sp>
         <p:nvSpPr>
-          <p:cNvPr id="5" name="Footer Placeholder 4"/>
+          <p:cNvPr id="9" name="Espaço Reservado para Número de Slide 8"/>
           <p:cNvSpPr>
             <a:spLocks noGrp="1"/>
           </p:cNvSpPr>
           <p:nvPr>
-            <p:ph type="ftr" sz="quarter" idx="11"/>
+            <p:ph type="sldNum" sz="quarter" idx="15"/>
           </p:nvPr>
         </p:nvSpPr>
         <p:spPr/>
         <p:txBody>
-          <a:bodyPr/>
-          <a:lstStyle/>
-          <a:p>
-            <a:endParaRPr lang="en-US"/>
-          </a:p>
-        </p:txBody>
-      </p:sp>
-      <p:sp>
-        <p:nvSpPr>
-          <p:cNvPr id="6" name="Slide Number Placeholder 5"/>
-          <p:cNvSpPr>
-            <a:spLocks noGrp="1"/>
-          </p:cNvSpPr>
-          <p:nvPr>
-            <p:ph type="sldNum" sz="quarter" idx="12"/>
-          </p:nvPr>
-        </p:nvSpPr>
-        <p:spPr/>
-        <p:txBody>
-          <a:bodyPr/>
+          <a:bodyPr rtlCol="0"/>
           <a:lstStyle/>
           <a:p>
             <a:fld id="{8FE1B02D-2A3F-49DE-AB67-7B93722EBA11}" type="slidenum">
@@ -1226,17 +1884,42 @@
           </a:p>
         </p:txBody>
       </p:sp>
+      <p:sp>
+        <p:nvSpPr>
+          <p:cNvPr id="10" name="Espaço Reservado para Rodapé 9"/>
+          <p:cNvSpPr>
+            <a:spLocks noGrp="1"/>
+          </p:cNvSpPr>
+          <p:nvPr>
+            <p:ph type="ftr" sz="quarter" idx="16"/>
+          </p:nvPr>
+        </p:nvSpPr>
+        <p:spPr/>
+        <p:txBody>
+          <a:bodyPr rtlCol="0"/>
+          <a:lstStyle/>
+          <a:p>
+            <a:endParaRPr lang="en-US"/>
+          </a:p>
+        </p:txBody>
+      </p:sp>
     </p:spTree>
   </p:cSld>
   <p:clrMapOvr>
     <a:masterClrMapping/>
   </p:clrMapOvr>
+  <p:hf hdr="0" ftr="0" dt="0"/>
 </p:sldLayout>
 </file>
 
 <file path=ppt/slideLayouts/slideLayout3.xml><?xml version="1.0" encoding="utf-8"?>
-<p:sldLayout xmlns:a="http://schemas.openxmlformats.org/drawingml/2006/main" xmlns:r="http://schemas.openxmlformats.org/officeDocument/2006/relationships" xmlns:p="http://schemas.openxmlformats.org/presentationml/2006/main" type="secHead" preserve="1">
-  <p:cSld name="Section Header">
+<p:sldLayout xmlns:a="http://schemas.openxmlformats.org/drawingml/2006/main" xmlns:r="http://schemas.openxmlformats.org/officeDocument/2006/relationships" xmlns:p="http://schemas.openxmlformats.org/presentationml/2006/main" showMasterSp="0" type="secHead" preserve="1">
+  <p:cSld name="Cabeçalho da Seção">
+    <p:bg>
+      <p:bgRef idx="1001">
+        <a:schemeClr val="bg2"/>
+      </p:bgRef>
+    </p:bg>
     <p:spTree>
       <p:nvGrpSpPr>
         <p:cNvPr id="1" name=""/>
@@ -1253,7 +1936,7 @@
       </p:grpSpPr>
       <p:sp>
         <p:nvSpPr>
-          <p:cNvPr id="2" name="Title 1"/>
+          <p:cNvPr id="2" name="Título 1"/>
           <p:cNvSpPr>
             <a:spLocks noGrp="1"/>
           </p:cNvSpPr>
@@ -1263,28 +1946,30 @@
         </p:nvSpPr>
         <p:spPr>
           <a:xfrm>
-            <a:off x="722313" y="4406900"/>
-            <a:ext cx="7772400" cy="1362075"/>
+            <a:off x="2286000" y="2895600"/>
+            <a:ext cx="6172200" cy="2053590"/>
           </a:xfrm>
         </p:spPr>
         <p:txBody>
-          <a:bodyPr anchor="t"/>
+          <a:bodyPr/>
           <a:lstStyle>
             <a:lvl1pPr algn="l">
-              <a:defRPr sz="4000" b="1" cap="all"/>
+              <a:buNone/>
+              <a:defRPr sz="3000" b="1" cap="small" baseline="0"/>
             </a:lvl1pPr>
           </a:lstStyle>
           <a:p>
             <a:r>
-              <a:rPr lang="en-US"/>
-              <a:t>Click to edit Master title style</a:t>
-            </a:r>
-          </a:p>
-        </p:txBody>
-      </p:sp>
-      <p:sp>
-        <p:nvSpPr>
-          <p:cNvPr id="3" name="Text Placeholder 2"/>
+              <a:rPr kumimoji="0" lang="pt-BR"/>
+              <a:t>Clique para editar o estilo do título mestre</a:t>
+            </a:r>
+            <a:endParaRPr kumimoji="0" lang="en-US"/>
+          </a:p>
+        </p:txBody>
+      </p:sp>
+      <p:sp>
+        <p:nvSpPr>
+          <p:cNvPr id="3" name="Espaço Reservado para Texto 2"/>
           <p:cNvSpPr>
             <a:spLocks noGrp="1"/>
           </p:cNvSpPr>
@@ -1294,24 +1979,22 @@
         </p:nvSpPr>
         <p:spPr>
           <a:xfrm>
-            <a:off x="722313" y="2906713"/>
-            <a:ext cx="7772400" cy="1500187"/>
+            <a:off x="2286000" y="5010150"/>
+            <a:ext cx="6172200" cy="1371600"/>
           </a:xfrm>
         </p:spPr>
         <p:txBody>
-          <a:bodyPr anchor="b"/>
+          <a:bodyPr anchor="t"/>
           <a:lstStyle>
             <a:lvl1pPr marL="0" indent="0">
               <a:buNone/>
-              <a:defRPr sz="2000">
+              <a:defRPr sz="1800" b="1">
                 <a:solidFill>
-                  <a:schemeClr val="tx1">
-                    <a:tint val="75000"/>
-                  </a:schemeClr>
+                  <a:schemeClr val="tx2"/>
                 </a:solidFill>
               </a:defRPr>
             </a:lvl1pPr>
-            <a:lvl2pPr marL="457200" indent="0">
+            <a:lvl2pPr>
               <a:buNone/>
               <a:defRPr sz="1800">
                 <a:solidFill>
@@ -1321,7 +2004,7 @@
                 </a:solidFill>
               </a:defRPr>
             </a:lvl2pPr>
-            <a:lvl3pPr marL="914400" indent="0">
+            <a:lvl3pPr>
               <a:buNone/>
               <a:defRPr sz="1600">
                 <a:solidFill>
@@ -1331,7 +2014,7 @@
                 </a:solidFill>
               </a:defRPr>
             </a:lvl3pPr>
-            <a:lvl4pPr marL="1371600" indent="0">
+            <a:lvl4pPr>
               <a:buNone/>
               <a:defRPr sz="1400">
                 <a:solidFill>
@@ -1341,7 +2024,7 @@
                 </a:solidFill>
               </a:defRPr>
             </a:lvl4pPr>
-            <a:lvl5pPr marL="1828800" indent="0">
+            <a:lvl5pPr>
               <a:buNone/>
               <a:defRPr sz="1400">
                 <a:solidFill>
@@ -1351,59 +2034,19 @@
                 </a:solidFill>
               </a:defRPr>
             </a:lvl5pPr>
-            <a:lvl6pPr marL="2286000" indent="0">
-              <a:buNone/>
-              <a:defRPr sz="1400">
-                <a:solidFill>
-                  <a:schemeClr val="tx1">
-                    <a:tint val="75000"/>
-                  </a:schemeClr>
-                </a:solidFill>
-              </a:defRPr>
-            </a:lvl6pPr>
-            <a:lvl7pPr marL="2743200" indent="0">
-              <a:buNone/>
-              <a:defRPr sz="1400">
-                <a:solidFill>
-                  <a:schemeClr val="tx1">
-                    <a:tint val="75000"/>
-                  </a:schemeClr>
-                </a:solidFill>
-              </a:defRPr>
-            </a:lvl7pPr>
-            <a:lvl8pPr marL="3200400" indent="0">
-              <a:buNone/>
-              <a:defRPr sz="1400">
-                <a:solidFill>
-                  <a:schemeClr val="tx1">
-                    <a:tint val="75000"/>
-                  </a:schemeClr>
-                </a:solidFill>
-              </a:defRPr>
-            </a:lvl8pPr>
-            <a:lvl9pPr marL="3657600" indent="0">
-              <a:buNone/>
-              <a:defRPr sz="1400">
-                <a:solidFill>
-                  <a:schemeClr val="tx1">
-                    <a:tint val="75000"/>
-                  </a:schemeClr>
-                </a:solidFill>
-              </a:defRPr>
-            </a:lvl9pPr>
           </a:lstStyle>
           <a:p>
-            <a:pPr lvl="0"/>
-            <a:r>
-              <a:rPr lang="en-US"/>
-              <a:t>Click to edit Master text styles</a:t>
-            </a:r>
-          </a:p>
-        </p:txBody>
-      </p:sp>
-      <p:sp>
-        <p:nvSpPr>
-          <p:cNvPr id="4" name="Date Placeholder 3"/>
+            <a:pPr lvl="0" eaLnBrk="1" latinLnBrk="0" hangingPunct="1"/>
+            <a:r>
+              <a:rPr kumimoji="0" lang="pt-BR"/>
+              <a:t>Clique para editar os estilos do texto mestre</a:t>
+            </a:r>
+          </a:p>
+        </p:txBody>
+      </p:sp>
+      <p:sp>
+        <p:nvSpPr>
+          <p:cNvPr id="4" name="Espaço Reservado para Data 3"/>
           <p:cNvSpPr>
             <a:spLocks noGrp="1"/>
           </p:cNvSpPr>
@@ -1411,15 +2054,20 @@
             <p:ph type="dt" sz="half" idx="10"/>
           </p:nvPr>
         </p:nvSpPr>
-        <p:spPr/>
+        <p:spPr bwMode="auto">
+          <a:xfrm rot="5400000">
+            <a:off x="7763256" y="1170432"/>
+            <a:ext cx="2286000" cy="381000"/>
+          </a:xfrm>
+        </p:spPr>
         <p:txBody>
           <a:bodyPr/>
           <a:lstStyle/>
           <a:p>
-            <a:fld id="{0D4C97B6-059F-43FD-B53A-998549F69658}" type="datetime1">
+            <a:fld id="{A4D20CB3-E548-497B-8DA5-345095E99FDB}" type="datetime1">
               <a:rPr lang="en-US" smtClean="0"/>
               <a:pPr/>
-              <a:t>11/30/2016</a:t>
+              <a:t>12/1/2016</a:t>
             </a:fld>
             <a:endParaRPr lang="en-US"/>
           </a:p>
@@ -1427,7 +2075,7 @@
       </p:sp>
       <p:sp>
         <p:nvSpPr>
-          <p:cNvPr id="5" name="Footer Placeholder 4"/>
+          <p:cNvPr id="5" name="Espaço Reservado para Rodapé 4"/>
           <p:cNvSpPr>
             <a:spLocks noGrp="1"/>
           </p:cNvSpPr>
@@ -1435,7 +2083,12 @@
             <p:ph type="ftr" sz="quarter" idx="11"/>
           </p:nvPr>
         </p:nvSpPr>
-        <p:spPr/>
+        <p:spPr bwMode="auto">
+          <a:xfrm rot="5400000">
+            <a:off x="7077456" y="4178808"/>
+            <a:ext cx="3657600" cy="384048"/>
+          </a:xfrm>
+        </p:spPr>
         <p:txBody>
           <a:bodyPr/>
           <a:lstStyle/>
@@ -1446,7 +2099,698 @@
       </p:sp>
       <p:sp>
         <p:nvSpPr>
-          <p:cNvPr id="6" name="Slide Number Placeholder 5"/>
+          <p:cNvPr id="9" name="Retângulo 8"/>
+          <p:cNvSpPr/>
+          <p:nvPr/>
+        </p:nvSpPr>
+        <p:spPr bwMode="auto">
+          <a:xfrm>
+            <a:off x="381000" y="0"/>
+            <a:ext cx="609600" cy="6858000"/>
+          </a:xfrm>
+          <a:prstGeom prst="rect">
+            <a:avLst/>
+          </a:prstGeom>
+          <a:solidFill>
+            <a:schemeClr val="accent1">
+              <a:tint val="60000"/>
+              <a:alpha val="54000"/>
+            </a:schemeClr>
+          </a:solidFill>
+          <a:ln w="38100" cap="rnd" cmpd="sng" algn="ctr">
+            <a:noFill/>
+            <a:prstDash val="solid"/>
+          </a:ln>
+          <a:effectLst/>
+        </p:spPr>
+        <p:style>
+          <a:lnRef idx="3">
+            <a:schemeClr val="lt1"/>
+          </a:lnRef>
+          <a:fillRef idx="1">
+            <a:schemeClr val="accent1"/>
+          </a:fillRef>
+          <a:effectRef idx="1">
+            <a:schemeClr val="accent1"/>
+          </a:effectRef>
+          <a:fontRef idx="minor">
+            <a:schemeClr val="lt1"/>
+          </a:fontRef>
+        </p:style>
+        <p:txBody>
+          <a:bodyPr anchor="ctr"/>
+          <a:lstStyle/>
+          <a:p>
+            <a:pPr algn="ctr" eaLnBrk="1" latinLnBrk="0" hangingPunct="1"/>
+            <a:endParaRPr kumimoji="0" lang="en-US"/>
+          </a:p>
+        </p:txBody>
+      </p:sp>
+      <p:sp>
+        <p:nvSpPr>
+          <p:cNvPr id="10" name="Retângulo 9"/>
+          <p:cNvSpPr/>
+          <p:nvPr/>
+        </p:nvSpPr>
+        <p:spPr bwMode="auto">
+          <a:xfrm>
+            <a:off x="276336" y="0"/>
+            <a:ext cx="104664" cy="6858000"/>
+          </a:xfrm>
+          <a:prstGeom prst="rect">
+            <a:avLst/>
+          </a:prstGeom>
+          <a:solidFill>
+            <a:schemeClr val="accent1">
+              <a:tint val="40000"/>
+              <a:alpha val="36000"/>
+            </a:schemeClr>
+          </a:solidFill>
+          <a:ln w="38100" cap="rnd" cmpd="sng" algn="ctr">
+            <a:noFill/>
+            <a:prstDash val="solid"/>
+          </a:ln>
+          <a:effectLst/>
+        </p:spPr>
+        <p:style>
+          <a:lnRef idx="3">
+            <a:schemeClr val="lt1"/>
+          </a:lnRef>
+          <a:fillRef idx="1">
+            <a:schemeClr val="accent1"/>
+          </a:fillRef>
+          <a:effectRef idx="1">
+            <a:schemeClr val="accent1"/>
+          </a:effectRef>
+          <a:fontRef idx="minor">
+            <a:schemeClr val="lt1"/>
+          </a:fontRef>
+        </p:style>
+        <p:txBody>
+          <a:bodyPr anchor="ctr"/>
+          <a:lstStyle/>
+          <a:p>
+            <a:pPr algn="ctr" eaLnBrk="1" latinLnBrk="0" hangingPunct="1"/>
+            <a:endParaRPr kumimoji="0" lang="en-US"/>
+          </a:p>
+        </p:txBody>
+      </p:sp>
+      <p:sp>
+        <p:nvSpPr>
+          <p:cNvPr id="11" name="Retângulo 10"/>
+          <p:cNvSpPr/>
+          <p:nvPr/>
+        </p:nvSpPr>
+        <p:spPr bwMode="auto">
+          <a:xfrm>
+            <a:off x="990600" y="0"/>
+            <a:ext cx="181872" cy="6858000"/>
+          </a:xfrm>
+          <a:prstGeom prst="rect">
+            <a:avLst/>
+          </a:prstGeom>
+          <a:solidFill>
+            <a:schemeClr val="accent1">
+              <a:tint val="40000"/>
+              <a:alpha val="70000"/>
+            </a:schemeClr>
+          </a:solidFill>
+          <a:ln w="38100" cap="rnd" cmpd="sng" algn="ctr">
+            <a:noFill/>
+            <a:prstDash val="solid"/>
+          </a:ln>
+          <a:effectLst/>
+        </p:spPr>
+        <p:style>
+          <a:lnRef idx="3">
+            <a:schemeClr val="lt1"/>
+          </a:lnRef>
+          <a:fillRef idx="1">
+            <a:schemeClr val="accent1"/>
+          </a:fillRef>
+          <a:effectRef idx="1">
+            <a:schemeClr val="accent1"/>
+          </a:effectRef>
+          <a:fontRef idx="minor">
+            <a:schemeClr val="lt1"/>
+          </a:fontRef>
+        </p:style>
+        <p:txBody>
+          <a:bodyPr anchor="ctr"/>
+          <a:lstStyle/>
+          <a:p>
+            <a:pPr algn="ctr" eaLnBrk="1" latinLnBrk="0" hangingPunct="1"/>
+            <a:endParaRPr kumimoji="0" lang="en-US"/>
+          </a:p>
+        </p:txBody>
+      </p:sp>
+      <p:sp>
+        <p:nvSpPr>
+          <p:cNvPr id="12" name="Retângulo 11"/>
+          <p:cNvSpPr/>
+          <p:nvPr/>
+        </p:nvSpPr>
+        <p:spPr bwMode="auto">
+          <a:xfrm>
+            <a:off x="1141320" y="0"/>
+            <a:ext cx="230280" cy="6858000"/>
+          </a:xfrm>
+          <a:prstGeom prst="rect">
+            <a:avLst/>
+          </a:prstGeom>
+          <a:solidFill>
+            <a:schemeClr val="accent1">
+              <a:tint val="20000"/>
+              <a:alpha val="71000"/>
+            </a:schemeClr>
+          </a:solidFill>
+          <a:ln w="38100" cap="rnd" cmpd="sng" algn="ctr">
+            <a:noFill/>
+            <a:prstDash val="solid"/>
+          </a:ln>
+          <a:effectLst/>
+        </p:spPr>
+        <p:style>
+          <a:lnRef idx="3">
+            <a:schemeClr val="lt1"/>
+          </a:lnRef>
+          <a:fillRef idx="1">
+            <a:schemeClr val="accent1"/>
+          </a:fillRef>
+          <a:effectRef idx="1">
+            <a:schemeClr val="accent1"/>
+          </a:effectRef>
+          <a:fontRef idx="minor">
+            <a:schemeClr val="lt1"/>
+          </a:fontRef>
+        </p:style>
+        <p:txBody>
+          <a:bodyPr anchor="ctr"/>
+          <a:lstStyle/>
+          <a:p>
+            <a:pPr algn="ctr" eaLnBrk="1" latinLnBrk="0" hangingPunct="1"/>
+            <a:endParaRPr kumimoji="0" lang="en-US"/>
+          </a:p>
+        </p:txBody>
+      </p:sp>
+      <p:sp>
+        <p:nvSpPr>
+          <p:cNvPr id="13" name="Conector reto 12"/>
+          <p:cNvSpPr>
+            <a:spLocks noChangeShapeType="1"/>
+          </p:cNvSpPr>
+          <p:nvPr/>
+        </p:nvSpPr>
+        <p:spPr bwMode="auto">
+          <a:xfrm>
+            <a:off x="106344" y="0"/>
+            <a:ext cx="0" cy="6858000"/>
+          </a:xfrm>
+          <a:prstGeom prst="line">
+            <a:avLst/>
+          </a:prstGeom>
+          <a:noFill/>
+          <a:ln w="57150" cap="flat" cmpd="sng" algn="ctr">
+            <a:solidFill>
+              <a:schemeClr val="accent1">
+                <a:tint val="60000"/>
+                <a:alpha val="73000"/>
+              </a:schemeClr>
+            </a:solidFill>
+            <a:prstDash val="solid"/>
+            <a:round/>
+            <a:headEnd type="none" w="med" len="med"/>
+            <a:tailEnd type="none" w="med" len="med"/>
+          </a:ln>
+          <a:effectLst/>
+        </p:spPr>
+        <p:txBody>
+          <a:bodyPr vert="horz" wrap="square" lIns="91440" tIns="45720" rIns="91440" bIns="45720" anchor="t" compatLnSpc="1"/>
+          <a:lstStyle/>
+          <a:p>
+            <a:endParaRPr kumimoji="0" lang="en-US"/>
+          </a:p>
+        </p:txBody>
+      </p:sp>
+      <p:sp>
+        <p:nvSpPr>
+          <p:cNvPr id="14" name="Conector reto 13"/>
+          <p:cNvSpPr>
+            <a:spLocks noChangeShapeType="1"/>
+          </p:cNvSpPr>
+          <p:nvPr/>
+        </p:nvSpPr>
+        <p:spPr bwMode="auto">
+          <a:xfrm>
+            <a:off x="914400" y="0"/>
+            <a:ext cx="0" cy="6858000"/>
+          </a:xfrm>
+          <a:prstGeom prst="line">
+            <a:avLst/>
+          </a:prstGeom>
+          <a:noFill/>
+          <a:ln w="57150" cap="flat" cmpd="sng" algn="ctr">
+            <a:solidFill>
+              <a:schemeClr val="accent1">
+                <a:tint val="20000"/>
+                <a:alpha val="83000"/>
+              </a:schemeClr>
+            </a:solidFill>
+            <a:prstDash val="solid"/>
+            <a:round/>
+            <a:headEnd type="none" w="med" len="med"/>
+            <a:tailEnd type="none" w="med" len="med"/>
+          </a:ln>
+          <a:effectLst/>
+        </p:spPr>
+        <p:txBody>
+          <a:bodyPr vert="horz" wrap="square" lIns="91440" tIns="45720" rIns="91440" bIns="45720" anchor="t" compatLnSpc="1"/>
+          <a:lstStyle/>
+          <a:p>
+            <a:endParaRPr kumimoji="0" lang="en-US"/>
+          </a:p>
+        </p:txBody>
+      </p:sp>
+      <p:sp>
+        <p:nvSpPr>
+          <p:cNvPr id="15" name="Conector reto 14"/>
+          <p:cNvSpPr>
+            <a:spLocks noChangeShapeType="1"/>
+          </p:cNvSpPr>
+          <p:nvPr/>
+        </p:nvSpPr>
+        <p:spPr bwMode="auto">
+          <a:xfrm>
+            <a:off x="854112" y="0"/>
+            <a:ext cx="0" cy="6858000"/>
+          </a:xfrm>
+          <a:prstGeom prst="line">
+            <a:avLst/>
+          </a:prstGeom>
+          <a:noFill/>
+          <a:ln w="57150" cap="flat" cmpd="sng" algn="ctr">
+            <a:solidFill>
+              <a:schemeClr val="accent1">
+                <a:tint val="60000"/>
+              </a:schemeClr>
+            </a:solidFill>
+            <a:prstDash val="solid"/>
+            <a:round/>
+            <a:headEnd type="none" w="med" len="med"/>
+            <a:tailEnd type="none" w="med" len="med"/>
+          </a:ln>
+          <a:effectLst/>
+        </p:spPr>
+        <p:txBody>
+          <a:bodyPr vert="horz" wrap="square" lIns="91440" tIns="45720" rIns="91440" bIns="45720" anchor="t" compatLnSpc="1"/>
+          <a:lstStyle/>
+          <a:p>
+            <a:endParaRPr kumimoji="0" lang="en-US"/>
+          </a:p>
+        </p:txBody>
+      </p:sp>
+      <p:sp>
+        <p:nvSpPr>
+          <p:cNvPr id="16" name="Conector reto 15"/>
+          <p:cNvSpPr>
+            <a:spLocks noChangeShapeType="1"/>
+          </p:cNvSpPr>
+          <p:nvPr/>
+        </p:nvSpPr>
+        <p:spPr bwMode="auto">
+          <a:xfrm>
+            <a:off x="1726640" y="0"/>
+            <a:ext cx="0" cy="6858000"/>
+          </a:xfrm>
+          <a:prstGeom prst="line">
+            <a:avLst/>
+          </a:prstGeom>
+          <a:noFill/>
+          <a:ln w="28575" cap="flat" cmpd="sng" algn="ctr">
+            <a:solidFill>
+              <a:schemeClr val="accent1">
+                <a:tint val="60000"/>
+                <a:alpha val="82000"/>
+              </a:schemeClr>
+            </a:solidFill>
+            <a:prstDash val="solid"/>
+            <a:round/>
+            <a:headEnd type="none" w="med" len="med"/>
+            <a:tailEnd type="none" w="med" len="med"/>
+          </a:ln>
+          <a:effectLst/>
+        </p:spPr>
+        <p:txBody>
+          <a:bodyPr vert="horz" wrap="square" lIns="91440" tIns="45720" rIns="91440" bIns="45720" anchor="t" compatLnSpc="1"/>
+          <a:lstStyle/>
+          <a:p>
+            <a:endParaRPr kumimoji="0" lang="en-US"/>
+          </a:p>
+        </p:txBody>
+      </p:sp>
+      <p:sp>
+        <p:nvSpPr>
+          <p:cNvPr id="17" name="Conector reto 16"/>
+          <p:cNvSpPr>
+            <a:spLocks noChangeShapeType="1"/>
+          </p:cNvSpPr>
+          <p:nvPr/>
+        </p:nvSpPr>
+        <p:spPr bwMode="auto">
+          <a:xfrm>
+            <a:off x="1066800" y="0"/>
+            <a:ext cx="0" cy="6858000"/>
+          </a:xfrm>
+          <a:prstGeom prst="line">
+            <a:avLst/>
+          </a:prstGeom>
+          <a:noFill/>
+          <a:ln w="9525" cap="flat" cmpd="sng" algn="ctr">
+            <a:solidFill>
+              <a:schemeClr val="accent1">
+                <a:tint val="60000"/>
+              </a:schemeClr>
+            </a:solidFill>
+            <a:prstDash val="solid"/>
+            <a:round/>
+            <a:headEnd type="none" w="med" len="med"/>
+            <a:tailEnd type="none" w="med" len="med"/>
+          </a:ln>
+          <a:effectLst/>
+        </p:spPr>
+        <p:txBody>
+          <a:bodyPr vert="horz" wrap="square" lIns="91440" tIns="45720" rIns="91440" bIns="45720" anchor="t" compatLnSpc="1"/>
+          <a:lstStyle/>
+          <a:p>
+            <a:endParaRPr kumimoji="0" lang="en-US"/>
+          </a:p>
+        </p:txBody>
+      </p:sp>
+      <p:sp>
+        <p:nvSpPr>
+          <p:cNvPr id="18" name="Retângulo 17"/>
+          <p:cNvSpPr/>
+          <p:nvPr/>
+        </p:nvSpPr>
+        <p:spPr bwMode="auto">
+          <a:xfrm>
+            <a:off x="1219200" y="0"/>
+            <a:ext cx="76200" cy="6858000"/>
+          </a:xfrm>
+          <a:prstGeom prst="rect">
+            <a:avLst/>
+          </a:prstGeom>
+          <a:solidFill>
+            <a:schemeClr val="accent1">
+              <a:tint val="60000"/>
+              <a:alpha val="51000"/>
+            </a:schemeClr>
+          </a:solidFill>
+          <a:ln w="38100" cap="rnd" cmpd="sng" algn="ctr">
+            <a:noFill/>
+            <a:prstDash val="solid"/>
+          </a:ln>
+          <a:effectLst/>
+        </p:spPr>
+        <p:style>
+          <a:lnRef idx="3">
+            <a:schemeClr val="lt1"/>
+          </a:lnRef>
+          <a:fillRef idx="1">
+            <a:schemeClr val="accent1"/>
+          </a:fillRef>
+          <a:effectRef idx="1">
+            <a:schemeClr val="accent1"/>
+          </a:effectRef>
+          <a:fontRef idx="minor">
+            <a:schemeClr val="lt1"/>
+          </a:fontRef>
+        </p:style>
+        <p:txBody>
+          <a:bodyPr anchor="ctr"/>
+          <a:lstStyle/>
+          <a:p>
+            <a:pPr algn="ctr" eaLnBrk="1" latinLnBrk="0" hangingPunct="1"/>
+            <a:endParaRPr kumimoji="0" lang="en-US" dirty="0"/>
+          </a:p>
+        </p:txBody>
+      </p:sp>
+      <p:sp>
+        <p:nvSpPr>
+          <p:cNvPr id="19" name="Elipse 18"/>
+          <p:cNvSpPr/>
+          <p:nvPr/>
+        </p:nvSpPr>
+        <p:spPr bwMode="auto">
+          <a:xfrm>
+            <a:off x="609600" y="3429000"/>
+            <a:ext cx="1295400" cy="1295400"/>
+          </a:xfrm>
+          <a:prstGeom prst="ellipse">
+            <a:avLst/>
+          </a:prstGeom>
+          <a:ln w="38100" cap="rnd" cmpd="sng" algn="ctr">
+            <a:noFill/>
+            <a:prstDash val="solid"/>
+          </a:ln>
+          <a:effectLst/>
+        </p:spPr>
+        <p:style>
+          <a:lnRef idx="3">
+            <a:schemeClr val="lt1"/>
+          </a:lnRef>
+          <a:fillRef idx="1">
+            <a:schemeClr val="accent1"/>
+          </a:fillRef>
+          <a:effectRef idx="1">
+            <a:schemeClr val="accent1"/>
+          </a:effectRef>
+          <a:fontRef idx="minor">
+            <a:schemeClr val="lt1"/>
+          </a:fontRef>
+        </p:style>
+        <p:txBody>
+          <a:bodyPr anchor="ctr"/>
+          <a:lstStyle/>
+          <a:p>
+            <a:pPr algn="ctr" eaLnBrk="1" latinLnBrk="0" hangingPunct="1"/>
+            <a:endParaRPr kumimoji="0" lang="en-US" dirty="0"/>
+          </a:p>
+        </p:txBody>
+      </p:sp>
+      <p:sp>
+        <p:nvSpPr>
+          <p:cNvPr id="20" name="Elipse 19"/>
+          <p:cNvSpPr/>
+          <p:nvPr/>
+        </p:nvSpPr>
+        <p:spPr bwMode="auto">
+          <a:xfrm>
+            <a:off x="1324704" y="4866752"/>
+            <a:ext cx="641424" cy="641424"/>
+          </a:xfrm>
+          <a:prstGeom prst="ellipse">
+            <a:avLst/>
+          </a:prstGeom>
+          <a:ln w="28575" cap="rnd" cmpd="sng" algn="ctr">
+            <a:noFill/>
+            <a:prstDash val="solid"/>
+          </a:ln>
+          <a:effectLst/>
+        </p:spPr>
+        <p:style>
+          <a:lnRef idx="3">
+            <a:schemeClr val="lt1"/>
+          </a:lnRef>
+          <a:fillRef idx="1">
+            <a:schemeClr val="accent1"/>
+          </a:fillRef>
+          <a:effectRef idx="1">
+            <a:schemeClr val="accent1"/>
+          </a:effectRef>
+          <a:fontRef idx="minor">
+            <a:schemeClr val="lt1"/>
+          </a:fontRef>
+        </p:style>
+        <p:txBody>
+          <a:bodyPr anchor="ctr"/>
+          <a:lstStyle/>
+          <a:p>
+            <a:pPr algn="ctr" eaLnBrk="1" latinLnBrk="0" hangingPunct="1"/>
+            <a:endParaRPr kumimoji="0" lang="en-US" dirty="0"/>
+          </a:p>
+        </p:txBody>
+      </p:sp>
+      <p:sp>
+        <p:nvSpPr>
+          <p:cNvPr id="21" name="Elipse 20"/>
+          <p:cNvSpPr/>
+          <p:nvPr/>
+        </p:nvSpPr>
+        <p:spPr bwMode="auto">
+          <a:xfrm>
+            <a:off x="1091080" y="5500632"/>
+            <a:ext cx="137160" cy="137160"/>
+          </a:xfrm>
+          <a:prstGeom prst="ellipse">
+            <a:avLst/>
+          </a:prstGeom>
+          <a:ln w="12700" cap="rnd" cmpd="sng" algn="ctr">
+            <a:noFill/>
+            <a:prstDash val="solid"/>
+          </a:ln>
+          <a:effectLst/>
+        </p:spPr>
+        <p:style>
+          <a:lnRef idx="3">
+            <a:schemeClr val="lt1"/>
+          </a:lnRef>
+          <a:fillRef idx="1">
+            <a:schemeClr val="accent1"/>
+          </a:fillRef>
+          <a:effectRef idx="1">
+            <a:schemeClr val="accent1"/>
+          </a:effectRef>
+          <a:fontRef idx="minor">
+            <a:schemeClr val="lt1"/>
+          </a:fontRef>
+        </p:style>
+        <p:txBody>
+          <a:bodyPr anchor="ctr"/>
+          <a:lstStyle/>
+          <a:p>
+            <a:pPr algn="ctr" eaLnBrk="1" latinLnBrk="0" hangingPunct="1"/>
+            <a:endParaRPr kumimoji="0" lang="en-US" dirty="0"/>
+          </a:p>
+        </p:txBody>
+      </p:sp>
+      <p:sp>
+        <p:nvSpPr>
+          <p:cNvPr id="22" name="Elipse 21"/>
+          <p:cNvSpPr/>
+          <p:nvPr/>
+        </p:nvSpPr>
+        <p:spPr bwMode="auto">
+          <a:xfrm>
+            <a:off x="1664208" y="5791200"/>
+            <a:ext cx="274320" cy="274320"/>
+          </a:xfrm>
+          <a:prstGeom prst="ellipse">
+            <a:avLst/>
+          </a:prstGeom>
+          <a:ln w="12700" cap="rnd" cmpd="sng" algn="ctr">
+            <a:noFill/>
+            <a:prstDash val="solid"/>
+          </a:ln>
+          <a:effectLst/>
+        </p:spPr>
+        <p:style>
+          <a:lnRef idx="3">
+            <a:schemeClr val="lt1"/>
+          </a:lnRef>
+          <a:fillRef idx="1">
+            <a:schemeClr val="accent1"/>
+          </a:fillRef>
+          <a:effectRef idx="1">
+            <a:schemeClr val="accent1"/>
+          </a:effectRef>
+          <a:fontRef idx="minor">
+            <a:schemeClr val="lt1"/>
+          </a:fontRef>
+        </p:style>
+        <p:txBody>
+          <a:bodyPr anchor="ctr"/>
+          <a:lstStyle/>
+          <a:p>
+            <a:pPr algn="ctr" eaLnBrk="1" latinLnBrk="0" hangingPunct="1"/>
+            <a:endParaRPr kumimoji="0" lang="en-US" dirty="0"/>
+          </a:p>
+        </p:txBody>
+      </p:sp>
+      <p:sp>
+        <p:nvSpPr>
+          <p:cNvPr id="23" name="Elipse 22"/>
+          <p:cNvSpPr/>
+          <p:nvPr/>
+        </p:nvSpPr>
+        <p:spPr bwMode="auto">
+          <a:xfrm>
+            <a:off x="1879040" y="4479888"/>
+            <a:ext cx="365760" cy="365760"/>
+          </a:xfrm>
+          <a:prstGeom prst="ellipse">
+            <a:avLst/>
+          </a:prstGeom>
+          <a:ln w="28575" cap="rnd" cmpd="sng" algn="ctr">
+            <a:noFill/>
+            <a:prstDash val="solid"/>
+          </a:ln>
+          <a:effectLst/>
+        </p:spPr>
+        <p:style>
+          <a:lnRef idx="3">
+            <a:schemeClr val="lt1"/>
+          </a:lnRef>
+          <a:fillRef idx="1">
+            <a:schemeClr val="accent1"/>
+          </a:fillRef>
+          <a:effectRef idx="1">
+            <a:schemeClr val="accent1"/>
+          </a:effectRef>
+          <a:fontRef idx="minor">
+            <a:schemeClr val="lt1"/>
+          </a:fontRef>
+        </p:style>
+        <p:txBody>
+          <a:bodyPr anchor="ctr"/>
+          <a:lstStyle/>
+          <a:p>
+            <a:pPr algn="ctr" eaLnBrk="1" latinLnBrk="0" hangingPunct="1"/>
+            <a:endParaRPr kumimoji="0" lang="en-US" dirty="0"/>
+          </a:p>
+        </p:txBody>
+      </p:sp>
+      <p:sp>
+        <p:nvSpPr>
+          <p:cNvPr id="26" name="Conector reto 25"/>
+          <p:cNvSpPr>
+            <a:spLocks noChangeShapeType="1"/>
+          </p:cNvSpPr>
+          <p:nvPr/>
+        </p:nvSpPr>
+        <p:spPr bwMode="auto">
+          <a:xfrm>
+            <a:off x="9097944" y="0"/>
+            <a:ext cx="0" cy="6858000"/>
+          </a:xfrm>
+          <a:prstGeom prst="line">
+            <a:avLst/>
+          </a:prstGeom>
+          <a:noFill/>
+          <a:ln w="57150" cap="flat" cmpd="thickThin" algn="ctr">
+            <a:solidFill>
+              <a:schemeClr val="accent1">
+                <a:tint val="60000"/>
+              </a:schemeClr>
+            </a:solidFill>
+            <a:prstDash val="solid"/>
+            <a:round/>
+            <a:headEnd type="none" w="med" len="med"/>
+            <a:tailEnd type="none" w="med" len="med"/>
+          </a:ln>
+          <a:effectLst/>
+        </p:spPr>
+        <p:txBody>
+          <a:bodyPr vert="horz" wrap="square" lIns="91440" tIns="45720" rIns="91440" bIns="45720" anchor="t" compatLnSpc="1"/>
+          <a:lstStyle/>
+          <a:p>
+            <a:endParaRPr kumimoji="0" lang="en-US"/>
+          </a:p>
+        </p:txBody>
+      </p:sp>
+      <p:sp>
+        <p:nvSpPr>
+          <p:cNvPr id="6" name="Espaço Reservado para Número de Slide 5"/>
           <p:cNvSpPr>
             <a:spLocks noGrp="1"/>
           </p:cNvSpPr>
@@ -1454,7 +2798,12 @@
             <p:ph type="sldNum" sz="quarter" idx="12"/>
           </p:nvPr>
         </p:nvSpPr>
-        <p:spPr/>
+        <p:spPr bwMode="auto">
+          <a:xfrm>
+            <a:off x="1340616" y="4928702"/>
+            <a:ext cx="609600" cy="517524"/>
+          </a:xfrm>
+        </p:spPr>
         <p:txBody>
           <a:bodyPr/>
           <a:lstStyle/>
@@ -1471,14 +2820,15 @@
     </p:spTree>
   </p:cSld>
   <p:clrMapOvr>
-    <a:masterClrMapping/>
+    <a:overrideClrMapping bg1="dk1" tx1="lt1" bg2="dk2" tx2="lt2" accent1="accent1" accent2="accent2" accent3="accent3" accent4="accent4" accent5="accent5" accent6="accent6" hlink="hlink" folHlink="folHlink"/>
   </p:clrMapOvr>
+  <p:hf hdr="0" ftr="0" dt="0"/>
 </p:sldLayout>
 </file>
 
 <file path=ppt/slideLayouts/slideLayout4.xml><?xml version="1.0" encoding="utf-8"?>
 <p:sldLayout xmlns:a="http://schemas.openxmlformats.org/drawingml/2006/main" xmlns:r="http://schemas.openxmlformats.org/officeDocument/2006/relationships" xmlns:p="http://schemas.openxmlformats.org/presentationml/2006/main" type="twoObj" preserve="1">
-  <p:cSld name="Two Content">
+  <p:cSld name="Duas Partes de Conteúdo">
     <p:spTree>
       <p:nvGrpSpPr>
         <p:cNvPr id="1" name=""/>
@@ -1495,7 +2845,7 @@
       </p:grpSpPr>
       <p:sp>
         <p:nvSpPr>
-          <p:cNvPr id="2" name="Title 1"/>
+          <p:cNvPr id="2" name="Título 1"/>
           <p:cNvSpPr>
             <a:spLocks noGrp="1"/>
           </p:cNvSpPr>
@@ -1509,183 +2859,16 @@
           <a:lstStyle/>
           <a:p>
             <a:r>
-              <a:rPr lang="en-US"/>
-              <a:t>Click to edit Master title style</a:t>
-            </a:r>
-          </a:p>
-        </p:txBody>
-      </p:sp>
-      <p:sp>
-        <p:nvSpPr>
-          <p:cNvPr id="3" name="Content Placeholder 2"/>
-          <p:cNvSpPr>
-            <a:spLocks noGrp="1"/>
-          </p:cNvSpPr>
-          <p:nvPr>
-            <p:ph sz="half" idx="1"/>
-          </p:nvPr>
-        </p:nvSpPr>
-        <p:spPr>
-          <a:xfrm>
-            <a:off x="457200" y="1600200"/>
-            <a:ext cx="4038600" cy="4525963"/>
-          </a:xfrm>
-        </p:spPr>
-        <p:txBody>
-          <a:bodyPr/>
-          <a:lstStyle>
-            <a:lvl1pPr>
-              <a:defRPr sz="2800"/>
-            </a:lvl1pPr>
-            <a:lvl2pPr>
-              <a:defRPr sz="2400"/>
-            </a:lvl2pPr>
-            <a:lvl3pPr>
-              <a:defRPr sz="2000"/>
-            </a:lvl3pPr>
-            <a:lvl4pPr>
-              <a:defRPr sz="1800"/>
-            </a:lvl4pPr>
-            <a:lvl5pPr>
-              <a:defRPr sz="1800"/>
-            </a:lvl5pPr>
-            <a:lvl6pPr>
-              <a:defRPr sz="1800"/>
-            </a:lvl6pPr>
-            <a:lvl7pPr>
-              <a:defRPr sz="1800"/>
-            </a:lvl7pPr>
-            <a:lvl8pPr>
-              <a:defRPr sz="1800"/>
-            </a:lvl8pPr>
-            <a:lvl9pPr>
-              <a:defRPr sz="1800"/>
-            </a:lvl9pPr>
-          </a:lstStyle>
-          <a:p>
-            <a:pPr lvl="0"/>
-            <a:r>
-              <a:rPr lang="en-US"/>
-              <a:t>Click to edit Master text styles</a:t>
-            </a:r>
-          </a:p>
-          <a:p>
-            <a:pPr lvl="1"/>
-            <a:r>
-              <a:rPr lang="en-US"/>
-              <a:t>Second level</a:t>
-            </a:r>
-          </a:p>
-          <a:p>
-            <a:pPr lvl="2"/>
-            <a:r>
-              <a:rPr lang="en-US"/>
-              <a:t>Third level</a:t>
-            </a:r>
-          </a:p>
-          <a:p>
-            <a:pPr lvl="3"/>
-            <a:r>
-              <a:rPr lang="en-US"/>
-              <a:t>Fourth level</a:t>
-            </a:r>
-          </a:p>
-          <a:p>
-            <a:pPr lvl="4"/>
-            <a:r>
-              <a:rPr lang="en-US"/>
-              <a:t>Fifth level</a:t>
-            </a:r>
-          </a:p>
-        </p:txBody>
-      </p:sp>
-      <p:sp>
-        <p:nvSpPr>
-          <p:cNvPr id="4" name="Content Placeholder 3"/>
-          <p:cNvSpPr>
-            <a:spLocks noGrp="1"/>
-          </p:cNvSpPr>
-          <p:nvPr>
-            <p:ph sz="half" idx="2"/>
-          </p:nvPr>
-        </p:nvSpPr>
-        <p:spPr>
-          <a:xfrm>
-            <a:off x="4648200" y="1600200"/>
-            <a:ext cx="4038600" cy="4525963"/>
-          </a:xfrm>
-        </p:spPr>
-        <p:txBody>
-          <a:bodyPr/>
-          <a:lstStyle>
-            <a:lvl1pPr>
-              <a:defRPr sz="2800"/>
-            </a:lvl1pPr>
-            <a:lvl2pPr>
-              <a:defRPr sz="2400"/>
-            </a:lvl2pPr>
-            <a:lvl3pPr>
-              <a:defRPr sz="2000"/>
-            </a:lvl3pPr>
-            <a:lvl4pPr>
-              <a:defRPr sz="1800"/>
-            </a:lvl4pPr>
-            <a:lvl5pPr>
-              <a:defRPr sz="1800"/>
-            </a:lvl5pPr>
-            <a:lvl6pPr>
-              <a:defRPr sz="1800"/>
-            </a:lvl6pPr>
-            <a:lvl7pPr>
-              <a:defRPr sz="1800"/>
-            </a:lvl7pPr>
-            <a:lvl8pPr>
-              <a:defRPr sz="1800"/>
-            </a:lvl8pPr>
-            <a:lvl9pPr>
-              <a:defRPr sz="1800"/>
-            </a:lvl9pPr>
-          </a:lstStyle>
-          <a:p>
-            <a:pPr lvl="0"/>
-            <a:r>
-              <a:rPr lang="en-US"/>
-              <a:t>Click to edit Master text styles</a:t>
-            </a:r>
-          </a:p>
-          <a:p>
-            <a:pPr lvl="1"/>
-            <a:r>
-              <a:rPr lang="en-US"/>
-              <a:t>Second level</a:t>
-            </a:r>
-          </a:p>
-          <a:p>
-            <a:pPr lvl="2"/>
-            <a:r>
-              <a:rPr lang="en-US"/>
-              <a:t>Third level</a:t>
-            </a:r>
-          </a:p>
-          <a:p>
-            <a:pPr lvl="3"/>
-            <a:r>
-              <a:rPr lang="en-US"/>
-              <a:t>Fourth level</a:t>
-            </a:r>
-          </a:p>
-          <a:p>
-            <a:pPr lvl="4"/>
-            <a:r>
-              <a:rPr lang="en-US"/>
-              <a:t>Fifth level</a:t>
-            </a:r>
-          </a:p>
-        </p:txBody>
-      </p:sp>
-      <p:sp>
-        <p:nvSpPr>
-          <p:cNvPr id="5" name="Date Placeholder 4"/>
+              <a:rPr kumimoji="0" lang="pt-BR"/>
+              <a:t>Clique para editar o estilo do título mestre</a:t>
+            </a:r>
+            <a:endParaRPr kumimoji="0" lang="en-US"/>
+          </a:p>
+        </p:txBody>
+      </p:sp>
+      <p:sp>
+        <p:nvSpPr>
+          <p:cNvPr id="5" name="Espaço Reservado para Data 4"/>
           <p:cNvSpPr>
             <a:spLocks noGrp="1"/>
           </p:cNvSpPr>
@@ -1698,10 +2881,10 @@
           <a:bodyPr/>
           <a:lstStyle/>
           <a:p>
-            <a:fld id="{EB07978A-2AF6-4872-9549-BBC7E5EEFE7B}" type="datetime1">
+            <a:fld id="{A4D20CB3-E548-497B-8DA5-345095E99FDB}" type="datetime1">
               <a:rPr lang="en-US" smtClean="0"/>
               <a:pPr/>
-              <a:t>11/30/2016</a:t>
+              <a:t>12/1/2016</a:t>
             </a:fld>
             <a:endParaRPr lang="en-US"/>
           </a:p>
@@ -1709,7 +2892,7 @@
       </p:sp>
       <p:sp>
         <p:nvSpPr>
-          <p:cNvPr id="6" name="Footer Placeholder 5"/>
+          <p:cNvPr id="6" name="Espaço Reservado para Rodapé 5"/>
           <p:cNvSpPr>
             <a:spLocks noGrp="1"/>
           </p:cNvSpPr>
@@ -1728,7 +2911,7 @@
       </p:sp>
       <p:sp>
         <p:nvSpPr>
-          <p:cNvPr id="7" name="Slide Number Placeholder 6"/>
+          <p:cNvPr id="7" name="Espaço Reservado para Número de Slide 6"/>
           <p:cNvSpPr>
             <a:spLocks noGrp="1"/>
           </p:cNvSpPr>
@@ -1750,17 +2933,132 @@
           </a:p>
         </p:txBody>
       </p:sp>
+      <p:sp>
+        <p:nvSpPr>
+          <p:cNvPr id="9" name="Espaço Reservado para Conteúdo 8"/>
+          <p:cNvSpPr>
+            <a:spLocks noGrp="1"/>
+          </p:cNvSpPr>
+          <p:nvPr>
+            <p:ph sz="quarter" idx="1"/>
+          </p:nvPr>
+        </p:nvSpPr>
+        <p:spPr>
+          <a:xfrm>
+            <a:off x="457200" y="1600200"/>
+            <a:ext cx="3657600" cy="4572000"/>
+          </a:xfrm>
+        </p:spPr>
+        <p:txBody>
+          <a:bodyPr/>
+          <a:lstStyle/>
+          <a:p>
+            <a:pPr lvl="0" eaLnBrk="1" latinLnBrk="0" hangingPunct="1"/>
+            <a:r>
+              <a:rPr lang="pt-BR"/>
+              <a:t>Clique para editar os estilos do texto mestre</a:t>
+            </a:r>
+          </a:p>
+          <a:p>
+            <a:pPr lvl="1" eaLnBrk="1" latinLnBrk="0" hangingPunct="1"/>
+            <a:r>
+              <a:rPr lang="pt-BR"/>
+              <a:t>Segundo nível</a:t>
+            </a:r>
+          </a:p>
+          <a:p>
+            <a:pPr lvl="2" eaLnBrk="1" latinLnBrk="0" hangingPunct="1"/>
+            <a:r>
+              <a:rPr lang="pt-BR"/>
+              <a:t>Terceiro nível</a:t>
+            </a:r>
+          </a:p>
+          <a:p>
+            <a:pPr lvl="3" eaLnBrk="1" latinLnBrk="0" hangingPunct="1"/>
+            <a:r>
+              <a:rPr lang="pt-BR"/>
+              <a:t>Quarto nível</a:t>
+            </a:r>
+          </a:p>
+          <a:p>
+            <a:pPr lvl="4" eaLnBrk="1" latinLnBrk="0" hangingPunct="1"/>
+            <a:r>
+              <a:rPr lang="pt-BR"/>
+              <a:t>Quinto nível</a:t>
+            </a:r>
+            <a:endParaRPr kumimoji="0" lang="en-US"/>
+          </a:p>
+        </p:txBody>
+      </p:sp>
+      <p:sp>
+        <p:nvSpPr>
+          <p:cNvPr id="11" name="Espaço Reservado para Conteúdo 10"/>
+          <p:cNvSpPr>
+            <a:spLocks noGrp="1"/>
+          </p:cNvSpPr>
+          <p:nvPr>
+            <p:ph sz="quarter" idx="2"/>
+          </p:nvPr>
+        </p:nvSpPr>
+        <p:spPr>
+          <a:xfrm>
+            <a:off x="4270248" y="1600200"/>
+            <a:ext cx="3657600" cy="4572000"/>
+          </a:xfrm>
+        </p:spPr>
+        <p:txBody>
+          <a:bodyPr/>
+          <a:lstStyle/>
+          <a:p>
+            <a:pPr lvl="0" eaLnBrk="1" latinLnBrk="0" hangingPunct="1"/>
+            <a:r>
+              <a:rPr lang="pt-BR"/>
+              <a:t>Clique para editar os estilos do texto mestre</a:t>
+            </a:r>
+          </a:p>
+          <a:p>
+            <a:pPr lvl="1" eaLnBrk="1" latinLnBrk="0" hangingPunct="1"/>
+            <a:r>
+              <a:rPr lang="pt-BR"/>
+              <a:t>Segundo nível</a:t>
+            </a:r>
+          </a:p>
+          <a:p>
+            <a:pPr lvl="2" eaLnBrk="1" latinLnBrk="0" hangingPunct="1"/>
+            <a:r>
+              <a:rPr lang="pt-BR"/>
+              <a:t>Terceiro nível</a:t>
+            </a:r>
+          </a:p>
+          <a:p>
+            <a:pPr lvl="3" eaLnBrk="1" latinLnBrk="0" hangingPunct="1"/>
+            <a:r>
+              <a:rPr lang="pt-BR"/>
+              <a:t>Quarto nível</a:t>
+            </a:r>
+          </a:p>
+          <a:p>
+            <a:pPr lvl="4" eaLnBrk="1" latinLnBrk="0" hangingPunct="1"/>
+            <a:r>
+              <a:rPr lang="pt-BR"/>
+              <a:t>Quinto nível</a:t>
+            </a:r>
+            <a:endParaRPr kumimoji="0" lang="en-US"/>
+          </a:p>
+        </p:txBody>
+      </p:sp>
     </p:spTree>
   </p:cSld>
   <p:clrMapOvr>
     <a:masterClrMapping/>
   </p:clrMapOvr>
+  <p:hf hdr="0" ftr="0" dt="0"/>
 </p:sldLayout>
 </file>
 
 <file path=ppt/slideLayouts/slideLayout5.xml><?xml version="1.0" encoding="utf-8"?>
 <p:sldLayout xmlns:a="http://schemas.openxmlformats.org/drawingml/2006/main" xmlns:r="http://schemas.openxmlformats.org/officeDocument/2006/relationships" xmlns:p="http://schemas.openxmlformats.org/presentationml/2006/main" type="twoTxTwoObj" preserve="1">
-  <p:cSld name="Comparison">
+  <p:cSld name="Comparação">
     <p:spTree>
       <p:nvGrpSpPr>
         <p:cNvPr id="1" name=""/>
@@ -1777,7 +3075,7 @@
       </p:grpSpPr>
       <p:sp>
         <p:nvSpPr>
-          <p:cNvPr id="2" name="Title 1"/>
+          <p:cNvPr id="2" name="Título 1"/>
           <p:cNvSpPr>
             <a:spLocks noGrp="1"/>
           </p:cNvSpPr>
@@ -1785,9 +3083,14 @@
             <p:ph type="title"/>
           </p:nvPr>
         </p:nvSpPr>
-        <p:spPr/>
-        <p:txBody>
-          <a:bodyPr/>
+        <p:spPr>
+          <a:xfrm>
+            <a:off x="457200" y="273050"/>
+            <a:ext cx="7543800" cy="1143000"/>
+          </a:xfrm>
+        </p:spPr>
+        <p:txBody>
+          <a:bodyPr anchor="b"/>
           <a:lstStyle>
             <a:lvl1pPr>
               <a:defRPr/>
@@ -1795,313 +3098,16 @@
           </a:lstStyle>
           <a:p>
             <a:r>
-              <a:rPr lang="en-US"/>
-              <a:t>Click to edit Master title style</a:t>
-            </a:r>
-          </a:p>
-        </p:txBody>
-      </p:sp>
-      <p:sp>
-        <p:nvSpPr>
-          <p:cNvPr id="3" name="Text Placeholder 2"/>
-          <p:cNvSpPr>
-            <a:spLocks noGrp="1"/>
-          </p:cNvSpPr>
-          <p:nvPr>
-            <p:ph type="body" idx="1"/>
-          </p:nvPr>
-        </p:nvSpPr>
-        <p:spPr>
-          <a:xfrm>
-            <a:off x="457200" y="1535113"/>
-            <a:ext cx="4040188" cy="639762"/>
-          </a:xfrm>
-        </p:spPr>
-        <p:txBody>
-          <a:bodyPr anchor="b"/>
-          <a:lstStyle>
-            <a:lvl1pPr marL="0" indent="0">
-              <a:buNone/>
-              <a:defRPr sz="2400" b="1"/>
-            </a:lvl1pPr>
-            <a:lvl2pPr marL="457200" indent="0">
-              <a:buNone/>
-              <a:defRPr sz="2000" b="1"/>
-            </a:lvl2pPr>
-            <a:lvl3pPr marL="914400" indent="0">
-              <a:buNone/>
-              <a:defRPr sz="1800" b="1"/>
-            </a:lvl3pPr>
-            <a:lvl4pPr marL="1371600" indent="0">
-              <a:buNone/>
-              <a:defRPr sz="1600" b="1"/>
-            </a:lvl4pPr>
-            <a:lvl5pPr marL="1828800" indent="0">
-              <a:buNone/>
-              <a:defRPr sz="1600" b="1"/>
-            </a:lvl5pPr>
-            <a:lvl6pPr marL="2286000" indent="0">
-              <a:buNone/>
-              <a:defRPr sz="1600" b="1"/>
-            </a:lvl6pPr>
-            <a:lvl7pPr marL="2743200" indent="0">
-              <a:buNone/>
-              <a:defRPr sz="1600" b="1"/>
-            </a:lvl7pPr>
-            <a:lvl8pPr marL="3200400" indent="0">
-              <a:buNone/>
-              <a:defRPr sz="1600" b="1"/>
-            </a:lvl8pPr>
-            <a:lvl9pPr marL="3657600" indent="0">
-              <a:buNone/>
-              <a:defRPr sz="1600" b="1"/>
-            </a:lvl9pPr>
-          </a:lstStyle>
-          <a:p>
-            <a:pPr lvl="0"/>
-            <a:r>
-              <a:rPr lang="en-US"/>
-              <a:t>Click to edit Master text styles</a:t>
-            </a:r>
-          </a:p>
-        </p:txBody>
-      </p:sp>
-      <p:sp>
-        <p:nvSpPr>
-          <p:cNvPr id="4" name="Content Placeholder 3"/>
-          <p:cNvSpPr>
-            <a:spLocks noGrp="1"/>
-          </p:cNvSpPr>
-          <p:nvPr>
-            <p:ph sz="half" idx="2"/>
-          </p:nvPr>
-        </p:nvSpPr>
-        <p:spPr>
-          <a:xfrm>
-            <a:off x="457200" y="2174875"/>
-            <a:ext cx="4040188" cy="3951288"/>
-          </a:xfrm>
-        </p:spPr>
-        <p:txBody>
-          <a:bodyPr/>
-          <a:lstStyle>
-            <a:lvl1pPr>
-              <a:defRPr sz="2400"/>
-            </a:lvl1pPr>
-            <a:lvl2pPr>
-              <a:defRPr sz="2000"/>
-            </a:lvl2pPr>
-            <a:lvl3pPr>
-              <a:defRPr sz="1800"/>
-            </a:lvl3pPr>
-            <a:lvl4pPr>
-              <a:defRPr sz="1600"/>
-            </a:lvl4pPr>
-            <a:lvl5pPr>
-              <a:defRPr sz="1600"/>
-            </a:lvl5pPr>
-            <a:lvl6pPr>
-              <a:defRPr sz="1600"/>
-            </a:lvl6pPr>
-            <a:lvl7pPr>
-              <a:defRPr sz="1600"/>
-            </a:lvl7pPr>
-            <a:lvl8pPr>
-              <a:defRPr sz="1600"/>
-            </a:lvl8pPr>
-            <a:lvl9pPr>
-              <a:defRPr sz="1600"/>
-            </a:lvl9pPr>
-          </a:lstStyle>
-          <a:p>
-            <a:pPr lvl="0"/>
-            <a:r>
-              <a:rPr lang="en-US"/>
-              <a:t>Click to edit Master text styles</a:t>
-            </a:r>
-          </a:p>
-          <a:p>
-            <a:pPr lvl="1"/>
-            <a:r>
-              <a:rPr lang="en-US"/>
-              <a:t>Second level</a:t>
-            </a:r>
-          </a:p>
-          <a:p>
-            <a:pPr lvl="2"/>
-            <a:r>
-              <a:rPr lang="en-US"/>
-              <a:t>Third level</a:t>
-            </a:r>
-          </a:p>
-          <a:p>
-            <a:pPr lvl="3"/>
-            <a:r>
-              <a:rPr lang="en-US"/>
-              <a:t>Fourth level</a:t>
-            </a:r>
-          </a:p>
-          <a:p>
-            <a:pPr lvl="4"/>
-            <a:r>
-              <a:rPr lang="en-US"/>
-              <a:t>Fifth level</a:t>
-            </a:r>
-          </a:p>
-        </p:txBody>
-      </p:sp>
-      <p:sp>
-        <p:nvSpPr>
-          <p:cNvPr id="5" name="Text Placeholder 4"/>
-          <p:cNvSpPr>
-            <a:spLocks noGrp="1"/>
-          </p:cNvSpPr>
-          <p:nvPr>
-            <p:ph type="body" sz="quarter" idx="3"/>
-          </p:nvPr>
-        </p:nvSpPr>
-        <p:spPr>
-          <a:xfrm>
-            <a:off x="4645025" y="1535113"/>
-            <a:ext cx="4041775" cy="639762"/>
-          </a:xfrm>
-        </p:spPr>
-        <p:txBody>
-          <a:bodyPr anchor="b"/>
-          <a:lstStyle>
-            <a:lvl1pPr marL="0" indent="0">
-              <a:buNone/>
-              <a:defRPr sz="2400" b="1"/>
-            </a:lvl1pPr>
-            <a:lvl2pPr marL="457200" indent="0">
-              <a:buNone/>
-              <a:defRPr sz="2000" b="1"/>
-            </a:lvl2pPr>
-            <a:lvl3pPr marL="914400" indent="0">
-              <a:buNone/>
-              <a:defRPr sz="1800" b="1"/>
-            </a:lvl3pPr>
-            <a:lvl4pPr marL="1371600" indent="0">
-              <a:buNone/>
-              <a:defRPr sz="1600" b="1"/>
-            </a:lvl4pPr>
-            <a:lvl5pPr marL="1828800" indent="0">
-              <a:buNone/>
-              <a:defRPr sz="1600" b="1"/>
-            </a:lvl5pPr>
-            <a:lvl6pPr marL="2286000" indent="0">
-              <a:buNone/>
-              <a:defRPr sz="1600" b="1"/>
-            </a:lvl6pPr>
-            <a:lvl7pPr marL="2743200" indent="0">
-              <a:buNone/>
-              <a:defRPr sz="1600" b="1"/>
-            </a:lvl7pPr>
-            <a:lvl8pPr marL="3200400" indent="0">
-              <a:buNone/>
-              <a:defRPr sz="1600" b="1"/>
-            </a:lvl8pPr>
-            <a:lvl9pPr marL="3657600" indent="0">
-              <a:buNone/>
-              <a:defRPr sz="1600" b="1"/>
-            </a:lvl9pPr>
-          </a:lstStyle>
-          <a:p>
-            <a:pPr lvl="0"/>
-            <a:r>
-              <a:rPr lang="en-US"/>
-              <a:t>Click to edit Master text styles</a:t>
-            </a:r>
-          </a:p>
-        </p:txBody>
-      </p:sp>
-      <p:sp>
-        <p:nvSpPr>
-          <p:cNvPr id="6" name="Content Placeholder 5"/>
-          <p:cNvSpPr>
-            <a:spLocks noGrp="1"/>
-          </p:cNvSpPr>
-          <p:nvPr>
-            <p:ph sz="quarter" idx="4"/>
-          </p:nvPr>
-        </p:nvSpPr>
-        <p:spPr>
-          <a:xfrm>
-            <a:off x="4645025" y="2174875"/>
-            <a:ext cx="4041775" cy="3951288"/>
-          </a:xfrm>
-        </p:spPr>
-        <p:txBody>
-          <a:bodyPr/>
-          <a:lstStyle>
-            <a:lvl1pPr>
-              <a:defRPr sz="2400"/>
-            </a:lvl1pPr>
-            <a:lvl2pPr>
-              <a:defRPr sz="2000"/>
-            </a:lvl2pPr>
-            <a:lvl3pPr>
-              <a:defRPr sz="1800"/>
-            </a:lvl3pPr>
-            <a:lvl4pPr>
-              <a:defRPr sz="1600"/>
-            </a:lvl4pPr>
-            <a:lvl5pPr>
-              <a:defRPr sz="1600"/>
-            </a:lvl5pPr>
-            <a:lvl6pPr>
-              <a:defRPr sz="1600"/>
-            </a:lvl6pPr>
-            <a:lvl7pPr>
-              <a:defRPr sz="1600"/>
-            </a:lvl7pPr>
-            <a:lvl8pPr>
-              <a:defRPr sz="1600"/>
-            </a:lvl8pPr>
-            <a:lvl9pPr>
-              <a:defRPr sz="1600"/>
-            </a:lvl9pPr>
-          </a:lstStyle>
-          <a:p>
-            <a:pPr lvl="0"/>
-            <a:r>
-              <a:rPr lang="en-US"/>
-              <a:t>Click to edit Master text styles</a:t>
-            </a:r>
-          </a:p>
-          <a:p>
-            <a:pPr lvl="1"/>
-            <a:r>
-              <a:rPr lang="en-US"/>
-              <a:t>Second level</a:t>
-            </a:r>
-          </a:p>
-          <a:p>
-            <a:pPr lvl="2"/>
-            <a:r>
-              <a:rPr lang="en-US"/>
-              <a:t>Third level</a:t>
-            </a:r>
-          </a:p>
-          <a:p>
-            <a:pPr lvl="3"/>
-            <a:r>
-              <a:rPr lang="en-US"/>
-              <a:t>Fourth level</a:t>
-            </a:r>
-          </a:p>
-          <a:p>
-            <a:pPr lvl="4"/>
-            <a:r>
-              <a:rPr lang="en-US"/>
-              <a:t>Fifth level</a:t>
-            </a:r>
-          </a:p>
-        </p:txBody>
-      </p:sp>
-      <p:sp>
-        <p:nvSpPr>
-          <p:cNvPr id="7" name="Date Placeholder 6"/>
+              <a:rPr kumimoji="0" lang="pt-BR"/>
+              <a:t>Clique para editar o estilo do título mestre</a:t>
+            </a:r>
+            <a:endParaRPr kumimoji="0" lang="en-US"/>
+          </a:p>
+        </p:txBody>
+      </p:sp>
+      <p:sp>
+        <p:nvSpPr>
+          <p:cNvPr id="7" name="Espaço Reservado para Data 6"/>
           <p:cNvSpPr>
             <a:spLocks noGrp="1"/>
           </p:cNvSpPr>
@@ -2114,10 +3120,10 @@
           <a:bodyPr/>
           <a:lstStyle/>
           <a:p>
-            <a:fld id="{A90C1374-2E5A-42C7-B8F6-0AB8B24FEC0B}" type="datetime1">
+            <a:fld id="{A4D20CB3-E548-497B-8DA5-345095E99FDB}" type="datetime1">
               <a:rPr lang="en-US" smtClean="0"/>
               <a:pPr/>
-              <a:t>11/30/2016</a:t>
+              <a:t>12/1/2016</a:t>
             </a:fld>
             <a:endParaRPr lang="en-US"/>
           </a:p>
@@ -2125,7 +3131,7 @@
       </p:sp>
       <p:sp>
         <p:nvSpPr>
-          <p:cNvPr id="8" name="Footer Placeholder 7"/>
+          <p:cNvPr id="8" name="Espaço Reservado para Rodapé 7"/>
           <p:cNvSpPr>
             <a:spLocks noGrp="1"/>
           </p:cNvSpPr>
@@ -2144,7 +3150,7 @@
       </p:sp>
       <p:sp>
         <p:nvSpPr>
-          <p:cNvPr id="9" name="Slide Number Placeholder 8"/>
+          <p:cNvPr id="9" name="Espaço Reservado para Número de Slide 8"/>
           <p:cNvSpPr>
             <a:spLocks noGrp="1"/>
           </p:cNvSpPr>
@@ -2166,17 +3172,228 @@
           </a:p>
         </p:txBody>
       </p:sp>
+      <p:sp>
+        <p:nvSpPr>
+          <p:cNvPr id="11" name="Espaço Reservado para Conteúdo 10"/>
+          <p:cNvSpPr>
+            <a:spLocks noGrp="1"/>
+          </p:cNvSpPr>
+          <p:nvPr>
+            <p:ph sz="quarter" idx="2"/>
+          </p:nvPr>
+        </p:nvSpPr>
+        <p:spPr>
+          <a:xfrm>
+            <a:off x="457200" y="2362200"/>
+            <a:ext cx="3657600" cy="3886200"/>
+          </a:xfrm>
+        </p:spPr>
+        <p:txBody>
+          <a:bodyPr/>
+          <a:lstStyle/>
+          <a:p>
+            <a:pPr lvl="0" eaLnBrk="1" latinLnBrk="0" hangingPunct="1"/>
+            <a:r>
+              <a:rPr lang="pt-BR"/>
+              <a:t>Clique para editar os estilos do texto mestre</a:t>
+            </a:r>
+          </a:p>
+          <a:p>
+            <a:pPr lvl="1" eaLnBrk="1" latinLnBrk="0" hangingPunct="1"/>
+            <a:r>
+              <a:rPr lang="pt-BR"/>
+              <a:t>Segundo nível</a:t>
+            </a:r>
+          </a:p>
+          <a:p>
+            <a:pPr lvl="2" eaLnBrk="1" latinLnBrk="0" hangingPunct="1"/>
+            <a:r>
+              <a:rPr lang="pt-BR"/>
+              <a:t>Terceiro nível</a:t>
+            </a:r>
+          </a:p>
+          <a:p>
+            <a:pPr lvl="3" eaLnBrk="1" latinLnBrk="0" hangingPunct="1"/>
+            <a:r>
+              <a:rPr lang="pt-BR"/>
+              <a:t>Quarto nível</a:t>
+            </a:r>
+          </a:p>
+          <a:p>
+            <a:pPr lvl="4" eaLnBrk="1" latinLnBrk="0" hangingPunct="1"/>
+            <a:r>
+              <a:rPr lang="pt-BR"/>
+              <a:t>Quinto nível</a:t>
+            </a:r>
+            <a:endParaRPr kumimoji="0" lang="en-US"/>
+          </a:p>
+        </p:txBody>
+      </p:sp>
+      <p:sp>
+        <p:nvSpPr>
+          <p:cNvPr id="13" name="Espaço Reservado para Conteúdo 12"/>
+          <p:cNvSpPr>
+            <a:spLocks noGrp="1"/>
+          </p:cNvSpPr>
+          <p:nvPr>
+            <p:ph sz="quarter" idx="4"/>
+          </p:nvPr>
+        </p:nvSpPr>
+        <p:spPr>
+          <a:xfrm>
+            <a:off x="4371975" y="2362200"/>
+            <a:ext cx="3657600" cy="3886200"/>
+          </a:xfrm>
+        </p:spPr>
+        <p:txBody>
+          <a:bodyPr/>
+          <a:lstStyle/>
+          <a:p>
+            <a:pPr lvl="0" eaLnBrk="1" latinLnBrk="0" hangingPunct="1"/>
+            <a:r>
+              <a:rPr lang="pt-BR"/>
+              <a:t>Clique para editar os estilos do texto mestre</a:t>
+            </a:r>
+          </a:p>
+          <a:p>
+            <a:pPr lvl="1" eaLnBrk="1" latinLnBrk="0" hangingPunct="1"/>
+            <a:r>
+              <a:rPr lang="pt-BR"/>
+              <a:t>Segundo nível</a:t>
+            </a:r>
+          </a:p>
+          <a:p>
+            <a:pPr lvl="2" eaLnBrk="1" latinLnBrk="0" hangingPunct="1"/>
+            <a:r>
+              <a:rPr lang="pt-BR"/>
+              <a:t>Terceiro nível</a:t>
+            </a:r>
+          </a:p>
+          <a:p>
+            <a:pPr lvl="3" eaLnBrk="1" latinLnBrk="0" hangingPunct="1"/>
+            <a:r>
+              <a:rPr lang="pt-BR"/>
+              <a:t>Quarto nível</a:t>
+            </a:r>
+          </a:p>
+          <a:p>
+            <a:pPr lvl="4" eaLnBrk="1" latinLnBrk="0" hangingPunct="1"/>
+            <a:r>
+              <a:rPr lang="pt-BR"/>
+              <a:t>Quinto nível</a:t>
+            </a:r>
+            <a:endParaRPr kumimoji="0" lang="en-US"/>
+          </a:p>
+        </p:txBody>
+      </p:sp>
+      <p:sp>
+        <p:nvSpPr>
+          <p:cNvPr id="12" name="Espaço Reservado para Texto 11"/>
+          <p:cNvSpPr>
+            <a:spLocks noGrp="1"/>
+          </p:cNvSpPr>
+          <p:nvPr>
+            <p:ph type="body" sz="quarter" idx="1"/>
+          </p:nvPr>
+        </p:nvSpPr>
+        <p:spPr>
+          <a:xfrm>
+            <a:off x="457200" y="1569720"/>
+            <a:ext cx="3657600" cy="658368"/>
+          </a:xfrm>
+          <a:prstGeom prst="roundRect">
+            <a:avLst>
+              <a:gd name="adj" fmla="val 16667"/>
+            </a:avLst>
+          </a:prstGeom>
+          <a:solidFill>
+            <a:schemeClr val="accent1"/>
+          </a:solidFill>
+        </p:spPr>
+        <p:txBody>
+          <a:bodyPr rtlCol="0" anchor="ctr">
+            <a:noAutofit/>
+          </a:bodyPr>
+          <a:lstStyle>
+            <a:lvl1pPr marL="0" indent="0">
+              <a:buFontTx/>
+              <a:buNone/>
+              <a:defRPr sz="2000" b="1">
+                <a:solidFill>
+                  <a:srgbClr val="FFFFFF"/>
+                </a:solidFill>
+              </a:defRPr>
+            </a:lvl1pPr>
+          </a:lstStyle>
+          <a:p>
+            <a:pPr lvl="0" eaLnBrk="1" latinLnBrk="0" hangingPunct="1"/>
+            <a:r>
+              <a:rPr kumimoji="0" lang="pt-BR"/>
+              <a:t>Clique para editar os estilos do texto mestre</a:t>
+            </a:r>
+          </a:p>
+        </p:txBody>
+      </p:sp>
+      <p:sp>
+        <p:nvSpPr>
+          <p:cNvPr id="14" name="Espaço Reservado para Texto 13"/>
+          <p:cNvSpPr>
+            <a:spLocks noGrp="1"/>
+          </p:cNvSpPr>
+          <p:nvPr>
+            <p:ph type="body" sz="quarter" idx="3"/>
+          </p:nvPr>
+        </p:nvSpPr>
+        <p:spPr>
+          <a:xfrm>
+            <a:off x="4343400" y="1569720"/>
+            <a:ext cx="3657600" cy="658368"/>
+          </a:xfrm>
+          <a:prstGeom prst="roundRect">
+            <a:avLst>
+              <a:gd name="adj" fmla="val 16667"/>
+            </a:avLst>
+          </a:prstGeom>
+          <a:solidFill>
+            <a:schemeClr val="accent1"/>
+          </a:solidFill>
+        </p:spPr>
+        <p:txBody>
+          <a:bodyPr rtlCol="0" anchor="ctr">
+            <a:noAutofit/>
+          </a:bodyPr>
+          <a:lstStyle>
+            <a:lvl1pPr marL="0" indent="0">
+              <a:buFontTx/>
+              <a:buNone/>
+              <a:defRPr sz="2000" b="1">
+                <a:solidFill>
+                  <a:srgbClr val="FFFFFF"/>
+                </a:solidFill>
+              </a:defRPr>
+            </a:lvl1pPr>
+          </a:lstStyle>
+          <a:p>
+            <a:pPr lvl="0" eaLnBrk="1" latinLnBrk="0" hangingPunct="1"/>
+            <a:r>
+              <a:rPr kumimoji="0" lang="pt-BR"/>
+              <a:t>Clique para editar os estilos do texto mestre</a:t>
+            </a:r>
+          </a:p>
+        </p:txBody>
+      </p:sp>
     </p:spTree>
   </p:cSld>
   <p:clrMapOvr>
     <a:masterClrMapping/>
   </p:clrMapOvr>
+  <p:hf hdr="0" ftr="0" dt="0"/>
 </p:sldLayout>
 </file>
 
 <file path=ppt/slideLayouts/slideLayout6.xml><?xml version="1.0" encoding="utf-8"?>
 <p:sldLayout xmlns:a="http://schemas.openxmlformats.org/drawingml/2006/main" xmlns:r="http://schemas.openxmlformats.org/officeDocument/2006/relationships" xmlns:p="http://schemas.openxmlformats.org/presentationml/2006/main" type="titleOnly" preserve="1">
-  <p:cSld name="Title Only">
+  <p:cSld name="Somente título">
     <p:spTree>
       <p:nvGrpSpPr>
         <p:cNvPr id="1" name=""/>
@@ -2193,7 +3410,7 @@
       </p:grpSpPr>
       <p:sp>
         <p:nvSpPr>
-          <p:cNvPr id="2" name="Title 1"/>
+          <p:cNvPr id="2" name="Título 1"/>
           <p:cNvSpPr>
             <a:spLocks noGrp="1"/>
           </p:cNvSpPr>
@@ -2207,15 +3424,16 @@
           <a:lstStyle/>
           <a:p>
             <a:r>
-              <a:rPr lang="en-US"/>
-              <a:t>Click to edit Master title style</a:t>
-            </a:r>
-          </a:p>
-        </p:txBody>
-      </p:sp>
-      <p:sp>
-        <p:nvSpPr>
-          <p:cNvPr id="3" name="Date Placeholder 2"/>
+              <a:rPr kumimoji="0" lang="pt-BR"/>
+              <a:t>Clique para editar o estilo do título mestre</a:t>
+            </a:r>
+            <a:endParaRPr kumimoji="0" lang="en-US"/>
+          </a:p>
+        </p:txBody>
+      </p:sp>
+      <p:sp>
+        <p:nvSpPr>
+          <p:cNvPr id="6" name="Espaço Reservado para Data 5"/>
           <p:cNvSpPr>
             <a:spLocks noGrp="1"/>
           </p:cNvSpPr>
@@ -2225,13 +3443,13 @@
         </p:nvSpPr>
         <p:spPr/>
         <p:txBody>
-          <a:bodyPr/>
-          <a:lstStyle/>
-          <a:p>
-            <a:fld id="{046B26FA-4A17-4144-A70F-4074511E2C99}" type="datetime1">
+          <a:bodyPr rtlCol="0"/>
+          <a:lstStyle/>
+          <a:p>
+            <a:fld id="{A4D20CB3-E548-497B-8DA5-345095E99FDB}" type="datetime1">
               <a:rPr lang="en-US" smtClean="0"/>
               <a:pPr/>
-              <a:t>11/30/2016</a:t>
+              <a:t>12/1/2016</a:t>
             </a:fld>
             <a:endParaRPr lang="en-US"/>
           </a:p>
@@ -2239,36 +3457,17 @@
       </p:sp>
       <p:sp>
         <p:nvSpPr>
-          <p:cNvPr id="4" name="Footer Placeholder 3"/>
+          <p:cNvPr id="7" name="Espaço Reservado para Número de Slide 6"/>
           <p:cNvSpPr>
             <a:spLocks noGrp="1"/>
           </p:cNvSpPr>
           <p:nvPr>
-            <p:ph type="ftr" sz="quarter" idx="11"/>
+            <p:ph type="sldNum" sz="quarter" idx="11"/>
           </p:nvPr>
         </p:nvSpPr>
         <p:spPr/>
         <p:txBody>
-          <a:bodyPr/>
-          <a:lstStyle/>
-          <a:p>
-            <a:endParaRPr lang="en-US"/>
-          </a:p>
-        </p:txBody>
-      </p:sp>
-      <p:sp>
-        <p:nvSpPr>
-          <p:cNvPr id="5" name="Slide Number Placeholder 4"/>
-          <p:cNvSpPr>
-            <a:spLocks noGrp="1"/>
-          </p:cNvSpPr>
-          <p:nvPr>
-            <p:ph type="sldNum" sz="quarter" idx="12"/>
-          </p:nvPr>
-        </p:nvSpPr>
-        <p:spPr/>
-        <p:txBody>
-          <a:bodyPr/>
+          <a:bodyPr rtlCol="0"/>
           <a:lstStyle/>
           <a:p>
             <a:fld id="{8FE1B02D-2A3F-49DE-AB67-7B93722EBA11}" type="slidenum">
@@ -2280,17 +3479,37 @@
           </a:p>
         </p:txBody>
       </p:sp>
+      <p:sp>
+        <p:nvSpPr>
+          <p:cNvPr id="8" name="Espaço Reservado para Rodapé 7"/>
+          <p:cNvSpPr>
+            <a:spLocks noGrp="1"/>
+          </p:cNvSpPr>
+          <p:nvPr>
+            <p:ph type="ftr" sz="quarter" idx="12"/>
+          </p:nvPr>
+        </p:nvSpPr>
+        <p:spPr/>
+        <p:txBody>
+          <a:bodyPr rtlCol="0"/>
+          <a:lstStyle/>
+          <a:p>
+            <a:endParaRPr lang="en-US"/>
+          </a:p>
+        </p:txBody>
+      </p:sp>
     </p:spTree>
   </p:cSld>
   <p:clrMapOvr>
     <a:masterClrMapping/>
   </p:clrMapOvr>
+  <p:hf hdr="0" ftr="0" dt="0"/>
 </p:sldLayout>
 </file>
 
 <file path=ppt/slideLayouts/slideLayout7.xml><?xml version="1.0" encoding="utf-8"?>
 <p:sldLayout xmlns:a="http://schemas.openxmlformats.org/drawingml/2006/main" xmlns:r="http://schemas.openxmlformats.org/officeDocument/2006/relationships" xmlns:p="http://schemas.openxmlformats.org/presentationml/2006/main" type="blank" preserve="1">
-  <p:cSld name="Blank">
+  <p:cSld name="Em branco">
     <p:spTree>
       <p:nvGrpSpPr>
         <p:cNvPr id="1" name=""/>
@@ -2307,7 +3526,7 @@
       </p:grpSpPr>
       <p:sp>
         <p:nvSpPr>
-          <p:cNvPr id="2" name="Date Placeholder 1"/>
+          <p:cNvPr id="2" name="Espaço Reservado para Data 1"/>
           <p:cNvSpPr>
             <a:spLocks noGrp="1"/>
           </p:cNvSpPr>
@@ -2320,10 +3539,10 @@
           <a:bodyPr/>
           <a:lstStyle/>
           <a:p>
-            <a:fld id="{430BF8BC-40DC-4171-ABBA-F975DA434BC3}" type="datetime1">
+            <a:fld id="{A4D20CB3-E548-497B-8DA5-345095E99FDB}" type="datetime1">
               <a:rPr lang="en-US" smtClean="0"/>
               <a:pPr/>
-              <a:t>11/30/2016</a:t>
+              <a:t>12/1/2016</a:t>
             </a:fld>
             <a:endParaRPr lang="en-US"/>
           </a:p>
@@ -2331,7 +3550,7 @@
       </p:sp>
       <p:sp>
         <p:nvSpPr>
-          <p:cNvPr id="3" name="Footer Placeholder 2"/>
+          <p:cNvPr id="3" name="Espaço Reservado para Rodapé 2"/>
           <p:cNvSpPr>
             <a:spLocks noGrp="1"/>
           </p:cNvSpPr>
@@ -2350,7 +3569,7 @@
       </p:sp>
       <p:sp>
         <p:nvSpPr>
-          <p:cNvPr id="4" name="Slide Number Placeholder 3"/>
+          <p:cNvPr id="4" name="Espaço Reservado para Número de Slide 3"/>
           <p:cNvSpPr>
             <a:spLocks noGrp="1"/>
           </p:cNvSpPr>
@@ -2377,12 +3596,18 @@
   <p:clrMapOvr>
     <a:masterClrMapping/>
   </p:clrMapOvr>
+  <p:hf hdr="0" ftr="0" dt="0"/>
 </p:sldLayout>
 </file>
 
 <file path=ppt/slideLayouts/slideLayout8.xml><?xml version="1.0" encoding="utf-8"?>
-<p:sldLayout xmlns:a="http://schemas.openxmlformats.org/drawingml/2006/main" xmlns:r="http://schemas.openxmlformats.org/officeDocument/2006/relationships" xmlns:p="http://schemas.openxmlformats.org/presentationml/2006/main" type="objTx" preserve="1">
-  <p:cSld name="Content with Caption">
+<p:sldLayout xmlns:a="http://schemas.openxmlformats.org/drawingml/2006/main" xmlns:r="http://schemas.openxmlformats.org/officeDocument/2006/relationships" xmlns:p="http://schemas.openxmlformats.org/presentationml/2006/main" showMasterSp="0" type="objTx" preserve="1">
+  <p:cSld name="Conteúdo com Legenda">
+    <p:bg>
+      <p:bgRef idx="1001">
+        <a:schemeClr val="bg1"/>
+      </p:bgRef>
+    </p:bg>
     <p:spTree>
       <p:nvGrpSpPr>
         <p:cNvPr id="1" name=""/>
@@ -2399,7 +3624,46 @@
       </p:grpSpPr>
       <p:sp>
         <p:nvSpPr>
-          <p:cNvPr id="2" name="Title 1"/>
+          <p:cNvPr id="10" name="Conector reto 9"/>
+          <p:cNvSpPr>
+            <a:spLocks noChangeShapeType="1"/>
+          </p:cNvSpPr>
+          <p:nvPr/>
+        </p:nvSpPr>
+        <p:spPr bwMode="auto">
+          <a:xfrm>
+            <a:off x="8763000" y="0"/>
+            <a:ext cx="0" cy="6858000"/>
+          </a:xfrm>
+          <a:prstGeom prst="line">
+            <a:avLst/>
+          </a:prstGeom>
+          <a:noFill/>
+          <a:ln w="38100" cap="flat" cmpd="sng" algn="ctr">
+            <a:solidFill>
+              <a:schemeClr val="accent1">
+                <a:tint val="60000"/>
+                <a:alpha val="93000"/>
+              </a:schemeClr>
+            </a:solidFill>
+            <a:prstDash val="solid"/>
+            <a:round/>
+            <a:headEnd type="none" w="med" len="med"/>
+            <a:tailEnd type="none" w="med" len="med"/>
+          </a:ln>
+          <a:effectLst/>
+        </p:spPr>
+        <p:txBody>
+          <a:bodyPr vert="horz" wrap="square" lIns="91440" tIns="45720" rIns="91440" bIns="45720" anchor="t" compatLnSpc="1"/>
+          <a:lstStyle/>
+          <a:p>
+            <a:endParaRPr kumimoji="0" lang="en-US" dirty="0"/>
+          </a:p>
+        </p:txBody>
+      </p:sp>
+      <p:sp>
+        <p:nvSpPr>
+          <p:cNvPr id="2" name="Título 1"/>
           <p:cNvSpPr>
             <a:spLocks noGrp="1"/>
           </p:cNvSpPr>
@@ -2408,194 +3672,397 @@
           </p:nvPr>
         </p:nvSpPr>
         <p:spPr>
-          <a:xfrm>
-            <a:off x="457200" y="273050"/>
-            <a:ext cx="3008313" cy="1162050"/>
+          <a:xfrm rot="5400000">
+            <a:off x="3371850" y="3200400"/>
+            <a:ext cx="6309360" cy="457200"/>
           </a:xfrm>
         </p:spPr>
         <p:txBody>
           <a:bodyPr anchor="b"/>
           <a:lstStyle>
             <a:lvl1pPr algn="l">
-              <a:defRPr sz="2000" b="1"/>
+              <a:buNone/>
+              <a:defRPr sz="2000" b="1" cap="small" baseline="0"/>
             </a:lvl1pPr>
           </a:lstStyle>
           <a:p>
             <a:r>
-              <a:rPr lang="en-US"/>
-              <a:t>Click to edit Master title style</a:t>
-            </a:r>
-          </a:p>
-        </p:txBody>
-      </p:sp>
-      <p:sp>
-        <p:nvSpPr>
-          <p:cNvPr id="3" name="Content Placeholder 2"/>
+              <a:rPr kumimoji="0" lang="pt-BR"/>
+              <a:t>Clique para editar o estilo do título mestre</a:t>
+            </a:r>
+            <a:endParaRPr kumimoji="0" lang="en-US"/>
+          </a:p>
+        </p:txBody>
+      </p:sp>
+      <p:sp>
+        <p:nvSpPr>
+          <p:cNvPr id="3" name="Espaço Reservado para Texto 2"/>
           <p:cNvSpPr>
             <a:spLocks noGrp="1"/>
           </p:cNvSpPr>
           <p:nvPr>
-            <p:ph idx="1"/>
+            <p:ph type="body" idx="2"/>
           </p:nvPr>
         </p:nvSpPr>
         <p:spPr>
           <a:xfrm>
-            <a:off x="3575050" y="273050"/>
-            <a:ext cx="5111750" cy="5853113"/>
-          </a:xfrm>
-        </p:spPr>
-        <p:txBody>
-          <a:bodyPr/>
-          <a:lstStyle>
-            <a:lvl1pPr>
-              <a:defRPr sz="3200"/>
-            </a:lvl1pPr>
-            <a:lvl2pPr>
-              <a:defRPr sz="2800"/>
-            </a:lvl2pPr>
-            <a:lvl3pPr>
-              <a:defRPr sz="2400"/>
-            </a:lvl3pPr>
-            <a:lvl4pPr>
-              <a:defRPr sz="2000"/>
-            </a:lvl4pPr>
-            <a:lvl5pPr>
-              <a:defRPr sz="2000"/>
-            </a:lvl5pPr>
-            <a:lvl6pPr>
-              <a:defRPr sz="2000"/>
-            </a:lvl6pPr>
-            <a:lvl7pPr>
-              <a:defRPr sz="2000"/>
-            </a:lvl7pPr>
-            <a:lvl8pPr>
-              <a:defRPr sz="2000"/>
-            </a:lvl8pPr>
-            <a:lvl9pPr>
-              <a:defRPr sz="2000"/>
-            </a:lvl9pPr>
-          </a:lstStyle>
-          <a:p>
-            <a:pPr lvl="0"/>
-            <a:r>
-              <a:rPr lang="en-US"/>
-              <a:t>Click to edit Master text styles</a:t>
-            </a:r>
-          </a:p>
-          <a:p>
-            <a:pPr lvl="1"/>
-            <a:r>
-              <a:rPr lang="en-US"/>
-              <a:t>Second level</a:t>
-            </a:r>
-          </a:p>
-          <a:p>
-            <a:pPr lvl="2"/>
-            <a:r>
-              <a:rPr lang="en-US"/>
-              <a:t>Third level</a:t>
-            </a:r>
-          </a:p>
-          <a:p>
-            <a:pPr lvl="3"/>
-            <a:r>
-              <a:rPr lang="en-US"/>
-              <a:t>Fourth level</a:t>
-            </a:r>
-          </a:p>
-          <a:p>
-            <a:pPr lvl="4"/>
-            <a:r>
-              <a:rPr lang="en-US"/>
-              <a:t>Fifth level</a:t>
-            </a:r>
-          </a:p>
-        </p:txBody>
-      </p:sp>
-      <p:sp>
-        <p:nvSpPr>
-          <p:cNvPr id="4" name="Text Placeholder 3"/>
-          <p:cNvSpPr>
-            <a:spLocks noGrp="1"/>
-          </p:cNvSpPr>
-          <p:nvPr>
-            <p:ph type="body" sz="half" idx="2"/>
-          </p:nvPr>
-        </p:nvSpPr>
-        <p:spPr>
-          <a:xfrm>
-            <a:off x="457200" y="1435100"/>
-            <a:ext cx="3008313" cy="4691063"/>
+            <a:off x="6812280" y="274320"/>
+            <a:ext cx="1527048" cy="4983480"/>
           </a:xfrm>
         </p:spPr>
         <p:txBody>
           <a:bodyPr/>
           <a:lstStyle>
             <a:lvl1pPr marL="0" indent="0">
+              <a:spcBef>
+                <a:spcPts val="400"/>
+              </a:spcBef>
+              <a:spcAft>
+                <a:spcPts val="1000"/>
+              </a:spcAft>
               <a:buNone/>
-              <a:defRPr sz="1400"/>
+              <a:defRPr sz="1200"/>
             </a:lvl1pPr>
-            <a:lvl2pPr marL="457200" indent="0">
+            <a:lvl2pPr>
               <a:buNone/>
               <a:defRPr sz="1200"/>
             </a:lvl2pPr>
-            <a:lvl3pPr marL="914400" indent="0">
+            <a:lvl3pPr>
               <a:buNone/>
               <a:defRPr sz="1000"/>
             </a:lvl3pPr>
-            <a:lvl4pPr marL="1371600" indent="0">
+            <a:lvl4pPr>
               <a:buNone/>
               <a:defRPr sz="900"/>
             </a:lvl4pPr>
-            <a:lvl5pPr marL="1828800" indent="0">
+            <a:lvl5pPr>
               <a:buNone/>
               <a:defRPr sz="900"/>
             </a:lvl5pPr>
-            <a:lvl6pPr marL="2286000" indent="0">
-              <a:buNone/>
-              <a:defRPr sz="900"/>
-            </a:lvl6pPr>
-            <a:lvl7pPr marL="2743200" indent="0">
-              <a:buNone/>
-              <a:defRPr sz="900"/>
-            </a:lvl7pPr>
-            <a:lvl8pPr marL="3200400" indent="0">
-              <a:buNone/>
-              <a:defRPr sz="900"/>
-            </a:lvl8pPr>
-            <a:lvl9pPr marL="3657600" indent="0">
-              <a:buNone/>
-              <a:defRPr sz="900"/>
-            </a:lvl9pPr>
           </a:lstStyle>
           <a:p>
-            <a:pPr lvl="0"/>
-            <a:r>
-              <a:rPr lang="en-US"/>
-              <a:t>Click to edit Master text styles</a:t>
-            </a:r>
-          </a:p>
-        </p:txBody>
-      </p:sp>
-      <p:sp>
-        <p:nvSpPr>
-          <p:cNvPr id="5" name="Date Placeholder 4"/>
+            <a:pPr lvl="0" eaLnBrk="1" latinLnBrk="0" hangingPunct="1"/>
+            <a:r>
+              <a:rPr kumimoji="0" lang="pt-BR"/>
+              <a:t>Clique para editar os estilos do texto mestre</a:t>
+            </a:r>
+          </a:p>
+        </p:txBody>
+      </p:sp>
+      <p:sp>
+        <p:nvSpPr>
+          <p:cNvPr id="8" name="Conector reto 7"/>
+          <p:cNvSpPr>
+            <a:spLocks noChangeShapeType="1"/>
+          </p:cNvSpPr>
+          <p:nvPr/>
+        </p:nvSpPr>
+        <p:spPr bwMode="auto">
+          <a:xfrm>
+            <a:off x="6248400" y="0"/>
+            <a:ext cx="0" cy="6858000"/>
+          </a:xfrm>
+          <a:prstGeom prst="line">
+            <a:avLst/>
+          </a:prstGeom>
+          <a:noFill/>
+          <a:ln w="38100" cap="flat" cmpd="sng" algn="ctr">
+            <a:solidFill>
+              <a:schemeClr val="accent1">
+                <a:tint val="60000"/>
+              </a:schemeClr>
+            </a:solidFill>
+            <a:prstDash val="solid"/>
+            <a:round/>
+            <a:headEnd type="none" w="med" len="med"/>
+            <a:tailEnd type="none" w="med" len="med"/>
+          </a:ln>
+          <a:effectLst/>
+        </p:spPr>
+        <p:txBody>
+          <a:bodyPr vert="horz" wrap="square" lIns="91440" tIns="45720" rIns="91440" bIns="45720" anchor="t" compatLnSpc="1"/>
+          <a:lstStyle/>
+          <a:p>
+            <a:endParaRPr kumimoji="0" lang="en-US" dirty="0"/>
+          </a:p>
+        </p:txBody>
+      </p:sp>
+      <p:sp>
+        <p:nvSpPr>
+          <p:cNvPr id="9" name="Conector reto 8"/>
+          <p:cNvSpPr>
+            <a:spLocks noChangeShapeType="1"/>
+          </p:cNvSpPr>
+          <p:nvPr/>
+        </p:nvSpPr>
+        <p:spPr bwMode="auto">
+          <a:xfrm>
+            <a:off x="6192296" y="0"/>
+            <a:ext cx="0" cy="6858000"/>
+          </a:xfrm>
+          <a:prstGeom prst="line">
+            <a:avLst/>
+          </a:prstGeom>
+          <a:noFill/>
+          <a:ln w="12700" cap="flat" cmpd="sng" algn="ctr">
+            <a:solidFill>
+              <a:schemeClr val="accent1"/>
+            </a:solidFill>
+            <a:prstDash val="solid"/>
+            <a:round/>
+            <a:headEnd type="none" w="med" len="med"/>
+            <a:tailEnd type="none" w="med" len="med"/>
+          </a:ln>
+          <a:effectLst/>
+        </p:spPr>
+        <p:txBody>
+          <a:bodyPr vert="horz" wrap="square" lIns="91440" tIns="45720" rIns="91440" bIns="45720" anchor="t" compatLnSpc="1"/>
+          <a:lstStyle/>
+          <a:p>
+            <a:endParaRPr kumimoji="0" lang="en-US" dirty="0"/>
+          </a:p>
+        </p:txBody>
+      </p:sp>
+      <p:sp>
+        <p:nvSpPr>
+          <p:cNvPr id="11" name="Conector reto 10"/>
+          <p:cNvSpPr>
+            <a:spLocks noChangeShapeType="1"/>
+          </p:cNvSpPr>
+          <p:nvPr/>
+        </p:nvSpPr>
+        <p:spPr bwMode="auto">
+          <a:xfrm>
+            <a:off x="8991600" y="0"/>
+            <a:ext cx="0" cy="6858000"/>
+          </a:xfrm>
+          <a:prstGeom prst="line">
+            <a:avLst/>
+          </a:prstGeom>
+          <a:noFill/>
+          <a:ln w="19050" cap="flat" cmpd="sng" algn="ctr">
+            <a:solidFill>
+              <a:schemeClr val="accent1"/>
+            </a:solidFill>
+            <a:prstDash val="solid"/>
+            <a:round/>
+            <a:headEnd type="none" w="med" len="med"/>
+            <a:tailEnd type="none" w="med" len="med"/>
+          </a:ln>
+          <a:effectLst/>
+        </p:spPr>
+        <p:txBody>
+          <a:bodyPr vert="horz" wrap="square" lIns="91440" tIns="45720" rIns="91440" bIns="45720" anchor="t" compatLnSpc="1"/>
+          <a:lstStyle/>
+          <a:p>
+            <a:endParaRPr kumimoji="0" lang="en-US"/>
+          </a:p>
+        </p:txBody>
+      </p:sp>
+      <p:sp>
+        <p:nvSpPr>
+          <p:cNvPr id="12" name="Retângulo 11"/>
+          <p:cNvSpPr/>
+          <p:nvPr/>
+        </p:nvSpPr>
+        <p:spPr bwMode="auto">
+          <a:xfrm>
+            <a:off x="8839200" y="0"/>
+            <a:ext cx="304800" cy="6858000"/>
+          </a:xfrm>
+          <a:prstGeom prst="rect">
+            <a:avLst/>
+          </a:prstGeom>
+          <a:solidFill>
+            <a:schemeClr val="accent1">
+              <a:tint val="60000"/>
+              <a:alpha val="87000"/>
+            </a:schemeClr>
+          </a:solidFill>
+          <a:ln w="38100" cap="rnd" cmpd="sng" algn="ctr">
+            <a:noFill/>
+            <a:prstDash val="solid"/>
+          </a:ln>
+          <a:effectLst/>
+        </p:spPr>
+        <p:style>
+          <a:lnRef idx="3">
+            <a:schemeClr val="lt1"/>
+          </a:lnRef>
+          <a:fillRef idx="1">
+            <a:schemeClr val="accent1"/>
+          </a:fillRef>
+          <a:effectRef idx="1">
+            <a:schemeClr val="accent1"/>
+          </a:effectRef>
+          <a:fontRef idx="minor">
+            <a:schemeClr val="lt1"/>
+          </a:fontRef>
+        </p:style>
+        <p:txBody>
+          <a:bodyPr anchor="ctr"/>
+          <a:lstStyle/>
+          <a:p>
+            <a:pPr algn="ctr" eaLnBrk="1" latinLnBrk="0" hangingPunct="1"/>
+            <a:endParaRPr kumimoji="0" lang="en-US"/>
+          </a:p>
+        </p:txBody>
+      </p:sp>
+      <p:sp>
+        <p:nvSpPr>
+          <p:cNvPr id="13" name="Conector reto 12"/>
+          <p:cNvSpPr>
+            <a:spLocks noChangeShapeType="1"/>
+          </p:cNvSpPr>
+          <p:nvPr/>
+        </p:nvSpPr>
+        <p:spPr bwMode="auto">
+          <a:xfrm>
+            <a:off x="8915400" y="0"/>
+            <a:ext cx="0" cy="6858000"/>
+          </a:xfrm>
+          <a:prstGeom prst="line">
+            <a:avLst/>
+          </a:prstGeom>
+          <a:noFill/>
+          <a:ln w="9525" cap="flat" cmpd="sng" algn="ctr">
+            <a:solidFill>
+              <a:schemeClr val="accent1"/>
+            </a:solidFill>
+            <a:prstDash val="solid"/>
+            <a:round/>
+            <a:headEnd type="none" w="med" len="med"/>
+            <a:tailEnd type="none" w="med" len="med"/>
+          </a:ln>
+          <a:effectLst/>
+        </p:spPr>
+        <p:txBody>
+          <a:bodyPr vert="horz" wrap="square" lIns="91440" tIns="45720" rIns="91440" bIns="45720" anchor="t" compatLnSpc="1"/>
+          <a:lstStyle/>
+          <a:p>
+            <a:endParaRPr kumimoji="0" lang="en-US"/>
+          </a:p>
+        </p:txBody>
+      </p:sp>
+      <p:sp>
+        <p:nvSpPr>
+          <p:cNvPr id="14" name="Elipse 13"/>
+          <p:cNvSpPr/>
+          <p:nvPr/>
+        </p:nvSpPr>
+        <p:spPr>
+          <a:xfrm>
+            <a:off x="8156448" y="5715000"/>
+            <a:ext cx="548640" cy="548640"/>
+          </a:xfrm>
+          <a:prstGeom prst="ellipse">
+            <a:avLst/>
+          </a:prstGeom>
+          <a:ln w="38100" cap="rnd" cmpd="sng" algn="ctr">
+            <a:noFill/>
+            <a:prstDash val="solid"/>
+          </a:ln>
+          <a:effectLst/>
+        </p:spPr>
+        <p:style>
+          <a:lnRef idx="3">
+            <a:schemeClr val="lt1"/>
+          </a:lnRef>
+          <a:fillRef idx="1">
+            <a:schemeClr val="accent1"/>
+          </a:fillRef>
+          <a:effectRef idx="1">
+            <a:schemeClr val="accent1"/>
+          </a:effectRef>
+          <a:fontRef idx="minor">
+            <a:schemeClr val="lt1"/>
+          </a:fontRef>
+        </p:style>
+        <p:txBody>
+          <a:bodyPr anchor="ctr"/>
+          <a:lstStyle/>
+          <a:p>
+            <a:pPr algn="ctr" eaLnBrk="1" latinLnBrk="0" hangingPunct="1"/>
+            <a:endParaRPr kumimoji="0" lang="en-US" dirty="0"/>
+          </a:p>
+        </p:txBody>
+      </p:sp>
+      <p:sp>
+        <p:nvSpPr>
+          <p:cNvPr id="18" name="Espaço Reservado para Conteúdo 17"/>
           <p:cNvSpPr>
             <a:spLocks noGrp="1"/>
           </p:cNvSpPr>
           <p:nvPr>
-            <p:ph type="dt" sz="half" idx="10"/>
+            <p:ph sz="quarter" idx="1"/>
           </p:nvPr>
         </p:nvSpPr>
+        <p:spPr>
+          <a:xfrm>
+            <a:off x="304800" y="274320"/>
+            <a:ext cx="5638800" cy="6327648"/>
+          </a:xfrm>
+        </p:spPr>
+        <p:txBody>
+          <a:bodyPr/>
+          <a:lstStyle/>
+          <a:p>
+            <a:pPr lvl="0" eaLnBrk="1" latinLnBrk="0" hangingPunct="1"/>
+            <a:r>
+              <a:rPr lang="pt-BR"/>
+              <a:t>Clique para editar os estilos do texto mestre</a:t>
+            </a:r>
+          </a:p>
+          <a:p>
+            <a:pPr lvl="1" eaLnBrk="1" latinLnBrk="0" hangingPunct="1"/>
+            <a:r>
+              <a:rPr lang="pt-BR"/>
+              <a:t>Segundo nível</a:t>
+            </a:r>
+          </a:p>
+          <a:p>
+            <a:pPr lvl="2" eaLnBrk="1" latinLnBrk="0" hangingPunct="1"/>
+            <a:r>
+              <a:rPr lang="pt-BR"/>
+              <a:t>Terceiro nível</a:t>
+            </a:r>
+          </a:p>
+          <a:p>
+            <a:pPr lvl="3" eaLnBrk="1" latinLnBrk="0" hangingPunct="1"/>
+            <a:r>
+              <a:rPr lang="pt-BR"/>
+              <a:t>Quarto nível</a:t>
+            </a:r>
+          </a:p>
+          <a:p>
+            <a:pPr lvl="4" eaLnBrk="1" latinLnBrk="0" hangingPunct="1"/>
+            <a:r>
+              <a:rPr lang="pt-BR"/>
+              <a:t>Quinto nível</a:t>
+            </a:r>
+            <a:endParaRPr kumimoji="0" lang="en-US"/>
+          </a:p>
+        </p:txBody>
+      </p:sp>
+      <p:sp>
+        <p:nvSpPr>
+          <p:cNvPr id="21" name="Espaço Reservado para Data 20"/>
+          <p:cNvSpPr>
+            <a:spLocks noGrp="1"/>
+          </p:cNvSpPr>
+          <p:nvPr>
+            <p:ph type="dt" sz="half" idx="14"/>
+          </p:nvPr>
+        </p:nvSpPr>
         <p:spPr/>
         <p:txBody>
-          <a:bodyPr/>
-          <a:lstStyle/>
-          <a:p>
-            <a:fld id="{36B2C415-8473-40AA-9C9E-EA02E2BBE695}" type="datetime1">
+          <a:bodyPr rtlCol="0"/>
+          <a:lstStyle/>
+          <a:p>
+            <a:fld id="{A4D20CB3-E548-497B-8DA5-345095E99FDB}" type="datetime1">
               <a:rPr lang="en-US" smtClean="0"/>
               <a:pPr/>
-              <a:t>11/30/2016</a:t>
+              <a:t>12/1/2016</a:t>
             </a:fld>
             <a:endParaRPr lang="en-US"/>
           </a:p>
@@ -2603,36 +4070,17 @@
       </p:sp>
       <p:sp>
         <p:nvSpPr>
-          <p:cNvPr id="6" name="Footer Placeholder 5"/>
+          <p:cNvPr id="22" name="Espaço Reservado para Número de Slide 21"/>
           <p:cNvSpPr>
             <a:spLocks noGrp="1"/>
           </p:cNvSpPr>
           <p:nvPr>
-            <p:ph type="ftr" sz="quarter" idx="11"/>
+            <p:ph type="sldNum" sz="quarter" idx="15"/>
           </p:nvPr>
         </p:nvSpPr>
         <p:spPr/>
         <p:txBody>
-          <a:bodyPr/>
-          <a:lstStyle/>
-          <a:p>
-            <a:endParaRPr lang="en-US"/>
-          </a:p>
-        </p:txBody>
-      </p:sp>
-      <p:sp>
-        <p:nvSpPr>
-          <p:cNvPr id="7" name="Slide Number Placeholder 6"/>
-          <p:cNvSpPr>
-            <a:spLocks noGrp="1"/>
-          </p:cNvSpPr>
-          <p:nvPr>
-            <p:ph type="sldNum" sz="quarter" idx="12"/>
-          </p:nvPr>
-        </p:nvSpPr>
-        <p:spPr/>
-        <p:txBody>
-          <a:bodyPr/>
+          <a:bodyPr rtlCol="0"/>
           <a:lstStyle/>
           <a:p>
             <a:fld id="{8FE1B02D-2A3F-49DE-AB67-7B93722EBA11}" type="slidenum">
@@ -2644,17 +4092,37 @@
           </a:p>
         </p:txBody>
       </p:sp>
+      <p:sp>
+        <p:nvSpPr>
+          <p:cNvPr id="23" name="Espaço Reservado para Rodapé 22"/>
+          <p:cNvSpPr>
+            <a:spLocks noGrp="1"/>
+          </p:cNvSpPr>
+          <p:nvPr>
+            <p:ph type="ftr" sz="quarter" idx="16"/>
+          </p:nvPr>
+        </p:nvSpPr>
+        <p:spPr/>
+        <p:txBody>
+          <a:bodyPr rtlCol="0"/>
+          <a:lstStyle/>
+          <a:p>
+            <a:endParaRPr lang="en-US"/>
+          </a:p>
+        </p:txBody>
+      </p:sp>
     </p:spTree>
   </p:cSld>
   <p:clrMapOvr>
-    <a:masterClrMapping/>
+    <a:overrideClrMapping bg1="lt1" tx1="dk1" bg2="lt2" tx2="dk2" accent1="accent1" accent2="accent2" accent3="accent3" accent4="accent4" accent5="accent5" accent6="accent6" hlink="hlink" folHlink="folHlink"/>
   </p:clrMapOvr>
+  <p:hf hdr="0" ftr="0" dt="0"/>
 </p:sldLayout>
 </file>
 
 <file path=ppt/slideLayouts/slideLayout9.xml><?xml version="1.0" encoding="utf-8"?>
-<p:sldLayout xmlns:a="http://schemas.openxmlformats.org/drawingml/2006/main" xmlns:r="http://schemas.openxmlformats.org/officeDocument/2006/relationships" xmlns:p="http://schemas.openxmlformats.org/presentationml/2006/main" type="picTx" preserve="1">
-  <p:cSld name="Picture with Caption">
+<p:sldLayout xmlns:a="http://schemas.openxmlformats.org/drawingml/2006/main" xmlns:r="http://schemas.openxmlformats.org/officeDocument/2006/relationships" xmlns:p="http://schemas.openxmlformats.org/presentationml/2006/main" showMasterSp="0" type="picTx" preserve="1">
+  <p:cSld name="Imagem com Legenda">
     <p:spTree>
       <p:nvGrpSpPr>
         <p:cNvPr id="1" name=""/>
@@ -2671,7 +4139,88 @@
       </p:grpSpPr>
       <p:sp>
         <p:nvSpPr>
-          <p:cNvPr id="2" name="Title 1"/>
+          <p:cNvPr id="9" name="Conector reto 8"/>
+          <p:cNvSpPr>
+            <a:spLocks noChangeShapeType="1"/>
+          </p:cNvSpPr>
+          <p:nvPr/>
+        </p:nvSpPr>
+        <p:spPr bwMode="auto">
+          <a:xfrm>
+            <a:off x="8763000" y="0"/>
+            <a:ext cx="0" cy="6858000"/>
+          </a:xfrm>
+          <a:prstGeom prst="line">
+            <a:avLst/>
+          </a:prstGeom>
+          <a:noFill/>
+          <a:ln w="38100" cap="flat" cmpd="sng" algn="ctr">
+            <a:solidFill>
+              <a:schemeClr val="accent1">
+                <a:tint val="60000"/>
+              </a:schemeClr>
+            </a:solidFill>
+            <a:prstDash val="solid"/>
+            <a:round/>
+            <a:headEnd type="none" w="med" len="med"/>
+            <a:tailEnd type="none" w="med" len="med"/>
+          </a:ln>
+          <a:effectLst/>
+        </p:spPr>
+        <p:txBody>
+          <a:bodyPr vert="horz" wrap="square" lIns="91440" tIns="45720" rIns="91440" bIns="45720" anchor="t" compatLnSpc="1"/>
+          <a:lstStyle/>
+          <a:p>
+            <a:endParaRPr kumimoji="0" lang="en-US"/>
+          </a:p>
+        </p:txBody>
+      </p:sp>
+      <p:sp>
+        <p:nvSpPr>
+          <p:cNvPr id="13" name="Elipse 12"/>
+          <p:cNvSpPr/>
+          <p:nvPr/>
+        </p:nvSpPr>
+        <p:spPr>
+          <a:xfrm>
+            <a:off x="8156448" y="5715000"/>
+            <a:ext cx="548640" cy="548640"/>
+          </a:xfrm>
+          <a:prstGeom prst="ellipse">
+            <a:avLst/>
+          </a:prstGeom>
+          <a:ln w="38100" cap="rnd" cmpd="sng" algn="ctr">
+            <a:noFill/>
+            <a:prstDash val="solid"/>
+          </a:ln>
+          <a:effectLst/>
+        </p:spPr>
+        <p:style>
+          <a:lnRef idx="3">
+            <a:schemeClr val="lt1"/>
+          </a:lnRef>
+          <a:fillRef idx="1">
+            <a:schemeClr val="accent1"/>
+          </a:fillRef>
+          <a:effectRef idx="1">
+            <a:schemeClr val="accent1"/>
+          </a:effectRef>
+          <a:fontRef idx="minor">
+            <a:schemeClr val="lt1"/>
+          </a:fontRef>
+        </p:style>
+        <p:txBody>
+          <a:bodyPr anchor="ctr"/>
+          <a:lstStyle/>
+          <a:p>
+            <a:pPr algn="ctr" eaLnBrk="1" latinLnBrk="0" hangingPunct="1"/>
+            <a:endParaRPr kumimoji="0" lang="en-US" dirty="0"/>
+          </a:p>
+        </p:txBody>
+      </p:sp>
+      <p:sp>
+        <p:nvSpPr>
+          <p:cNvPr id="2" name="Título 1"/>
           <p:cNvSpPr>
             <a:spLocks noGrp="1"/>
           </p:cNvSpPr>
@@ -2680,29 +4229,31 @@
           </p:nvPr>
         </p:nvSpPr>
         <p:spPr>
-          <a:xfrm>
-            <a:off x="1792288" y="4800600"/>
-            <a:ext cx="5486400" cy="566738"/>
+          <a:xfrm rot="5400000">
+            <a:off x="3350133" y="3200400"/>
+            <a:ext cx="6309360" cy="457200"/>
           </a:xfrm>
         </p:spPr>
         <p:txBody>
           <a:bodyPr anchor="b"/>
           <a:lstStyle>
             <a:lvl1pPr algn="l">
+              <a:buNone/>
               <a:defRPr sz="2000" b="1"/>
             </a:lvl1pPr>
           </a:lstStyle>
           <a:p>
             <a:r>
-              <a:rPr lang="en-US"/>
-              <a:t>Click to edit Master title style</a:t>
-            </a:r>
-          </a:p>
-        </p:txBody>
-      </p:sp>
-      <p:sp>
-        <p:nvSpPr>
-          <p:cNvPr id="3" name="Picture Placeholder 2"/>
+              <a:rPr kumimoji="0" lang="pt-BR"/>
+              <a:t>Clique para editar o estilo do título mestre</a:t>
+            </a:r>
+            <a:endParaRPr kumimoji="0" lang="en-US"/>
+          </a:p>
+        </p:txBody>
+      </p:sp>
+      <p:sp>
+        <p:nvSpPr>
+          <p:cNvPr id="3" name="Espaço Reservado para Imagem 2"/>
           <p:cNvSpPr>
             <a:spLocks noGrp="1"/>
           </p:cNvSpPr>
@@ -2712,10 +4263,32 @@
         </p:nvSpPr>
         <p:spPr>
           <a:xfrm>
-            <a:off x="1792288" y="612775"/>
-            <a:ext cx="5486400" cy="4114800"/>
+            <a:off x="0" y="0"/>
+            <a:ext cx="6172200" cy="6858000"/>
           </a:xfrm>
+          <a:solidFill>
+            <a:schemeClr val="bg2"/>
+          </a:solidFill>
+          <a:ln w="127000" cap="rnd" cmpd="sng" algn="ctr">
+            <a:noFill/>
+            <a:prstDash val="solid"/>
+          </a:ln>
+          <a:effectLst/>
         </p:spPr>
+        <p:style>
+          <a:lnRef idx="3">
+            <a:schemeClr val="lt1"/>
+          </a:lnRef>
+          <a:fillRef idx="1">
+            <a:schemeClr val="accent1"/>
+          </a:fillRef>
+          <a:effectRef idx="1">
+            <a:schemeClr val="accent1"/>
+          </a:effectRef>
+          <a:fontRef idx="minor">
+            <a:schemeClr val="lt1"/>
+          </a:fontRef>
+        </p:style>
         <p:txBody>
           <a:bodyPr/>
           <a:lstStyle>
@@ -2723,47 +4296,23 @@
               <a:buNone/>
               <a:defRPr sz="3200"/>
             </a:lvl1pPr>
-            <a:lvl2pPr marL="457200" indent="0">
+          </a:lstStyle>
+          <a:p>
+            <a:pPr algn="ctr" eaLnBrk="1" latinLnBrk="0" hangingPunct="1">
+              <a:buFontTx/>
               <a:buNone/>
-              <a:defRPr sz="2800"/>
-            </a:lvl2pPr>
-            <a:lvl3pPr marL="914400" indent="0">
-              <a:buNone/>
-              <a:defRPr sz="2400"/>
-            </a:lvl3pPr>
-            <a:lvl4pPr marL="1371600" indent="0">
-              <a:buNone/>
-              <a:defRPr sz="2000"/>
-            </a:lvl4pPr>
-            <a:lvl5pPr marL="1828800" indent="0">
-              <a:buNone/>
-              <a:defRPr sz="2000"/>
-            </a:lvl5pPr>
-            <a:lvl6pPr marL="2286000" indent="0">
-              <a:buNone/>
-              <a:defRPr sz="2000"/>
-            </a:lvl6pPr>
-            <a:lvl7pPr marL="2743200" indent="0">
-              <a:buNone/>
-              <a:defRPr sz="2000"/>
-            </a:lvl7pPr>
-            <a:lvl8pPr marL="3200400" indent="0">
-              <a:buNone/>
-              <a:defRPr sz="2000"/>
-            </a:lvl8pPr>
-            <a:lvl9pPr marL="3657600" indent="0">
-              <a:buNone/>
-              <a:defRPr sz="2000"/>
-            </a:lvl9pPr>
-          </a:lstStyle>
-          <a:p>
-            <a:endParaRPr lang="en-US"/>
-          </a:p>
-        </p:txBody>
-      </p:sp>
-      <p:sp>
-        <p:nvSpPr>
-          <p:cNvPr id="4" name="Text Placeholder 3"/>
+            </a:pPr>
+            <a:r>
+              <a:rPr kumimoji="0" lang="pt-BR"/>
+              <a:t>Clique no ícone para adicionar uma imagem</a:t>
+            </a:r>
+            <a:endParaRPr kumimoji="0" lang="en-US" dirty="0"/>
+          </a:p>
+        </p:txBody>
+      </p:sp>
+      <p:sp>
+        <p:nvSpPr>
+          <p:cNvPr id="4" name="Espaço Reservado para Texto 3"/>
           <p:cNvSpPr>
             <a:spLocks noGrp="1"/>
           </p:cNvSpPr>
@@ -2773,62 +4322,245 @@
         </p:nvSpPr>
         <p:spPr>
           <a:xfrm>
-            <a:off x="1792288" y="5367338"/>
-            <a:ext cx="5486400" cy="804862"/>
+            <a:off x="6765798" y="264795"/>
+            <a:ext cx="1524000" cy="4956048"/>
           </a:xfrm>
         </p:spPr>
         <p:txBody>
-          <a:bodyPr/>
+          <a:bodyPr rot="0" spcFirstLastPara="0" vertOverflow="overflow" horzOverflow="overflow" vert="horz" wrap="square" lIns="91440" tIns="45720" rIns="91440" bIns="45720" numCol="1" spcCol="274320" rtlCol="0" fromWordArt="0" anchor="t" anchorCtr="0" forceAA="0" compatLnSpc="1">
+            <a:normAutofit/>
+          </a:bodyPr>
           <a:lstStyle>
             <a:lvl1pPr marL="0" indent="0">
-              <a:buNone/>
-              <a:defRPr sz="1400"/>
-            </a:lvl1pPr>
-            <a:lvl2pPr marL="457200" indent="0">
+              <a:spcBef>
+                <a:spcPts val="100"/>
+              </a:spcBef>
+              <a:spcAft>
+                <a:spcPts val="400"/>
+              </a:spcAft>
+              <a:buFontTx/>
               <a:buNone/>
               <a:defRPr sz="1200"/>
+            </a:lvl1pPr>
+            <a:lvl2pPr>
+              <a:defRPr sz="1200"/>
             </a:lvl2pPr>
-            <a:lvl3pPr marL="914400" indent="0">
-              <a:buNone/>
+            <a:lvl3pPr>
               <a:defRPr sz="1000"/>
             </a:lvl3pPr>
-            <a:lvl4pPr marL="1371600" indent="0">
-              <a:buNone/>
+            <a:lvl4pPr>
               <a:defRPr sz="900"/>
             </a:lvl4pPr>
-            <a:lvl5pPr marL="1828800" indent="0">
-              <a:buNone/>
+            <a:lvl5pPr>
               <a:defRPr sz="900"/>
             </a:lvl5pPr>
-            <a:lvl6pPr marL="2286000" indent="0">
-              <a:buNone/>
-              <a:defRPr sz="900"/>
-            </a:lvl6pPr>
-            <a:lvl7pPr marL="2743200" indent="0">
-              <a:buNone/>
-              <a:defRPr sz="900"/>
-            </a:lvl7pPr>
-            <a:lvl8pPr marL="3200400" indent="0">
-              <a:buNone/>
-              <a:defRPr sz="900"/>
-            </a:lvl8pPr>
-            <a:lvl9pPr marL="3657600" indent="0">
-              <a:buNone/>
-              <a:defRPr sz="900"/>
-            </a:lvl9pPr>
           </a:lstStyle>
           <a:p>
-            <a:pPr lvl="0"/>
-            <a:r>
-              <a:rPr lang="en-US"/>
-              <a:t>Click to edit Master text styles</a:t>
-            </a:r>
-          </a:p>
-        </p:txBody>
-      </p:sp>
-      <p:sp>
-        <p:nvSpPr>
-          <p:cNvPr id="5" name="Date Placeholder 4"/>
+            <a:pPr lvl="0" eaLnBrk="1" latinLnBrk="0" hangingPunct="1"/>
+            <a:r>
+              <a:rPr kumimoji="0" lang="pt-BR"/>
+              <a:t>Clique para editar os estilos do texto mestre</a:t>
+            </a:r>
+          </a:p>
+        </p:txBody>
+      </p:sp>
+      <p:sp>
+        <p:nvSpPr>
+          <p:cNvPr id="10" name="Conector reto 9"/>
+          <p:cNvSpPr>
+            <a:spLocks noChangeShapeType="1"/>
+          </p:cNvSpPr>
+          <p:nvPr/>
+        </p:nvSpPr>
+        <p:spPr bwMode="auto">
+          <a:xfrm>
+            <a:off x="8991600" y="0"/>
+            <a:ext cx="0" cy="6858000"/>
+          </a:xfrm>
+          <a:prstGeom prst="line">
+            <a:avLst/>
+          </a:prstGeom>
+          <a:noFill/>
+          <a:ln w="9525" cap="flat" cmpd="sng" algn="ctr">
+            <a:solidFill>
+              <a:schemeClr val="tx1"/>
+            </a:solidFill>
+            <a:prstDash val="solid"/>
+            <a:round/>
+            <a:headEnd type="none" w="med" len="med"/>
+            <a:tailEnd type="none" w="med" len="med"/>
+          </a:ln>
+          <a:effectLst/>
+        </p:spPr>
+        <p:txBody>
+          <a:bodyPr vert="horz" wrap="square" lIns="91440" tIns="45720" rIns="91440" bIns="45720" anchor="t" compatLnSpc="1"/>
+          <a:lstStyle/>
+          <a:p>
+            <a:endParaRPr kumimoji="0" lang="en-US"/>
+          </a:p>
+        </p:txBody>
+      </p:sp>
+      <p:sp>
+        <p:nvSpPr>
+          <p:cNvPr id="11" name="Retângulo 10"/>
+          <p:cNvSpPr/>
+          <p:nvPr/>
+        </p:nvSpPr>
+        <p:spPr bwMode="auto">
+          <a:xfrm>
+            <a:off x="8839200" y="0"/>
+            <a:ext cx="304800" cy="6858000"/>
+          </a:xfrm>
+          <a:prstGeom prst="rect">
+            <a:avLst/>
+          </a:prstGeom>
+          <a:solidFill>
+            <a:schemeClr val="accent1">
+              <a:tint val="60000"/>
+            </a:schemeClr>
+          </a:solidFill>
+          <a:ln w="38100" cap="rnd" cmpd="sng" algn="ctr">
+            <a:noFill/>
+            <a:prstDash val="solid"/>
+          </a:ln>
+          <a:effectLst/>
+        </p:spPr>
+        <p:style>
+          <a:lnRef idx="3">
+            <a:schemeClr val="lt1"/>
+          </a:lnRef>
+          <a:fillRef idx="1">
+            <a:schemeClr val="accent1"/>
+          </a:fillRef>
+          <a:effectRef idx="1">
+            <a:schemeClr val="accent1"/>
+          </a:effectRef>
+          <a:fontRef idx="minor">
+            <a:schemeClr val="lt1"/>
+          </a:fontRef>
+        </p:style>
+        <p:txBody>
+          <a:bodyPr anchor="ctr"/>
+          <a:lstStyle/>
+          <a:p>
+            <a:pPr algn="ctr" eaLnBrk="1" latinLnBrk="0" hangingPunct="1"/>
+            <a:endParaRPr kumimoji="0" lang="en-US"/>
+          </a:p>
+        </p:txBody>
+      </p:sp>
+      <p:sp>
+        <p:nvSpPr>
+          <p:cNvPr id="12" name="Conector reto 11"/>
+          <p:cNvSpPr>
+            <a:spLocks noChangeShapeType="1"/>
+          </p:cNvSpPr>
+          <p:nvPr/>
+        </p:nvSpPr>
+        <p:spPr bwMode="auto">
+          <a:xfrm>
+            <a:off x="8915400" y="0"/>
+            <a:ext cx="0" cy="6858000"/>
+          </a:xfrm>
+          <a:prstGeom prst="line">
+            <a:avLst/>
+          </a:prstGeom>
+          <a:noFill/>
+          <a:ln w="9525" cap="flat" cmpd="sng" algn="ctr">
+            <a:solidFill>
+              <a:schemeClr val="accent1"/>
+            </a:solidFill>
+            <a:prstDash val="solid"/>
+            <a:round/>
+            <a:headEnd type="none" w="med" len="med"/>
+            <a:tailEnd type="none" w="med" len="med"/>
+          </a:ln>
+          <a:effectLst/>
+        </p:spPr>
+        <p:txBody>
+          <a:bodyPr vert="horz" wrap="square" lIns="91440" tIns="45720" rIns="91440" bIns="45720" anchor="t" compatLnSpc="1"/>
+          <a:lstStyle/>
+          <a:p>
+            <a:endParaRPr kumimoji="0" lang="en-US"/>
+          </a:p>
+        </p:txBody>
+      </p:sp>
+      <p:sp>
+        <p:nvSpPr>
+          <p:cNvPr id="19" name="Conector reto 18"/>
+          <p:cNvSpPr>
+            <a:spLocks noChangeShapeType="1"/>
+          </p:cNvSpPr>
+          <p:nvPr/>
+        </p:nvSpPr>
+        <p:spPr bwMode="auto">
+          <a:xfrm>
+            <a:off x="6248400" y="0"/>
+            <a:ext cx="0" cy="6858000"/>
+          </a:xfrm>
+          <a:prstGeom prst="line">
+            <a:avLst/>
+          </a:prstGeom>
+          <a:noFill/>
+          <a:ln w="38100" cap="flat" cmpd="sng" algn="ctr">
+            <a:solidFill>
+              <a:schemeClr val="accent1">
+                <a:tint val="60000"/>
+              </a:schemeClr>
+            </a:solidFill>
+            <a:prstDash val="solid"/>
+            <a:round/>
+            <a:headEnd type="none" w="med" len="med"/>
+            <a:tailEnd type="none" w="med" len="med"/>
+          </a:ln>
+          <a:effectLst/>
+        </p:spPr>
+        <p:txBody>
+          <a:bodyPr vert="horz" wrap="square" lIns="91440" tIns="45720" rIns="91440" bIns="45720" anchor="t" compatLnSpc="1"/>
+          <a:lstStyle/>
+          <a:p>
+            <a:endParaRPr kumimoji="0" lang="en-US" dirty="0"/>
+          </a:p>
+        </p:txBody>
+      </p:sp>
+      <p:sp>
+        <p:nvSpPr>
+          <p:cNvPr id="20" name="Conector reto 19"/>
+          <p:cNvSpPr>
+            <a:spLocks noChangeShapeType="1"/>
+          </p:cNvSpPr>
+          <p:nvPr/>
+        </p:nvSpPr>
+        <p:spPr bwMode="auto">
+          <a:xfrm>
+            <a:off x="6192296" y="0"/>
+            <a:ext cx="0" cy="6858000"/>
+          </a:xfrm>
+          <a:prstGeom prst="line">
+            <a:avLst/>
+          </a:prstGeom>
+          <a:noFill/>
+          <a:ln w="12700" cap="flat" cmpd="sng" algn="ctr">
+            <a:solidFill>
+              <a:schemeClr val="accent1"/>
+            </a:solidFill>
+            <a:prstDash val="solid"/>
+            <a:round/>
+            <a:headEnd type="none" w="med" len="med"/>
+            <a:tailEnd type="none" w="med" len="med"/>
+          </a:ln>
+          <a:effectLst/>
+        </p:spPr>
+        <p:txBody>
+          <a:bodyPr vert="horz" wrap="square" lIns="91440" tIns="45720" rIns="91440" bIns="45720" anchor="t" compatLnSpc="1"/>
+          <a:lstStyle/>
+          <a:p>
+            <a:endParaRPr kumimoji="0" lang="en-US" dirty="0"/>
+          </a:p>
+        </p:txBody>
+      </p:sp>
+      <p:sp>
+        <p:nvSpPr>
+          <p:cNvPr id="17" name="Espaço Reservado para Data 16"/>
           <p:cNvSpPr>
             <a:spLocks noGrp="1"/>
           </p:cNvSpPr>
@@ -2838,13 +4570,13 @@
         </p:nvSpPr>
         <p:spPr/>
         <p:txBody>
-          <a:bodyPr/>
-          <a:lstStyle/>
-          <a:p>
-            <a:fld id="{55215ABF-363E-43D1-B7C6-BD8F5D7891DF}" type="datetime1">
+          <a:bodyPr rtlCol="0"/>
+          <a:lstStyle/>
+          <a:p>
+            <a:fld id="{A4D20CB3-E548-497B-8DA5-345095E99FDB}" type="datetime1">
               <a:rPr lang="en-US" smtClean="0"/>
               <a:pPr/>
-              <a:t>11/30/2016</a:t>
+              <a:t>12/1/2016</a:t>
             </a:fld>
             <a:endParaRPr lang="en-US"/>
           </a:p>
@@ -2852,36 +4584,17 @@
       </p:sp>
       <p:sp>
         <p:nvSpPr>
-          <p:cNvPr id="6" name="Footer Placeholder 5"/>
+          <p:cNvPr id="18" name="Espaço Reservado para Número de Slide 17"/>
           <p:cNvSpPr>
             <a:spLocks noGrp="1"/>
           </p:cNvSpPr>
           <p:nvPr>
-            <p:ph type="ftr" sz="quarter" idx="11"/>
+            <p:ph type="sldNum" sz="quarter" idx="11"/>
           </p:nvPr>
         </p:nvSpPr>
         <p:spPr/>
         <p:txBody>
-          <a:bodyPr/>
-          <a:lstStyle/>
-          <a:p>
-            <a:endParaRPr lang="en-US"/>
-          </a:p>
-        </p:txBody>
-      </p:sp>
-      <p:sp>
-        <p:nvSpPr>
-          <p:cNvPr id="7" name="Slide Number Placeholder 6"/>
-          <p:cNvSpPr>
-            <a:spLocks noGrp="1"/>
-          </p:cNvSpPr>
-          <p:nvPr>
-            <p:ph type="sldNum" sz="quarter" idx="12"/>
-          </p:nvPr>
-        </p:nvSpPr>
-        <p:spPr/>
-        <p:txBody>
-          <a:bodyPr/>
+          <a:bodyPr rtlCol="0"/>
           <a:lstStyle/>
           <a:p>
             <a:fld id="{8FE1B02D-2A3F-49DE-AB67-7B93722EBA11}" type="slidenum">
@@ -2893,11 +4606,31 @@
           </a:p>
         </p:txBody>
       </p:sp>
+      <p:sp>
+        <p:nvSpPr>
+          <p:cNvPr id="21" name="Espaço Reservado para Rodapé 20"/>
+          <p:cNvSpPr>
+            <a:spLocks noGrp="1"/>
+          </p:cNvSpPr>
+          <p:nvPr>
+            <p:ph type="ftr" sz="quarter" idx="12"/>
+          </p:nvPr>
+        </p:nvSpPr>
+        <p:spPr/>
+        <p:txBody>
+          <a:bodyPr rtlCol="0"/>
+          <a:lstStyle/>
+          <a:p>
+            <a:endParaRPr lang="en-US"/>
+          </a:p>
+        </p:txBody>
+      </p:sp>
     </p:spTree>
   </p:cSld>
   <p:clrMapOvr>
     <a:masterClrMapping/>
   </p:clrMapOvr>
+  <p:hf hdr="0" ftr="0" dt="0"/>
 </p:sldLayout>
 </file>
 
@@ -2925,7 +4658,46 @@
       </p:grpSpPr>
       <p:sp>
         <p:nvSpPr>
-          <p:cNvPr id="2" name="Title Placeholder 1"/>
+          <p:cNvPr id="16" name="Conector reto 15"/>
+          <p:cNvSpPr>
+            <a:spLocks noChangeShapeType="1"/>
+          </p:cNvSpPr>
+          <p:nvPr/>
+        </p:nvSpPr>
+        <p:spPr bwMode="auto">
+          <a:xfrm>
+            <a:off x="8763000" y="0"/>
+            <a:ext cx="0" cy="6858000"/>
+          </a:xfrm>
+          <a:prstGeom prst="line">
+            <a:avLst/>
+          </a:prstGeom>
+          <a:noFill/>
+          <a:ln w="38100" cap="flat" cmpd="sng" algn="ctr">
+            <a:solidFill>
+              <a:schemeClr val="accent1">
+                <a:tint val="60000"/>
+                <a:alpha val="93000"/>
+              </a:schemeClr>
+            </a:solidFill>
+            <a:prstDash val="solid"/>
+            <a:round/>
+            <a:headEnd type="none" w="med" len="med"/>
+            <a:tailEnd type="none" w="med" len="med"/>
+          </a:ln>
+          <a:effectLst/>
+        </p:spPr>
+        <p:txBody>
+          <a:bodyPr vert="horz" wrap="square" lIns="91440" tIns="45720" rIns="91440" bIns="45720" anchor="t" compatLnSpc="1"/>
+          <a:lstStyle/>
+          <a:p>
+            <a:endParaRPr kumimoji="0" lang="en-US" dirty="0"/>
+          </a:p>
+        </p:txBody>
+      </p:sp>
+      <p:sp>
+        <p:nvSpPr>
+          <p:cNvPr id="22" name="Espaço Reservado para Título 21"/>
           <p:cNvSpPr>
             <a:spLocks noGrp="1"/>
           </p:cNvSpPr>
@@ -2936,28 +4708,29 @@
         <p:spPr>
           <a:xfrm>
             <a:off x="457200" y="274638"/>
-            <a:ext cx="8229600" cy="1143000"/>
+            <a:ext cx="7467600" cy="1143000"/>
           </a:xfrm>
           <a:prstGeom prst="rect">
             <a:avLst/>
           </a:prstGeom>
         </p:spPr>
         <p:txBody>
-          <a:bodyPr vert="horz" lIns="91440" tIns="45720" rIns="91440" bIns="45720" rtlCol="0" anchor="ctr">
+          <a:bodyPr vert="horz" anchor="b">
             <a:normAutofit/>
           </a:bodyPr>
           <a:lstStyle/>
           <a:p>
             <a:r>
-              <a:rPr lang="en-US"/>
-              <a:t>Click to edit Master title style</a:t>
-            </a:r>
-          </a:p>
-        </p:txBody>
-      </p:sp>
-      <p:sp>
-        <p:nvSpPr>
-          <p:cNvPr id="3" name="Text Placeholder 2"/>
+              <a:rPr kumimoji="0" lang="pt-BR"/>
+              <a:t>Clique para editar o estilo do título mestre</a:t>
+            </a:r>
+            <a:endParaRPr kumimoji="0" lang="en-US"/>
+          </a:p>
+        </p:txBody>
+      </p:sp>
+      <p:sp>
+        <p:nvSpPr>
+          <p:cNvPr id="13" name="Espaço Reservado para Texto 12"/>
           <p:cNvSpPr>
             <a:spLocks noGrp="1"/>
           </p:cNvSpPr>
@@ -2968,57 +4741,58 @@
         <p:spPr>
           <a:xfrm>
             <a:off x="457200" y="1600200"/>
-            <a:ext cx="8229600" cy="4525963"/>
+            <a:ext cx="7467600" cy="4873752"/>
           </a:xfrm>
           <a:prstGeom prst="rect">
             <a:avLst/>
           </a:prstGeom>
         </p:spPr>
         <p:txBody>
-          <a:bodyPr vert="horz" lIns="91440" tIns="45720" rIns="91440" bIns="45720" rtlCol="0">
+          <a:bodyPr vert="horz">
             <a:normAutofit/>
           </a:bodyPr>
           <a:lstStyle/>
           <a:p>
-            <a:pPr lvl="0"/>
-            <a:r>
-              <a:rPr lang="en-US"/>
-              <a:t>Click to edit Master text styles</a:t>
-            </a:r>
-          </a:p>
-          <a:p>
-            <a:pPr lvl="1"/>
-            <a:r>
-              <a:rPr lang="en-US"/>
-              <a:t>Second level</a:t>
-            </a:r>
-          </a:p>
-          <a:p>
-            <a:pPr lvl="2"/>
-            <a:r>
-              <a:rPr lang="en-US"/>
-              <a:t>Third level</a:t>
-            </a:r>
-          </a:p>
-          <a:p>
-            <a:pPr lvl="3"/>
-            <a:r>
-              <a:rPr lang="en-US"/>
-              <a:t>Fourth level</a:t>
-            </a:r>
-          </a:p>
-          <a:p>
-            <a:pPr lvl="4"/>
-            <a:r>
-              <a:rPr lang="en-US"/>
-              <a:t>Fifth level</a:t>
-            </a:r>
-          </a:p>
-        </p:txBody>
-      </p:sp>
-      <p:sp>
-        <p:nvSpPr>
-          <p:cNvPr id="4" name="Date Placeholder 3"/>
+            <a:pPr lvl="0" eaLnBrk="1" latinLnBrk="0" hangingPunct="1"/>
+            <a:r>
+              <a:rPr kumimoji="0" lang="pt-BR"/>
+              <a:t>Clique para editar os estilos do texto mestre</a:t>
+            </a:r>
+          </a:p>
+          <a:p>
+            <a:pPr lvl="1" eaLnBrk="1" latinLnBrk="0" hangingPunct="1"/>
+            <a:r>
+              <a:rPr kumimoji="0" lang="pt-BR"/>
+              <a:t>Segundo nível</a:t>
+            </a:r>
+          </a:p>
+          <a:p>
+            <a:pPr lvl="2" eaLnBrk="1" latinLnBrk="0" hangingPunct="1"/>
+            <a:r>
+              <a:rPr kumimoji="0" lang="pt-BR"/>
+              <a:t>Terceiro nível</a:t>
+            </a:r>
+          </a:p>
+          <a:p>
+            <a:pPr lvl="3" eaLnBrk="1" latinLnBrk="0" hangingPunct="1"/>
+            <a:r>
+              <a:rPr kumimoji="0" lang="pt-BR"/>
+              <a:t>Quarto nível</a:t>
+            </a:r>
+          </a:p>
+          <a:p>
+            <a:pPr lvl="4" eaLnBrk="1" latinLnBrk="0" hangingPunct="1"/>
+            <a:r>
+              <a:rPr kumimoji="0" lang="pt-BR"/>
+              <a:t>Quinto nível</a:t>
+            </a:r>
+            <a:endParaRPr kumimoji="0" lang="en-US"/>
+          </a:p>
+        </p:txBody>
+      </p:sp>
+      <p:sp>
+        <p:nvSpPr>
+          <p:cNvPr id="14" name="Espaço Reservado para Data 13"/>
           <p:cNvSpPr>
             <a:spLocks noGrp="1"/>
           </p:cNvSpPr>
@@ -3027,23 +4801,21 @@
           </p:nvPr>
         </p:nvSpPr>
         <p:spPr>
-          <a:xfrm>
-            <a:off x="457200" y="6356350"/>
-            <a:ext cx="2133600" cy="365125"/>
+          <a:xfrm rot="5400000">
+            <a:off x="7589520" y="1081851"/>
+            <a:ext cx="2011680" cy="384048"/>
           </a:xfrm>
           <a:prstGeom prst="rect">
             <a:avLst/>
           </a:prstGeom>
         </p:spPr>
         <p:txBody>
-          <a:bodyPr vert="horz" lIns="91440" tIns="45720" rIns="91440" bIns="45720" rtlCol="0" anchor="ctr"/>
+          <a:bodyPr vert="horz" anchor="ctr" anchorCtr="0"/>
           <a:lstStyle>
-            <a:lvl1pPr algn="l">
-              <a:defRPr sz="1200">
+            <a:lvl1pPr algn="r" eaLnBrk="1" latinLnBrk="0" hangingPunct="1">
+              <a:defRPr kumimoji="0" sz="1200">
                 <a:solidFill>
-                  <a:schemeClr val="tx1">
-                    <a:tint val="75000"/>
-                  </a:schemeClr>
+                  <a:schemeClr val="tx2"/>
                 </a:solidFill>
               </a:defRPr>
             </a:lvl1pPr>
@@ -3052,7 +4824,7 @@
             <a:fld id="{A4D20CB3-E548-497B-8DA5-345095E99FDB}" type="datetime1">
               <a:rPr lang="en-US" smtClean="0"/>
               <a:pPr/>
-              <a:t>11/30/2016</a:t>
+              <a:t>12/1/2016</a:t>
             </a:fld>
             <a:endParaRPr lang="en-US"/>
           </a:p>
@@ -3060,7 +4832,7 @@
       </p:sp>
       <p:sp>
         <p:nvSpPr>
-          <p:cNvPr id="5" name="Footer Placeholder 4"/>
+          <p:cNvPr id="3" name="Espaço Reservado para Rodapé 2"/>
           <p:cNvSpPr>
             <a:spLocks noGrp="1"/>
           </p:cNvSpPr>
@@ -3069,23 +4841,21 @@
           </p:nvPr>
         </p:nvSpPr>
         <p:spPr>
-          <a:xfrm>
-            <a:off x="3124200" y="6356350"/>
-            <a:ext cx="2895600" cy="365125"/>
+          <a:xfrm rot="5400000">
+            <a:off x="6990186" y="3737240"/>
+            <a:ext cx="3200400" cy="365760"/>
           </a:xfrm>
           <a:prstGeom prst="rect">
             <a:avLst/>
           </a:prstGeom>
         </p:spPr>
         <p:txBody>
-          <a:bodyPr vert="horz" lIns="91440" tIns="45720" rIns="91440" bIns="45720" rtlCol="0" anchor="ctr"/>
+          <a:bodyPr vert="horz" anchor="ctr" anchorCtr="0"/>
           <a:lstStyle>
-            <a:lvl1pPr algn="ctr">
-              <a:defRPr sz="1200">
+            <a:lvl1pPr algn="l" eaLnBrk="1" latinLnBrk="0" hangingPunct="1">
+              <a:defRPr kumimoji="0" sz="1200">
                 <a:solidFill>
-                  <a:schemeClr val="tx1">
-                    <a:tint val="75000"/>
-                  </a:schemeClr>
+                  <a:schemeClr val="tx2"/>
                 </a:solidFill>
               </a:defRPr>
             </a:lvl1pPr>
@@ -3097,7 +4867,209 @@
       </p:sp>
       <p:sp>
         <p:nvSpPr>
-          <p:cNvPr id="6" name="Slide Number Placeholder 5"/>
+          <p:cNvPr id="7" name="Conector reto 6"/>
+          <p:cNvSpPr>
+            <a:spLocks noChangeShapeType="1"/>
+          </p:cNvSpPr>
+          <p:nvPr/>
+        </p:nvSpPr>
+        <p:spPr bwMode="auto">
+          <a:xfrm>
+            <a:off x="76200" y="0"/>
+            <a:ext cx="0" cy="6858000"/>
+          </a:xfrm>
+          <a:prstGeom prst="line">
+            <a:avLst/>
+          </a:prstGeom>
+          <a:noFill/>
+          <a:ln w="57150" cap="flat" cmpd="thickThin" algn="ctr">
+            <a:solidFill>
+              <a:schemeClr val="accent1">
+                <a:tint val="60000"/>
+              </a:schemeClr>
+            </a:solidFill>
+            <a:prstDash val="solid"/>
+            <a:round/>
+            <a:headEnd type="none" w="med" len="med"/>
+            <a:tailEnd type="none" w="med" len="med"/>
+          </a:ln>
+          <a:effectLst/>
+        </p:spPr>
+        <p:txBody>
+          <a:bodyPr vert="horz" wrap="square" lIns="91440" tIns="45720" rIns="91440" bIns="45720" anchor="t" compatLnSpc="1"/>
+          <a:lstStyle/>
+          <a:p>
+            <a:endParaRPr kumimoji="0" lang="en-US"/>
+          </a:p>
+        </p:txBody>
+      </p:sp>
+      <p:sp>
+        <p:nvSpPr>
+          <p:cNvPr id="9" name="Conector reto 8"/>
+          <p:cNvSpPr>
+            <a:spLocks noChangeShapeType="1"/>
+          </p:cNvSpPr>
+          <p:nvPr/>
+        </p:nvSpPr>
+        <p:spPr bwMode="auto">
+          <a:xfrm>
+            <a:off x="8991600" y="0"/>
+            <a:ext cx="0" cy="6858000"/>
+          </a:xfrm>
+          <a:prstGeom prst="line">
+            <a:avLst/>
+          </a:prstGeom>
+          <a:noFill/>
+          <a:ln w="19050" cap="flat" cmpd="sng" algn="ctr">
+            <a:solidFill>
+              <a:schemeClr val="accent1"/>
+            </a:solidFill>
+            <a:prstDash val="solid"/>
+            <a:round/>
+            <a:headEnd type="none" w="med" len="med"/>
+            <a:tailEnd type="none" w="med" len="med"/>
+          </a:ln>
+          <a:effectLst/>
+        </p:spPr>
+        <p:txBody>
+          <a:bodyPr vert="horz" wrap="square" lIns="91440" tIns="45720" rIns="91440" bIns="45720" anchor="t" compatLnSpc="1"/>
+          <a:lstStyle/>
+          <a:p>
+            <a:endParaRPr kumimoji="0" lang="en-US"/>
+          </a:p>
+        </p:txBody>
+      </p:sp>
+      <p:sp>
+        <p:nvSpPr>
+          <p:cNvPr id="10" name="Retângulo 9"/>
+          <p:cNvSpPr/>
+          <p:nvPr/>
+        </p:nvSpPr>
+        <p:spPr bwMode="auto">
+          <a:xfrm>
+            <a:off x="8839200" y="0"/>
+            <a:ext cx="304800" cy="6858000"/>
+          </a:xfrm>
+          <a:prstGeom prst="rect">
+            <a:avLst/>
+          </a:prstGeom>
+          <a:solidFill>
+            <a:schemeClr val="accent1">
+              <a:tint val="60000"/>
+              <a:alpha val="87000"/>
+            </a:schemeClr>
+          </a:solidFill>
+          <a:ln w="38100" cap="rnd" cmpd="sng" algn="ctr">
+            <a:noFill/>
+            <a:prstDash val="solid"/>
+          </a:ln>
+          <a:effectLst/>
+        </p:spPr>
+        <p:style>
+          <a:lnRef idx="3">
+            <a:schemeClr val="lt1"/>
+          </a:lnRef>
+          <a:fillRef idx="1">
+            <a:schemeClr val="accent1"/>
+          </a:fillRef>
+          <a:effectRef idx="1">
+            <a:schemeClr val="accent1"/>
+          </a:effectRef>
+          <a:fontRef idx="minor">
+            <a:schemeClr val="lt1"/>
+          </a:fontRef>
+        </p:style>
+        <p:txBody>
+          <a:bodyPr anchor="ctr"/>
+          <a:lstStyle/>
+          <a:p>
+            <a:pPr algn="ctr" eaLnBrk="1" latinLnBrk="0" hangingPunct="1"/>
+            <a:endParaRPr kumimoji="0" lang="en-US"/>
+          </a:p>
+        </p:txBody>
+      </p:sp>
+      <p:sp>
+        <p:nvSpPr>
+          <p:cNvPr id="11" name="Conector reto 10"/>
+          <p:cNvSpPr>
+            <a:spLocks noChangeShapeType="1"/>
+          </p:cNvSpPr>
+          <p:nvPr/>
+        </p:nvSpPr>
+        <p:spPr bwMode="auto">
+          <a:xfrm>
+            <a:off x="8915400" y="0"/>
+            <a:ext cx="0" cy="6858000"/>
+          </a:xfrm>
+          <a:prstGeom prst="line">
+            <a:avLst/>
+          </a:prstGeom>
+          <a:noFill/>
+          <a:ln w="9525" cap="flat" cmpd="sng" algn="ctr">
+            <a:solidFill>
+              <a:schemeClr val="accent1"/>
+            </a:solidFill>
+            <a:prstDash val="solid"/>
+            <a:round/>
+            <a:headEnd type="none" w="med" len="med"/>
+            <a:tailEnd type="none" w="med" len="med"/>
+          </a:ln>
+          <a:effectLst/>
+        </p:spPr>
+        <p:txBody>
+          <a:bodyPr vert="horz" wrap="square" lIns="91440" tIns="45720" rIns="91440" bIns="45720" anchor="t" compatLnSpc="1"/>
+          <a:lstStyle/>
+          <a:p>
+            <a:endParaRPr kumimoji="0" lang="en-US"/>
+          </a:p>
+        </p:txBody>
+      </p:sp>
+      <p:sp>
+        <p:nvSpPr>
+          <p:cNvPr id="12" name="Elipse 11"/>
+          <p:cNvSpPr/>
+          <p:nvPr/>
+        </p:nvSpPr>
+        <p:spPr>
+          <a:xfrm>
+            <a:off x="8156448" y="5715000"/>
+            <a:ext cx="548640" cy="548640"/>
+          </a:xfrm>
+          <a:prstGeom prst="ellipse">
+            <a:avLst/>
+          </a:prstGeom>
+          <a:ln w="38100" cap="rnd" cmpd="sng" algn="ctr">
+            <a:noFill/>
+            <a:prstDash val="solid"/>
+          </a:ln>
+          <a:effectLst/>
+        </p:spPr>
+        <p:style>
+          <a:lnRef idx="3">
+            <a:schemeClr val="lt1"/>
+          </a:lnRef>
+          <a:fillRef idx="1">
+            <a:schemeClr val="accent1"/>
+          </a:fillRef>
+          <a:effectRef idx="1">
+            <a:schemeClr val="accent1"/>
+          </a:effectRef>
+          <a:fontRef idx="minor">
+            <a:schemeClr val="lt1"/>
+          </a:fontRef>
+        </p:style>
+        <p:txBody>
+          <a:bodyPr anchor="ctr"/>
+          <a:lstStyle/>
+          <a:p>
+            <a:pPr algn="ctr" eaLnBrk="1" latinLnBrk="0" hangingPunct="1"/>
+            <a:endParaRPr kumimoji="0" lang="en-US" dirty="0"/>
+          </a:p>
+        </p:txBody>
+      </p:sp>
+      <p:sp>
+        <p:nvSpPr>
+          <p:cNvPr id="23" name="Espaço Reservado para Número de Slide 22"/>
           <p:cNvSpPr>
             <a:spLocks noGrp="1"/>
           </p:cNvSpPr>
@@ -3107,23 +5079,20 @@
         </p:nvSpPr>
         <p:spPr>
           <a:xfrm>
-            <a:off x="6858000" y="6416675"/>
-            <a:ext cx="2133600" cy="365125"/>
+            <a:off x="8129016" y="5734050"/>
+            <a:ext cx="609600" cy="521208"/>
           </a:xfrm>
           <a:prstGeom prst="rect">
             <a:avLst/>
           </a:prstGeom>
         </p:spPr>
         <p:txBody>
-          <a:bodyPr vert="horz" lIns="91440" tIns="45720" rIns="91440" bIns="45720" rtlCol="0" anchor="ctr"/>
+          <a:bodyPr vert="horz" anchor="ctr"/>
           <a:lstStyle>
-            <a:lvl1pPr algn="r">
-              <a:defRPr sz="1400" b="1">
+            <a:lvl1pPr algn="ctr" eaLnBrk="1" latinLnBrk="0" hangingPunct="1">
+              <a:defRPr kumimoji="0" sz="1400" b="1">
                 <a:solidFill>
-                  <a:schemeClr val="tx1">
-                    <a:lumMod val="50000"/>
-                    <a:lumOff val="50000"/>
-                  </a:schemeClr>
+                  <a:srgbClr val="FFFFFF"/>
                 </a:solidFill>
               </a:defRPr>
             </a:lvl1pPr>
@@ -3142,29 +5111,29 @@
   </p:cSld>
   <p:clrMap bg1="lt1" tx1="dk1" bg2="lt2" tx2="dk2" accent1="accent1" accent2="accent2" accent3="accent3" accent4="accent4" accent5="accent5" accent6="accent6" hlink="hlink" folHlink="folHlink"/>
   <p:sldLayoutIdLst>
-    <p:sldLayoutId id="2147483649" r:id="rId1"/>
-    <p:sldLayoutId id="2147483650" r:id="rId2"/>
-    <p:sldLayoutId id="2147483651" r:id="rId3"/>
-    <p:sldLayoutId id="2147483652" r:id="rId4"/>
-    <p:sldLayoutId id="2147483653" r:id="rId5"/>
-    <p:sldLayoutId id="2147483654" r:id="rId6"/>
-    <p:sldLayoutId id="2147483655" r:id="rId7"/>
-    <p:sldLayoutId id="2147483656" r:id="rId8"/>
-    <p:sldLayoutId id="2147483657" r:id="rId9"/>
-    <p:sldLayoutId id="2147483658" r:id="rId10"/>
-    <p:sldLayoutId id="2147483659" r:id="rId11"/>
+    <p:sldLayoutId id="2147483733" r:id="rId1"/>
+    <p:sldLayoutId id="2147483734" r:id="rId2"/>
+    <p:sldLayoutId id="2147483735" r:id="rId3"/>
+    <p:sldLayoutId id="2147483736" r:id="rId4"/>
+    <p:sldLayoutId id="2147483737" r:id="rId5"/>
+    <p:sldLayoutId id="2147483738" r:id="rId6"/>
+    <p:sldLayoutId id="2147483739" r:id="rId7"/>
+    <p:sldLayoutId id="2147483740" r:id="rId8"/>
+    <p:sldLayoutId id="2147483741" r:id="rId9"/>
+    <p:sldLayoutId id="2147483742" r:id="rId10"/>
+    <p:sldLayoutId id="2147483743" r:id="rId11"/>
   </p:sldLayoutIdLst>
   <p:hf hdr="0" ftr="0" dt="0"/>
   <p:txStyles>
     <p:titleStyle>
-      <a:lvl1pPr algn="ctr" defTabSz="914400" rtl="0" eaLnBrk="1" latinLnBrk="0" hangingPunct="1">
+      <a:lvl1pPr algn="l" rtl="0" eaLnBrk="1" latinLnBrk="0" hangingPunct="1">
         <a:spcBef>
           <a:spcPct val="0"/>
         </a:spcBef>
         <a:buNone/>
-        <a:defRPr sz="4400" kern="1200">
+        <a:defRPr kumimoji="0" sz="3000" b="0" kern="1200" cap="small" baseline="0">
           <a:solidFill>
-            <a:schemeClr val="tx1"/>
+            <a:schemeClr val="tx2"/>
           </a:solidFill>
           <a:latin typeface="+mj-lt"/>
           <a:ea typeface="+mj-ea"/>
@@ -3173,13 +5142,17 @@
       </a:lvl1pPr>
     </p:titleStyle>
     <p:bodyStyle>
-      <a:lvl1pPr marL="342900" indent="-342900" algn="l" defTabSz="914400" rtl="0" eaLnBrk="1" latinLnBrk="0" hangingPunct="1">
+      <a:lvl1pPr marL="274320" indent="-274320" algn="l" rtl="0" eaLnBrk="1" latinLnBrk="0" hangingPunct="1">
         <a:spcBef>
-          <a:spcPct val="20000"/>
+          <a:spcPts val="600"/>
         </a:spcBef>
-        <a:buFont typeface="Arial" pitchFamily="34" charset="0"/>
-        <a:buChar char="•"/>
-        <a:defRPr sz="3200" kern="1200">
+        <a:buClr>
+          <a:schemeClr val="accent1"/>
+        </a:buClr>
+        <a:buSzPct val="70000"/>
+        <a:buFont typeface="Wingdings"/>
+        <a:buChar char=""/>
+        <a:defRPr kumimoji="0" sz="2400" kern="1200">
           <a:solidFill>
             <a:schemeClr val="tx1"/>
           </a:solidFill>
@@ -3188,13 +5161,17 @@
           <a:cs typeface="+mn-cs"/>
         </a:defRPr>
       </a:lvl1pPr>
-      <a:lvl2pPr marL="742950" indent="-285750" algn="l" defTabSz="914400" rtl="0" eaLnBrk="1" latinLnBrk="0" hangingPunct="1">
+      <a:lvl2pPr marL="640080" indent="-274320" algn="l" rtl="0" eaLnBrk="1" latinLnBrk="0" hangingPunct="1">
         <a:spcBef>
           <a:spcPct val="20000"/>
         </a:spcBef>
-        <a:buFont typeface="Arial" pitchFamily="34" charset="0"/>
-        <a:buChar char="–"/>
-        <a:defRPr sz="2800" kern="1200">
+        <a:buClr>
+          <a:schemeClr val="accent1"/>
+        </a:buClr>
+        <a:buSzPct val="80000"/>
+        <a:buFont typeface="Wingdings 2"/>
+        <a:buChar char=""/>
+        <a:defRPr kumimoji="0" sz="2100" kern="1200">
           <a:solidFill>
             <a:schemeClr val="tx1"/>
           </a:solidFill>
@@ -3203,13 +5180,19 @@
           <a:cs typeface="+mn-cs"/>
         </a:defRPr>
       </a:lvl2pPr>
-      <a:lvl3pPr marL="1143000" indent="-228600" algn="l" defTabSz="914400" rtl="0" eaLnBrk="1" latinLnBrk="0" hangingPunct="1">
+      <a:lvl3pPr marL="914400" indent="-182880" algn="l" rtl="0" eaLnBrk="1" latinLnBrk="0" hangingPunct="1">
         <a:spcBef>
           <a:spcPct val="20000"/>
         </a:spcBef>
-        <a:buFont typeface="Arial" pitchFamily="34" charset="0"/>
-        <a:buChar char="•"/>
-        <a:defRPr sz="2400" kern="1200">
+        <a:buClr>
+          <a:schemeClr val="accent1">
+            <a:shade val="75000"/>
+          </a:schemeClr>
+        </a:buClr>
+        <a:buSzPct val="60000"/>
+        <a:buFont typeface="Wingdings"/>
+        <a:buChar char=""/>
+        <a:defRPr kumimoji="0" sz="1800" kern="1200">
           <a:solidFill>
             <a:schemeClr val="tx1"/>
           </a:solidFill>
@@ -3218,13 +5201,19 @@
           <a:cs typeface="+mn-cs"/>
         </a:defRPr>
       </a:lvl3pPr>
-      <a:lvl4pPr marL="1600200" indent="-228600" algn="l" defTabSz="914400" rtl="0" eaLnBrk="1" latinLnBrk="0" hangingPunct="1">
+      <a:lvl4pPr marL="1188720" indent="-182880" algn="l" rtl="0" eaLnBrk="1" latinLnBrk="0" hangingPunct="1">
         <a:spcBef>
           <a:spcPct val="20000"/>
         </a:spcBef>
-        <a:buFont typeface="Arial" pitchFamily="34" charset="0"/>
-        <a:buChar char="–"/>
-        <a:defRPr sz="2000" kern="1200">
+        <a:buClr>
+          <a:schemeClr val="accent1">
+            <a:tint val="60000"/>
+          </a:schemeClr>
+        </a:buClr>
+        <a:buSzPct val="60000"/>
+        <a:buFont typeface="Wingdings"/>
+        <a:buChar char=""/>
+        <a:defRPr kumimoji="0" sz="1800" kern="1200">
           <a:solidFill>
             <a:schemeClr val="tx1"/>
           </a:solidFill>
@@ -3233,13 +5222,19 @@
           <a:cs typeface="+mn-cs"/>
         </a:defRPr>
       </a:lvl4pPr>
-      <a:lvl5pPr marL="2057400" indent="-228600" algn="l" defTabSz="914400" rtl="0" eaLnBrk="1" latinLnBrk="0" hangingPunct="1">
+      <a:lvl5pPr marL="1463040" indent="-182880" algn="l" rtl="0" eaLnBrk="1" latinLnBrk="0" hangingPunct="1">
         <a:spcBef>
           <a:spcPct val="20000"/>
         </a:spcBef>
-        <a:buFont typeface="Arial" pitchFamily="34" charset="0"/>
-        <a:buChar char="»"/>
-        <a:defRPr sz="2000" kern="1200">
+        <a:buClr>
+          <a:schemeClr val="accent2">
+            <a:tint val="60000"/>
+          </a:schemeClr>
+        </a:buClr>
+        <a:buSzPct val="68000"/>
+        <a:buFont typeface="Wingdings 2"/>
+        <a:buChar char=""/>
+        <a:defRPr kumimoji="0" sz="1600" kern="1200">
           <a:solidFill>
             <a:schemeClr val="tx1"/>
           </a:solidFill>
@@ -3248,13 +5243,134 @@
           <a:cs typeface="+mn-cs"/>
         </a:defRPr>
       </a:lvl5pPr>
-      <a:lvl6pPr marL="2514600" indent="-228600" algn="l" defTabSz="914400" rtl="0" eaLnBrk="1" latinLnBrk="0" hangingPunct="1">
+      <a:lvl6pPr marL="1737360" indent="-182880" algn="l" rtl="0" eaLnBrk="1" latinLnBrk="0" hangingPunct="1">
         <a:spcBef>
           <a:spcPct val="20000"/>
         </a:spcBef>
-        <a:buFont typeface="Arial" pitchFamily="34" charset="0"/>
+        <a:buClr>
+          <a:schemeClr val="accent1"/>
+        </a:buClr>
         <a:buChar char="•"/>
-        <a:defRPr sz="2000" kern="1200">
+        <a:defRPr kumimoji="0" sz="1600" kern="1200">
+          <a:solidFill>
+            <a:schemeClr val="tx2"/>
+          </a:solidFill>
+          <a:latin typeface="+mn-lt"/>
+          <a:ea typeface="+mn-ea"/>
+          <a:cs typeface="+mn-cs"/>
+        </a:defRPr>
+      </a:lvl6pPr>
+      <a:lvl7pPr marL="2011680" indent="-182880" algn="l" rtl="0" eaLnBrk="1" latinLnBrk="0" hangingPunct="1">
+        <a:spcBef>
+          <a:spcPct val="20000"/>
+        </a:spcBef>
+        <a:buClr>
+          <a:schemeClr val="accent1">
+            <a:tint val="60000"/>
+          </a:schemeClr>
+        </a:buClr>
+        <a:buSzPct val="60000"/>
+        <a:buFont typeface="Wingdings"/>
+        <a:buChar char=""/>
+        <a:defRPr kumimoji="0" sz="1400" kern="1200" baseline="0">
+          <a:solidFill>
+            <a:schemeClr val="tx2"/>
+          </a:solidFill>
+          <a:latin typeface="+mn-lt"/>
+          <a:ea typeface="+mn-ea"/>
+          <a:cs typeface="+mn-cs"/>
+        </a:defRPr>
+      </a:lvl7pPr>
+      <a:lvl8pPr marL="2286000" indent="-182880" algn="l" rtl="0" eaLnBrk="1" latinLnBrk="0" hangingPunct="1">
+        <a:spcBef>
+          <a:spcPct val="20000"/>
+        </a:spcBef>
+        <a:buClr>
+          <a:schemeClr val="accent2"/>
+        </a:buClr>
+        <a:buChar char="•"/>
+        <a:defRPr kumimoji="0" sz="1400" kern="1200" cap="small" baseline="0">
+          <a:solidFill>
+            <a:schemeClr val="tx2"/>
+          </a:solidFill>
+          <a:latin typeface="+mn-lt"/>
+          <a:ea typeface="+mn-ea"/>
+          <a:cs typeface="+mn-cs"/>
+        </a:defRPr>
+      </a:lvl8pPr>
+      <a:lvl9pPr marL="2560320" indent="-182880" algn="l" rtl="0" eaLnBrk="1" latinLnBrk="0" hangingPunct="1">
+        <a:spcBef>
+          <a:spcPct val="20000"/>
+        </a:spcBef>
+        <a:buClr>
+          <a:schemeClr val="accent1">
+            <a:shade val="75000"/>
+          </a:schemeClr>
+        </a:buClr>
+        <a:buChar char="•"/>
+        <a:defRPr kumimoji="0" sz="1400" kern="1200" baseline="0">
+          <a:solidFill>
+            <a:schemeClr val="tx2"/>
+          </a:solidFill>
+          <a:latin typeface="+mn-lt"/>
+          <a:ea typeface="+mn-ea"/>
+          <a:cs typeface="+mn-cs"/>
+        </a:defRPr>
+      </a:lvl9pPr>
+    </p:bodyStyle>
+    <p:otherStyle>
+      <a:lvl1pPr marL="0" algn="l" rtl="0" eaLnBrk="1" latinLnBrk="0" hangingPunct="1">
+        <a:defRPr kumimoji="0" kern="1200">
+          <a:solidFill>
+            <a:schemeClr val="tx1"/>
+          </a:solidFill>
+          <a:latin typeface="+mn-lt"/>
+          <a:ea typeface="+mn-ea"/>
+          <a:cs typeface="+mn-cs"/>
+        </a:defRPr>
+      </a:lvl1pPr>
+      <a:lvl2pPr marL="457200" algn="l" rtl="0" eaLnBrk="1" latinLnBrk="0" hangingPunct="1">
+        <a:defRPr kumimoji="0" kern="1200">
+          <a:solidFill>
+            <a:schemeClr val="tx1"/>
+          </a:solidFill>
+          <a:latin typeface="+mn-lt"/>
+          <a:ea typeface="+mn-ea"/>
+          <a:cs typeface="+mn-cs"/>
+        </a:defRPr>
+      </a:lvl2pPr>
+      <a:lvl3pPr marL="914400" algn="l" rtl="0" eaLnBrk="1" latinLnBrk="0" hangingPunct="1">
+        <a:defRPr kumimoji="0" kern="1200">
+          <a:solidFill>
+            <a:schemeClr val="tx1"/>
+          </a:solidFill>
+          <a:latin typeface="+mn-lt"/>
+          <a:ea typeface="+mn-ea"/>
+          <a:cs typeface="+mn-cs"/>
+        </a:defRPr>
+      </a:lvl3pPr>
+      <a:lvl4pPr marL="1371600" algn="l" rtl="0" eaLnBrk="1" latinLnBrk="0" hangingPunct="1">
+        <a:defRPr kumimoji="0" kern="1200">
+          <a:solidFill>
+            <a:schemeClr val="tx1"/>
+          </a:solidFill>
+          <a:latin typeface="+mn-lt"/>
+          <a:ea typeface="+mn-ea"/>
+          <a:cs typeface="+mn-cs"/>
+        </a:defRPr>
+      </a:lvl4pPr>
+      <a:lvl5pPr marL="1828800" algn="l" rtl="0" eaLnBrk="1" latinLnBrk="0" hangingPunct="1">
+        <a:defRPr kumimoji="0" kern="1200">
+          <a:solidFill>
+            <a:schemeClr val="tx1"/>
+          </a:solidFill>
+          <a:latin typeface="+mn-lt"/>
+          <a:ea typeface="+mn-ea"/>
+          <a:cs typeface="+mn-cs"/>
+        </a:defRPr>
+      </a:lvl5pPr>
+      <a:lvl6pPr marL="2286000" algn="l" rtl="0" eaLnBrk="1" latinLnBrk="0" hangingPunct="1">
+        <a:defRPr kumimoji="0" kern="1200">
           <a:solidFill>
             <a:schemeClr val="tx1"/>
           </a:solidFill>
@@ -3263,13 +5379,8 @@
           <a:cs typeface="+mn-cs"/>
         </a:defRPr>
       </a:lvl6pPr>
-      <a:lvl7pPr marL="2971800" indent="-228600" algn="l" defTabSz="914400" rtl="0" eaLnBrk="1" latinLnBrk="0" hangingPunct="1">
-        <a:spcBef>
-          <a:spcPct val="20000"/>
-        </a:spcBef>
-        <a:buFont typeface="Arial" pitchFamily="34" charset="0"/>
-        <a:buChar char="•"/>
-        <a:defRPr sz="2000" kern="1200">
+      <a:lvl7pPr marL="2743200" algn="l" rtl="0" eaLnBrk="1" latinLnBrk="0" hangingPunct="1">
+        <a:defRPr kumimoji="0" kern="1200">
           <a:solidFill>
             <a:schemeClr val="tx1"/>
           </a:solidFill>
@@ -3278,13 +5389,8 @@
           <a:cs typeface="+mn-cs"/>
         </a:defRPr>
       </a:lvl7pPr>
-      <a:lvl8pPr marL="3429000" indent="-228600" algn="l" defTabSz="914400" rtl="0" eaLnBrk="1" latinLnBrk="0" hangingPunct="1">
-        <a:spcBef>
-          <a:spcPct val="20000"/>
-        </a:spcBef>
-        <a:buFont typeface="Arial" pitchFamily="34" charset="0"/>
-        <a:buChar char="•"/>
-        <a:defRPr sz="2000" kern="1200">
+      <a:lvl8pPr marL="3200400" algn="l" rtl="0" eaLnBrk="1" latinLnBrk="0" hangingPunct="1">
+        <a:defRPr kumimoji="0" kern="1200">
           <a:solidFill>
             <a:schemeClr val="tx1"/>
           </a:solidFill>
@@ -3293,108 +5399,8 @@
           <a:cs typeface="+mn-cs"/>
         </a:defRPr>
       </a:lvl8pPr>
-      <a:lvl9pPr marL="3886200" indent="-228600" algn="l" defTabSz="914400" rtl="0" eaLnBrk="1" latinLnBrk="0" hangingPunct="1">
-        <a:spcBef>
-          <a:spcPct val="20000"/>
-        </a:spcBef>
-        <a:buFont typeface="Arial" pitchFamily="34" charset="0"/>
-        <a:buChar char="•"/>
-        <a:defRPr sz="2000" kern="1200">
-          <a:solidFill>
-            <a:schemeClr val="tx1"/>
-          </a:solidFill>
-          <a:latin typeface="+mn-lt"/>
-          <a:ea typeface="+mn-ea"/>
-          <a:cs typeface="+mn-cs"/>
-        </a:defRPr>
-      </a:lvl9pPr>
-    </p:bodyStyle>
-    <p:otherStyle>
-      <a:defPPr>
-        <a:defRPr lang="en-US"/>
-      </a:defPPr>
-      <a:lvl1pPr marL="0" algn="l" defTabSz="914400" rtl="0" eaLnBrk="1" latinLnBrk="0" hangingPunct="1">
-        <a:defRPr sz="1800" kern="1200">
-          <a:solidFill>
-            <a:schemeClr val="tx1"/>
-          </a:solidFill>
-          <a:latin typeface="+mn-lt"/>
-          <a:ea typeface="+mn-ea"/>
-          <a:cs typeface="+mn-cs"/>
-        </a:defRPr>
-      </a:lvl1pPr>
-      <a:lvl2pPr marL="457200" algn="l" defTabSz="914400" rtl="0" eaLnBrk="1" latinLnBrk="0" hangingPunct="1">
-        <a:defRPr sz="1800" kern="1200">
-          <a:solidFill>
-            <a:schemeClr val="tx1"/>
-          </a:solidFill>
-          <a:latin typeface="+mn-lt"/>
-          <a:ea typeface="+mn-ea"/>
-          <a:cs typeface="+mn-cs"/>
-        </a:defRPr>
-      </a:lvl2pPr>
-      <a:lvl3pPr marL="914400" algn="l" defTabSz="914400" rtl="0" eaLnBrk="1" latinLnBrk="0" hangingPunct="1">
-        <a:defRPr sz="1800" kern="1200">
-          <a:solidFill>
-            <a:schemeClr val="tx1"/>
-          </a:solidFill>
-          <a:latin typeface="+mn-lt"/>
-          <a:ea typeface="+mn-ea"/>
-          <a:cs typeface="+mn-cs"/>
-        </a:defRPr>
-      </a:lvl3pPr>
-      <a:lvl4pPr marL="1371600" algn="l" defTabSz="914400" rtl="0" eaLnBrk="1" latinLnBrk="0" hangingPunct="1">
-        <a:defRPr sz="1800" kern="1200">
-          <a:solidFill>
-            <a:schemeClr val="tx1"/>
-          </a:solidFill>
-          <a:latin typeface="+mn-lt"/>
-          <a:ea typeface="+mn-ea"/>
-          <a:cs typeface="+mn-cs"/>
-        </a:defRPr>
-      </a:lvl4pPr>
-      <a:lvl5pPr marL="1828800" algn="l" defTabSz="914400" rtl="0" eaLnBrk="1" latinLnBrk="0" hangingPunct="1">
-        <a:defRPr sz="1800" kern="1200">
-          <a:solidFill>
-            <a:schemeClr val="tx1"/>
-          </a:solidFill>
-          <a:latin typeface="+mn-lt"/>
-          <a:ea typeface="+mn-ea"/>
-          <a:cs typeface="+mn-cs"/>
-        </a:defRPr>
-      </a:lvl5pPr>
-      <a:lvl6pPr marL="2286000" algn="l" defTabSz="914400" rtl="0" eaLnBrk="1" latinLnBrk="0" hangingPunct="1">
-        <a:defRPr sz="1800" kern="1200">
-          <a:solidFill>
-            <a:schemeClr val="tx1"/>
-          </a:solidFill>
-          <a:latin typeface="+mn-lt"/>
-          <a:ea typeface="+mn-ea"/>
-          <a:cs typeface="+mn-cs"/>
-        </a:defRPr>
-      </a:lvl6pPr>
-      <a:lvl7pPr marL="2743200" algn="l" defTabSz="914400" rtl="0" eaLnBrk="1" latinLnBrk="0" hangingPunct="1">
-        <a:defRPr sz="1800" kern="1200">
-          <a:solidFill>
-            <a:schemeClr val="tx1"/>
-          </a:solidFill>
-          <a:latin typeface="+mn-lt"/>
-          <a:ea typeface="+mn-ea"/>
-          <a:cs typeface="+mn-cs"/>
-        </a:defRPr>
-      </a:lvl7pPr>
-      <a:lvl8pPr marL="3200400" algn="l" defTabSz="914400" rtl="0" eaLnBrk="1" latinLnBrk="0" hangingPunct="1">
-        <a:defRPr sz="1800" kern="1200">
-          <a:solidFill>
-            <a:schemeClr val="tx1"/>
-          </a:solidFill>
-          <a:latin typeface="+mn-lt"/>
-          <a:ea typeface="+mn-ea"/>
-          <a:cs typeface="+mn-cs"/>
-        </a:defRPr>
-      </a:lvl8pPr>
-      <a:lvl9pPr marL="3657600" algn="l" defTabSz="914400" rtl="0" eaLnBrk="1" latinLnBrk="0" hangingPunct="1">
-        <a:defRPr sz="1800" kern="1200">
+      <a:lvl9pPr marL="3657600" algn="l" rtl="0" eaLnBrk="1" latinLnBrk="0" hangingPunct="1">
+        <a:defRPr kumimoji="0" kern="1200">
           <a:solidFill>
             <a:schemeClr val="tx1"/>
           </a:solidFill>
@@ -3437,7 +5443,9 @@
         </p:nvSpPr>
         <p:spPr/>
         <p:txBody>
-          <a:bodyPr/>
+          <a:bodyPr>
+            <a:normAutofit/>
+          </a:bodyPr>
           <a:lstStyle/>
           <a:p>
             <a:r>
@@ -3508,7 +5516,9 @@
         </p:nvSpPr>
         <p:spPr/>
         <p:txBody>
-          <a:bodyPr/>
+          <a:bodyPr>
+            <a:normAutofit/>
+          </a:bodyPr>
           <a:lstStyle/>
           <a:p>
             <a:pPr>
@@ -3559,193 +5569,6 @@
                 </a:solidFill>
               </a:rPr>
               <a:t>Hamilton Fonte II</a:t>
-            </a:r>
-          </a:p>
-          <a:p>
-            <a:endParaRPr lang="en-US" dirty="0"/>
-          </a:p>
-        </p:txBody>
-      </p:sp>
-      <p:sp>
-        <p:nvSpPr>
-          <p:cNvPr id="4" name="Subtitle 2"/>
-          <p:cNvSpPr txBox="1">
-            <a:spLocks/>
-          </p:cNvSpPr>
-          <p:nvPr/>
-        </p:nvSpPr>
-        <p:spPr>
-          <a:xfrm>
-            <a:off x="1524000" y="6477000"/>
-            <a:ext cx="6400800" cy="304800"/>
-          </a:xfrm>
-          <a:prstGeom prst="rect">
-            <a:avLst/>
-          </a:prstGeom>
-        </p:spPr>
-        <p:txBody>
-          <a:bodyPr vert="horz" lIns="91440" tIns="45720" rIns="91440" bIns="45720" rtlCol="0">
-            <a:normAutofit fontScale="92500" lnSpcReduction="20000"/>
-          </a:bodyPr>
-          <a:lstStyle>
-            <a:lvl1pPr marL="0" indent="0" algn="ctr" defTabSz="914400" rtl="0" eaLnBrk="1" latinLnBrk="0" hangingPunct="1">
-              <a:spcBef>
-                <a:spcPct val="20000"/>
-              </a:spcBef>
-              <a:buFont typeface="Arial" pitchFamily="34" charset="0"/>
-              <a:buNone/>
-              <a:defRPr sz="3200" kern="1200">
-                <a:solidFill>
-                  <a:schemeClr val="tx1">
-                    <a:tint val="75000"/>
-                  </a:schemeClr>
-                </a:solidFill>
-                <a:latin typeface="+mn-lt"/>
-                <a:ea typeface="+mn-ea"/>
-                <a:cs typeface="+mn-cs"/>
-              </a:defRPr>
-            </a:lvl1pPr>
-            <a:lvl2pPr marL="457200" indent="0" algn="ctr" defTabSz="914400" rtl="0" eaLnBrk="1" latinLnBrk="0" hangingPunct="1">
-              <a:spcBef>
-                <a:spcPct val="20000"/>
-              </a:spcBef>
-              <a:buFont typeface="Arial" pitchFamily="34" charset="0"/>
-              <a:buNone/>
-              <a:defRPr sz="2800" kern="1200">
-                <a:solidFill>
-                  <a:schemeClr val="tx1">
-                    <a:tint val="75000"/>
-                  </a:schemeClr>
-                </a:solidFill>
-                <a:latin typeface="+mn-lt"/>
-                <a:ea typeface="+mn-ea"/>
-                <a:cs typeface="+mn-cs"/>
-              </a:defRPr>
-            </a:lvl2pPr>
-            <a:lvl3pPr marL="914400" indent="0" algn="ctr" defTabSz="914400" rtl="0" eaLnBrk="1" latinLnBrk="0" hangingPunct="1">
-              <a:spcBef>
-                <a:spcPct val="20000"/>
-              </a:spcBef>
-              <a:buFont typeface="Arial" pitchFamily="34" charset="0"/>
-              <a:buNone/>
-              <a:defRPr sz="2400" kern="1200">
-                <a:solidFill>
-                  <a:schemeClr val="tx1">
-                    <a:tint val="75000"/>
-                  </a:schemeClr>
-                </a:solidFill>
-                <a:latin typeface="+mn-lt"/>
-                <a:ea typeface="+mn-ea"/>
-                <a:cs typeface="+mn-cs"/>
-              </a:defRPr>
-            </a:lvl3pPr>
-            <a:lvl4pPr marL="1371600" indent="0" algn="ctr" defTabSz="914400" rtl="0" eaLnBrk="1" latinLnBrk="0" hangingPunct="1">
-              <a:spcBef>
-                <a:spcPct val="20000"/>
-              </a:spcBef>
-              <a:buFont typeface="Arial" pitchFamily="34" charset="0"/>
-              <a:buNone/>
-              <a:defRPr sz="2000" kern="1200">
-                <a:solidFill>
-                  <a:schemeClr val="tx1">
-                    <a:tint val="75000"/>
-                  </a:schemeClr>
-                </a:solidFill>
-                <a:latin typeface="+mn-lt"/>
-                <a:ea typeface="+mn-ea"/>
-                <a:cs typeface="+mn-cs"/>
-              </a:defRPr>
-            </a:lvl4pPr>
-            <a:lvl5pPr marL="1828800" indent="0" algn="ctr" defTabSz="914400" rtl="0" eaLnBrk="1" latinLnBrk="0" hangingPunct="1">
-              <a:spcBef>
-                <a:spcPct val="20000"/>
-              </a:spcBef>
-              <a:buFont typeface="Arial" pitchFamily="34" charset="0"/>
-              <a:buNone/>
-              <a:defRPr sz="2000" kern="1200">
-                <a:solidFill>
-                  <a:schemeClr val="tx1">
-                    <a:tint val="75000"/>
-                  </a:schemeClr>
-                </a:solidFill>
-                <a:latin typeface="+mn-lt"/>
-                <a:ea typeface="+mn-ea"/>
-                <a:cs typeface="+mn-cs"/>
-              </a:defRPr>
-            </a:lvl5pPr>
-            <a:lvl6pPr marL="2286000" indent="0" algn="ctr" defTabSz="914400" rtl="0" eaLnBrk="1" latinLnBrk="0" hangingPunct="1">
-              <a:spcBef>
-                <a:spcPct val="20000"/>
-              </a:spcBef>
-              <a:buFont typeface="Arial" pitchFamily="34" charset="0"/>
-              <a:buNone/>
-              <a:defRPr sz="2000" kern="1200">
-                <a:solidFill>
-                  <a:schemeClr val="tx1">
-                    <a:tint val="75000"/>
-                  </a:schemeClr>
-                </a:solidFill>
-                <a:latin typeface="+mn-lt"/>
-                <a:ea typeface="+mn-ea"/>
-                <a:cs typeface="+mn-cs"/>
-              </a:defRPr>
-            </a:lvl6pPr>
-            <a:lvl7pPr marL="2743200" indent="0" algn="ctr" defTabSz="914400" rtl="0" eaLnBrk="1" latinLnBrk="0" hangingPunct="1">
-              <a:spcBef>
-                <a:spcPct val="20000"/>
-              </a:spcBef>
-              <a:buFont typeface="Arial" pitchFamily="34" charset="0"/>
-              <a:buNone/>
-              <a:defRPr sz="2000" kern="1200">
-                <a:solidFill>
-                  <a:schemeClr val="tx1">
-                    <a:tint val="75000"/>
-                  </a:schemeClr>
-                </a:solidFill>
-                <a:latin typeface="+mn-lt"/>
-                <a:ea typeface="+mn-ea"/>
-                <a:cs typeface="+mn-cs"/>
-              </a:defRPr>
-            </a:lvl7pPr>
-            <a:lvl8pPr marL="3200400" indent="0" algn="ctr" defTabSz="914400" rtl="0" eaLnBrk="1" latinLnBrk="0" hangingPunct="1">
-              <a:spcBef>
-                <a:spcPct val="20000"/>
-              </a:spcBef>
-              <a:buFont typeface="Arial" pitchFamily="34" charset="0"/>
-              <a:buNone/>
-              <a:defRPr sz="2000" kern="1200">
-                <a:solidFill>
-                  <a:schemeClr val="tx1">
-                    <a:tint val="75000"/>
-                  </a:schemeClr>
-                </a:solidFill>
-                <a:latin typeface="+mn-lt"/>
-                <a:ea typeface="+mn-ea"/>
-                <a:cs typeface="+mn-cs"/>
-              </a:defRPr>
-            </a:lvl8pPr>
-            <a:lvl9pPr marL="3657600" indent="0" algn="ctr" defTabSz="914400" rtl="0" eaLnBrk="1" latinLnBrk="0" hangingPunct="1">
-              <a:spcBef>
-                <a:spcPct val="20000"/>
-              </a:spcBef>
-              <a:buFont typeface="Arial" pitchFamily="34" charset="0"/>
-              <a:buNone/>
-              <a:defRPr sz="2000" kern="1200">
-                <a:solidFill>
-                  <a:schemeClr val="tx1">
-                    <a:tint val="75000"/>
-                  </a:schemeClr>
-                </a:solidFill>
-                <a:latin typeface="+mn-lt"/>
-                <a:ea typeface="+mn-ea"/>
-                <a:cs typeface="+mn-cs"/>
-              </a:defRPr>
-            </a:lvl9pPr>
-          </a:lstStyle>
-          <a:p>
-            <a:r>
-              <a:rPr lang="pt-BR" sz="1800" dirty="0"/>
-              <a:t>Data da apresentação</a:t>
             </a:r>
           </a:p>
           <a:p>
@@ -3808,7 +5631,7 @@
             <a:spLocks noGrp="1"/>
           </p:cNvSpPr>
           <p:nvPr>
-            <p:ph idx="1"/>
+            <p:ph sz="quarter" idx="1"/>
           </p:nvPr>
         </p:nvSpPr>
         <p:spPr>
@@ -3833,7 +5656,7 @@
             </a:r>
             <a:r>
               <a:rPr lang="en-US" dirty="0" err="1"/>
-              <a:t>voo</a:t>
+              <a:t>vôo</a:t>
             </a:r>
             <a:r>
               <a:rPr lang="en-US" dirty="0"/>
@@ -3868,7 +5691,7 @@
             <a:spLocks noGrp="1"/>
           </p:cNvSpPr>
           <p:nvPr>
-            <p:ph type="sldNum" sz="quarter" idx="12"/>
+            <p:ph type="sldNum" sz="quarter" idx="15"/>
           </p:nvPr>
         </p:nvSpPr>
         <p:spPr/>
@@ -4301,7 +6124,7 @@
             <a:spLocks noGrp="1"/>
           </p:cNvSpPr>
           <p:nvPr>
-            <p:ph idx="1"/>
+            <p:ph sz="quarter" idx="1"/>
           </p:nvPr>
         </p:nvSpPr>
         <p:spPr>
@@ -4372,7 +6195,7 @@
             <a:spLocks noGrp="1"/>
           </p:cNvSpPr>
           <p:nvPr>
-            <p:ph type="sldNum" sz="quarter" idx="12"/>
+            <p:ph type="sldNum" sz="quarter" idx="15"/>
           </p:nvPr>
         </p:nvSpPr>
         <p:spPr/>
@@ -4398,14 +6221,14 @@
           <p:nvPr>
             <p:extLst>
               <p:ext uri="{D42A27DB-BD31-4B8C-83A1-F6EECF244321}">
-                <p14:modId xmlns:p14="http://schemas.microsoft.com/office/powerpoint/2010/main" val="1067363718"/>
+                <p14:modId xmlns:p14="http://schemas.microsoft.com/office/powerpoint/2010/main" val="1389486251"/>
               </p:ext>
             </p:extLst>
           </p:nvPr>
         </p:nvGraphicFramePr>
         <p:xfrm>
           <a:off x="2628900" y="2817778"/>
-          <a:ext cx="3886200" cy="3600520"/>
+          <a:ext cx="3886200" cy="3874840"/>
         </p:xfrm>
         <a:graphic>
           <a:graphicData uri="http://schemas.openxmlformats.org/drawingml/2006/table">
@@ -4438,7 +6261,7 @@
                       <a:pPr algn="ctr"/>
                       <a:r>
                         <a:rPr lang="pt-BR" dirty="0"/>
-                        <a:t>Fator contribuinte</a:t>
+                        <a:t>Classificação fator contribuinte</a:t>
                       </a:r>
                     </a:p>
                   </a:txBody>
@@ -4451,12 +6274,8 @@
                     <a:p>
                       <a:pPr algn="ctr"/>
                       <a:r>
-                        <a:rPr lang="pt-BR" dirty="0" err="1"/>
-                        <a:t>Ocorrêncais</a:t>
-                      </a:r>
-                      <a:r>
                         <a:rPr lang="pt-BR" dirty="0"/>
-                        <a:t> únicas</a:t>
+                        <a:t>Ocorrências únicas</a:t>
                       </a:r>
                     </a:p>
                   </a:txBody>
@@ -4655,7 +6474,7 @@
         </p:nvSpPr>
         <p:spPr>
           <a:xfrm>
-            <a:off x="2819400" y="3505200"/>
+            <a:off x="2743200" y="3733800"/>
             <a:ext cx="1676400" cy="1676400"/>
           </a:xfrm>
           <a:prstGeom prst="ellipse">
@@ -4753,12 +6572,12 @@
             <a:spLocks noGrp="1"/>
           </p:cNvSpPr>
           <p:nvPr>
-            <p:ph idx="1"/>
+            <p:ph sz="quarter" idx="1"/>
           </p:nvPr>
         </p:nvSpPr>
         <p:spPr>
           <a:xfrm>
-            <a:off x="457200" y="1143000"/>
+            <a:off x="457200" y="1295401"/>
             <a:ext cx="8229600" cy="1219199"/>
           </a:xfrm>
         </p:spPr>
@@ -4824,7 +6643,7 @@
             <a:spLocks noGrp="1"/>
           </p:cNvSpPr>
           <p:nvPr>
-            <p:ph type="sldNum" sz="quarter" idx="12"/>
+            <p:ph type="sldNum" sz="quarter" idx="15"/>
           </p:nvPr>
         </p:nvSpPr>
         <p:spPr/>
@@ -4856,8 +6675,8 @@
           </p:nvPr>
         </p:nvGraphicFramePr>
         <p:xfrm>
-          <a:off x="914398" y="2209800"/>
-          <a:ext cx="7162804" cy="4432568"/>
+          <a:off x="914398" y="2057400"/>
+          <a:ext cx="7162804" cy="4706888"/>
         </p:xfrm>
         <a:graphic>
           <a:graphicData uri="http://schemas.openxmlformats.org/drawingml/2006/table">
@@ -5418,15 +7237,43 @@
       </p:grpSpPr>
       <p:sp>
         <p:nvSpPr>
-          <p:cNvPr id="2" name="Título 1"/>
+          <p:cNvPr id="2" name="Title 1"/>
           <p:cNvSpPr>
             <a:spLocks noGrp="1"/>
           </p:cNvSpPr>
           <p:nvPr>
-            <p:ph type="ctrTitle"/>
+            <p:ph type="title"/>
           </p:nvPr>
         </p:nvSpPr>
         <p:spPr/>
+        <p:txBody>
+          <a:bodyPr/>
+          <a:lstStyle/>
+          <a:p>
+            <a:r>
+              <a:rPr lang="en-US" dirty="0" err="1"/>
+              <a:t>Descobertas</a:t>
+            </a:r>
+            <a:endParaRPr lang="en-US" dirty="0"/>
+          </a:p>
+        </p:txBody>
+      </p:sp>
+      <p:sp>
+        <p:nvSpPr>
+          <p:cNvPr id="3" name="Content Placeholder 2"/>
+          <p:cNvSpPr>
+            <a:spLocks noGrp="1"/>
+          </p:cNvSpPr>
+          <p:nvPr>
+            <p:ph sz="quarter" idx="1"/>
+          </p:nvPr>
+        </p:nvSpPr>
+        <p:spPr>
+          <a:xfrm>
+            <a:off x="457200" y="1295401"/>
+            <a:ext cx="8229600" cy="1219199"/>
+          </a:xfrm>
+        </p:spPr>
         <p:txBody>
           <a:bodyPr>
             <a:normAutofit/>
@@ -5434,21 +7281,31 @@
           <a:lstStyle/>
           <a:p>
             <a:r>
-              <a:rPr lang="pt-BR" sz="6000" dirty="0"/>
-              <a:t>Perguntas?</a:t>
-            </a:r>
-            <a:endParaRPr lang="en-US" sz="6000" dirty="0"/>
-          </a:p>
-        </p:txBody>
-      </p:sp>
-      <p:sp>
-        <p:nvSpPr>
-          <p:cNvPr id="6" name="Slide Number Placeholder 5"/>
+              <a:rPr lang="en-US" dirty="0"/>
+              <a:t>Status das </a:t>
+            </a:r>
+            <a:r>
+              <a:rPr lang="en-US" dirty="0" err="1"/>
+              <a:t>investigações</a:t>
+            </a:r>
+            <a:endParaRPr lang="en-US" dirty="0"/>
+          </a:p>
+          <a:p>
+            <a:pPr marL="0" indent="0">
+              <a:buNone/>
+            </a:pPr>
+            <a:endParaRPr lang="en-US" dirty="0"/>
+          </a:p>
+        </p:txBody>
+      </p:sp>
+      <p:sp>
+        <p:nvSpPr>
+          <p:cNvPr id="5" name="Slide Number Placeholder 4"/>
           <p:cNvSpPr>
             <a:spLocks noGrp="1"/>
           </p:cNvSpPr>
           <p:nvPr>
-            <p:ph type="sldNum" sz="quarter" idx="12"/>
+            <p:ph type="sldNum" sz="quarter" idx="15"/>
           </p:nvPr>
         </p:nvSpPr>
         <p:spPr/>
@@ -5465,29 +7322,1277 @@
           </a:p>
         </p:txBody>
       </p:sp>
-      <p:sp>
-        <p:nvSpPr>
-          <p:cNvPr id="4" name="Subtítulo 3"/>
-          <p:cNvSpPr>
-            <a:spLocks noGrp="1"/>
-          </p:cNvSpPr>
-          <p:nvPr>
-            <p:ph type="subTitle" idx="1"/>
-          </p:nvPr>
-        </p:nvSpPr>
-        <p:spPr/>
-        <p:txBody>
-          <a:bodyPr/>
-          <a:lstStyle/>
-          <a:p>
-            <a:endParaRPr lang="pt-BR"/>
-          </a:p>
-        </p:txBody>
-      </p:sp>
+      <p:graphicFrame>
+        <p:nvGraphicFramePr>
+          <p:cNvPr id="10" name="Tabela 9"/>
+          <p:cNvGraphicFramePr>
+            <a:graphicFrameLocks noGrp="1"/>
+          </p:cNvGraphicFramePr>
+          <p:nvPr/>
+        </p:nvGraphicFramePr>
+        <p:xfrm>
+          <a:off x="762000" y="2057400"/>
+          <a:ext cx="7010400" cy="4266565"/>
+        </p:xfrm>
+        <a:graphic>
+          <a:graphicData uri="http://schemas.openxmlformats.org/drawingml/2006/table">
+            <a:tbl>
+              <a:tblPr firstRow="1" bandRow="1">
+                <a:tableStyleId>{5C22544A-7EE6-4342-B048-85BDC9FD1C3A}</a:tableStyleId>
+              </a:tblPr>
+              <a:tblGrid>
+                <a:gridCol w="771144">
+                  <a:extLst>
+                    <a:ext uri="{9D8B030D-6E8A-4147-A177-3AD203B41FA5}">
+                      <a16:colId xmlns:a16="http://schemas.microsoft.com/office/drawing/2014/main" val="20000"/>
+                    </a:ext>
+                  </a:extLst>
+                </a:gridCol>
+                <a:gridCol w="1667256">
+                  <a:extLst>
+                    <a:ext uri="{9D8B030D-6E8A-4147-A177-3AD203B41FA5}">
+                      <a16:colId xmlns:a16="http://schemas.microsoft.com/office/drawing/2014/main" val="20001"/>
+                    </a:ext>
+                  </a:extLst>
+                </a:gridCol>
+                <a:gridCol w="1752600">
+                  <a:extLst>
+                    <a:ext uri="{9D8B030D-6E8A-4147-A177-3AD203B41FA5}">
+                      <a16:colId xmlns:a16="http://schemas.microsoft.com/office/drawing/2014/main" val="20002"/>
+                    </a:ext>
+                  </a:extLst>
+                </a:gridCol>
+                <a:gridCol w="1066800">
+                  <a:extLst>
+                    <a:ext uri="{9D8B030D-6E8A-4147-A177-3AD203B41FA5}">
+                      <a16:colId xmlns:a16="http://schemas.microsoft.com/office/drawing/2014/main" val="20003"/>
+                    </a:ext>
+                  </a:extLst>
+                </a:gridCol>
+                <a:gridCol w="1752600">
+                  <a:extLst>
+                    <a:ext uri="{9D8B030D-6E8A-4147-A177-3AD203B41FA5}">
+                      <a16:colId xmlns:a16="http://schemas.microsoft.com/office/drawing/2014/main" val="20004"/>
+                    </a:ext>
+                  </a:extLst>
+                </a:gridCol>
+              </a:tblGrid>
+              <a:tr h="370840">
+                <a:tc>
+                  <a:txBody>
+                    <a:bodyPr/>
+                    <a:lstStyle/>
+                    <a:p>
+                      <a:pPr algn="ctr" fontAlgn="b"/>
+                      <a:r>
+                        <a:rPr kumimoji="0" lang="pt-BR" b="1" kern="1200" dirty="0">
+                          <a:solidFill>
+                            <a:schemeClr val="lt1"/>
+                          </a:solidFill>
+                          <a:latin typeface="+mn-lt"/>
+                          <a:ea typeface="+mn-ea"/>
+                          <a:cs typeface="+mn-cs"/>
+                        </a:rPr>
+                        <a:t>Ano</a:t>
+                      </a:r>
+                    </a:p>
+                  </a:txBody>
+                  <a:tcPr marL="9525" marR="9525" marT="9525" marB="0" anchor="b"/>
+                </a:tc>
+                <a:tc>
+                  <a:txBody>
+                    <a:bodyPr/>
+                    <a:lstStyle/>
+                    <a:p>
+                      <a:pPr algn="ctr" fontAlgn="b"/>
+                      <a:r>
+                        <a:rPr kumimoji="0" lang="pt-BR" b="1" kern="1200" dirty="0">
+                          <a:solidFill>
+                            <a:schemeClr val="lt1"/>
+                          </a:solidFill>
+                          <a:latin typeface="+mn-lt"/>
+                          <a:ea typeface="+mn-ea"/>
+                          <a:cs typeface="+mn-cs"/>
+                        </a:rPr>
+                        <a:t>Num investigadas</a:t>
+                      </a:r>
+                    </a:p>
+                  </a:txBody>
+                  <a:tcPr marL="9525" marR="9525" marT="9525" marB="0" anchor="b"/>
+                </a:tc>
+                <a:tc>
+                  <a:txBody>
+                    <a:bodyPr/>
+                    <a:lstStyle/>
+                    <a:p>
+                      <a:pPr algn="ctr" fontAlgn="b"/>
+                      <a:r>
+                        <a:rPr kumimoji="0" lang="pt-BR" b="1" kern="1200" dirty="0">
+                          <a:solidFill>
+                            <a:schemeClr val="lt1"/>
+                          </a:solidFill>
+                          <a:latin typeface="+mn-lt"/>
+                          <a:ea typeface="+mn-ea"/>
+                          <a:cs typeface="+mn-cs"/>
+                        </a:rPr>
+                        <a:t>Num em investigação</a:t>
+                      </a:r>
+                    </a:p>
+                  </a:txBody>
+                  <a:tcPr marL="9525" marR="9525" marT="9525" marB="0" anchor="b"/>
+                </a:tc>
+                <a:tc>
+                  <a:txBody>
+                    <a:bodyPr/>
+                    <a:lstStyle/>
+                    <a:p>
+                      <a:pPr algn="ctr" fontAlgn="b"/>
+                      <a:r>
+                        <a:rPr kumimoji="0" lang="pt-BR" b="1" kern="1200" dirty="0">
+                          <a:solidFill>
+                            <a:schemeClr val="lt1"/>
+                          </a:solidFill>
+                          <a:latin typeface="+mn-lt"/>
+                          <a:ea typeface="+mn-ea"/>
+                          <a:cs typeface="+mn-cs"/>
+                        </a:rPr>
+                        <a:t>Num na fila</a:t>
+                      </a:r>
+                    </a:p>
+                  </a:txBody>
+                  <a:tcPr marL="9525" marR="9525" marT="9525" marB="0" anchor="b"/>
+                </a:tc>
+                <a:tc>
+                  <a:txBody>
+                    <a:bodyPr/>
+                    <a:lstStyle/>
+                    <a:p>
+                      <a:pPr algn="ctr" fontAlgn="b"/>
+                      <a:r>
+                        <a:rPr kumimoji="0" lang="pt-BR" b="1" kern="1200" dirty="0">
+                          <a:solidFill>
+                            <a:schemeClr val="lt1"/>
+                          </a:solidFill>
+                          <a:latin typeface="+mn-lt"/>
+                          <a:ea typeface="+mn-ea"/>
+                          <a:cs typeface="+mn-cs"/>
+                        </a:rPr>
+                        <a:t>Não serão investigadas</a:t>
+                      </a:r>
+                    </a:p>
+                  </a:txBody>
+                  <a:tcPr marL="9525" marR="9525" marT="9525" marB="0" anchor="b"/>
+                </a:tc>
+                <a:extLst>
+                  <a:ext uri="{0D108BD9-81ED-4DB2-BD59-A6C34878D82A}">
+                    <a16:rowId xmlns:a16="http://schemas.microsoft.com/office/drawing/2014/main" val="10000"/>
+                  </a:ext>
+                </a:extLst>
+              </a:tr>
+              <a:tr h="370840">
+                <a:tc>
+                  <a:txBody>
+                    <a:bodyPr/>
+                    <a:lstStyle/>
+                    <a:p>
+                      <a:pPr marL="0" algn="ctr" rtl="0" eaLnBrk="1" fontAlgn="b" latinLnBrk="0" hangingPunct="1"/>
+                      <a:r>
+                        <a:rPr kumimoji="0" lang="pt-BR" kern="1200" dirty="0">
+                          <a:solidFill>
+                            <a:schemeClr val="dk1"/>
+                          </a:solidFill>
+                          <a:latin typeface="+mn-lt"/>
+                          <a:ea typeface="+mn-ea"/>
+                          <a:cs typeface="+mn-cs"/>
+                        </a:rPr>
+                        <a:t>2006</a:t>
+                      </a:r>
+                    </a:p>
+                  </a:txBody>
+                  <a:tcPr marL="9525" marR="9525" marT="9525" marB="0" anchor="b"/>
+                </a:tc>
+                <a:tc>
+                  <a:txBody>
+                    <a:bodyPr/>
+                    <a:lstStyle/>
+                    <a:p>
+                      <a:pPr marL="0" algn="ctr" rtl="0" eaLnBrk="1" fontAlgn="b" latinLnBrk="0" hangingPunct="1"/>
+                      <a:r>
+                        <a:rPr kumimoji="0" lang="pt-BR" kern="1200" dirty="0">
+                          <a:solidFill>
+                            <a:schemeClr val="dk1"/>
+                          </a:solidFill>
+                          <a:latin typeface="+mn-lt"/>
+                          <a:ea typeface="+mn-ea"/>
+                          <a:cs typeface="+mn-cs"/>
+                        </a:rPr>
+                        <a:t>31</a:t>
+                      </a:r>
+                    </a:p>
+                  </a:txBody>
+                  <a:tcPr marL="9525" marR="9525" marT="9525" marB="0" anchor="b"/>
+                </a:tc>
+                <a:tc>
+                  <a:txBody>
+                    <a:bodyPr/>
+                    <a:lstStyle/>
+                    <a:p>
+                      <a:pPr marL="0" algn="ctr" rtl="0" eaLnBrk="1" fontAlgn="b" latinLnBrk="0" hangingPunct="1"/>
+                      <a:r>
+                        <a:rPr kumimoji="0" lang="pt-BR" kern="1200" dirty="0">
+                          <a:solidFill>
+                            <a:schemeClr val="dk1"/>
+                          </a:solidFill>
+                          <a:latin typeface="+mn-lt"/>
+                          <a:ea typeface="+mn-ea"/>
+                          <a:cs typeface="+mn-cs"/>
+                        </a:rPr>
+                        <a:t>83</a:t>
+                      </a:r>
+                    </a:p>
+                  </a:txBody>
+                  <a:tcPr marL="9525" marR="9525" marT="9525" marB="0" anchor="b"/>
+                </a:tc>
+                <a:tc>
+                  <a:txBody>
+                    <a:bodyPr/>
+                    <a:lstStyle/>
+                    <a:p>
+                      <a:pPr marL="0" algn="ctr" rtl="0" eaLnBrk="1" fontAlgn="b" latinLnBrk="0" hangingPunct="1"/>
+                      <a:r>
+                        <a:rPr kumimoji="0" lang="pt-BR" kern="1200" dirty="0">
+                          <a:solidFill>
+                            <a:schemeClr val="dk1"/>
+                          </a:solidFill>
+                          <a:latin typeface="+mn-lt"/>
+                          <a:ea typeface="+mn-ea"/>
+                          <a:cs typeface="+mn-cs"/>
+                        </a:rPr>
+                        <a:t>86</a:t>
+                      </a:r>
+                    </a:p>
+                  </a:txBody>
+                  <a:tcPr marL="9525" marR="9525" marT="9525" marB="0" anchor="b"/>
+                </a:tc>
+                <a:tc>
+                  <a:txBody>
+                    <a:bodyPr/>
+                    <a:lstStyle/>
+                    <a:p>
+                      <a:pPr marL="0" algn="ctr" rtl="0" eaLnBrk="1" fontAlgn="b" latinLnBrk="0" hangingPunct="1"/>
+                      <a:endParaRPr kumimoji="0" lang="pt-BR" kern="1200" dirty="0">
+                        <a:solidFill>
+                          <a:schemeClr val="dk1"/>
+                        </a:solidFill>
+                        <a:latin typeface="+mn-lt"/>
+                        <a:ea typeface="+mn-ea"/>
+                        <a:cs typeface="+mn-cs"/>
+                      </a:endParaRPr>
+                    </a:p>
+                  </a:txBody>
+                  <a:tcPr marL="9525" marR="9525" marT="9525" marB="0" anchor="b"/>
+                </a:tc>
+                <a:extLst>
+                  <a:ext uri="{0D108BD9-81ED-4DB2-BD59-A6C34878D82A}">
+                    <a16:rowId xmlns:a16="http://schemas.microsoft.com/office/drawing/2014/main" val="10001"/>
+                  </a:ext>
+                </a:extLst>
+              </a:tr>
+              <a:tr h="370840">
+                <a:tc>
+                  <a:txBody>
+                    <a:bodyPr/>
+                    <a:lstStyle/>
+                    <a:p>
+                      <a:pPr marL="0" algn="ctr" rtl="0" eaLnBrk="1" fontAlgn="b" latinLnBrk="0" hangingPunct="1"/>
+                      <a:r>
+                        <a:rPr kumimoji="0" lang="pt-BR" kern="1200" dirty="0">
+                          <a:solidFill>
+                            <a:schemeClr val="dk1"/>
+                          </a:solidFill>
+                          <a:latin typeface="+mn-lt"/>
+                          <a:ea typeface="+mn-ea"/>
+                          <a:cs typeface="+mn-cs"/>
+                        </a:rPr>
+                        <a:t>2007</a:t>
+                      </a:r>
+                    </a:p>
+                  </a:txBody>
+                  <a:tcPr marL="9525" marR="9525" marT="9525" marB="0" anchor="b"/>
+                </a:tc>
+                <a:tc>
+                  <a:txBody>
+                    <a:bodyPr/>
+                    <a:lstStyle/>
+                    <a:p>
+                      <a:pPr marL="0" algn="ctr" rtl="0" eaLnBrk="1" fontAlgn="b" latinLnBrk="0" hangingPunct="1"/>
+                      <a:r>
+                        <a:rPr kumimoji="0" lang="pt-BR" kern="1200" dirty="0">
+                          <a:solidFill>
+                            <a:schemeClr val="dk1"/>
+                          </a:solidFill>
+                          <a:latin typeface="+mn-lt"/>
+                          <a:ea typeface="+mn-ea"/>
+                          <a:cs typeface="+mn-cs"/>
+                        </a:rPr>
+                        <a:t>73</a:t>
+                      </a:r>
+                    </a:p>
+                  </a:txBody>
+                  <a:tcPr marL="9525" marR="9525" marT="9525" marB="0" anchor="b"/>
+                </a:tc>
+                <a:tc>
+                  <a:txBody>
+                    <a:bodyPr/>
+                    <a:lstStyle/>
+                    <a:p>
+                      <a:pPr marL="0" algn="ctr" rtl="0" eaLnBrk="1" fontAlgn="b" latinLnBrk="0" hangingPunct="1"/>
+                      <a:r>
+                        <a:rPr kumimoji="0" lang="pt-BR" kern="1200" dirty="0">
+                          <a:solidFill>
+                            <a:schemeClr val="dk1"/>
+                          </a:solidFill>
+                          <a:latin typeface="+mn-lt"/>
+                          <a:ea typeface="+mn-ea"/>
+                          <a:cs typeface="+mn-cs"/>
+                        </a:rPr>
+                        <a:t>51</a:t>
+                      </a:r>
+                    </a:p>
+                  </a:txBody>
+                  <a:tcPr marL="9525" marR="9525" marT="9525" marB="0" anchor="b"/>
+                </a:tc>
+                <a:tc>
+                  <a:txBody>
+                    <a:bodyPr/>
+                    <a:lstStyle/>
+                    <a:p>
+                      <a:pPr marL="0" algn="ctr" rtl="0" eaLnBrk="1" fontAlgn="b" latinLnBrk="0" hangingPunct="1"/>
+                      <a:r>
+                        <a:rPr kumimoji="0" lang="pt-BR" kern="1200" dirty="0">
+                          <a:solidFill>
+                            <a:schemeClr val="dk1"/>
+                          </a:solidFill>
+                          <a:latin typeface="+mn-lt"/>
+                          <a:ea typeface="+mn-ea"/>
+                          <a:cs typeface="+mn-cs"/>
+                        </a:rPr>
+                        <a:t>53</a:t>
+                      </a:r>
+                    </a:p>
+                  </a:txBody>
+                  <a:tcPr marL="9525" marR="9525" marT="9525" marB="0" anchor="b"/>
+                </a:tc>
+                <a:tc>
+                  <a:txBody>
+                    <a:bodyPr/>
+                    <a:lstStyle/>
+                    <a:p>
+                      <a:pPr marL="0" algn="ctr" rtl="0" eaLnBrk="1" fontAlgn="b" latinLnBrk="0" hangingPunct="1"/>
+                      <a:endParaRPr kumimoji="0" lang="pt-BR" kern="1200" dirty="0">
+                        <a:solidFill>
+                          <a:schemeClr val="dk1"/>
+                        </a:solidFill>
+                        <a:latin typeface="+mn-lt"/>
+                        <a:ea typeface="+mn-ea"/>
+                        <a:cs typeface="+mn-cs"/>
+                      </a:endParaRPr>
+                    </a:p>
+                  </a:txBody>
+                  <a:tcPr marL="9525" marR="9525" marT="9525" marB="0" anchor="b"/>
+                </a:tc>
+                <a:extLst>
+                  <a:ext uri="{0D108BD9-81ED-4DB2-BD59-A6C34878D82A}">
+                    <a16:rowId xmlns:a16="http://schemas.microsoft.com/office/drawing/2014/main" val="10002"/>
+                  </a:ext>
+                </a:extLst>
+              </a:tr>
+              <a:tr h="370840">
+                <a:tc>
+                  <a:txBody>
+                    <a:bodyPr/>
+                    <a:lstStyle/>
+                    <a:p>
+                      <a:pPr marL="0" algn="ctr" rtl="0" eaLnBrk="1" fontAlgn="b" latinLnBrk="0" hangingPunct="1"/>
+                      <a:r>
+                        <a:rPr kumimoji="0" lang="pt-BR" kern="1200" dirty="0">
+                          <a:solidFill>
+                            <a:schemeClr val="dk1"/>
+                          </a:solidFill>
+                          <a:latin typeface="+mn-lt"/>
+                          <a:ea typeface="+mn-ea"/>
+                          <a:cs typeface="+mn-cs"/>
+                        </a:rPr>
+                        <a:t>2008</a:t>
+                      </a:r>
+                    </a:p>
+                  </a:txBody>
+                  <a:tcPr marL="9525" marR="9525" marT="9525" marB="0" anchor="b"/>
+                </a:tc>
+                <a:tc>
+                  <a:txBody>
+                    <a:bodyPr/>
+                    <a:lstStyle/>
+                    <a:p>
+                      <a:pPr marL="0" algn="ctr" rtl="0" eaLnBrk="1" fontAlgn="b" latinLnBrk="0" hangingPunct="1"/>
+                      <a:r>
+                        <a:rPr kumimoji="0" lang="pt-BR" kern="1200" dirty="0">
+                          <a:solidFill>
+                            <a:schemeClr val="dk1"/>
+                          </a:solidFill>
+                          <a:latin typeface="+mn-lt"/>
+                          <a:ea typeface="+mn-ea"/>
+                          <a:cs typeface="+mn-cs"/>
+                        </a:rPr>
+                        <a:t>78</a:t>
+                      </a:r>
+                    </a:p>
+                  </a:txBody>
+                  <a:tcPr marL="9525" marR="9525" marT="9525" marB="0" anchor="b"/>
+                </a:tc>
+                <a:tc>
+                  <a:txBody>
+                    <a:bodyPr/>
+                    <a:lstStyle/>
+                    <a:p>
+                      <a:pPr marL="0" algn="ctr" rtl="0" eaLnBrk="1" fontAlgn="b" latinLnBrk="0" hangingPunct="1"/>
+                      <a:r>
+                        <a:rPr kumimoji="0" lang="pt-BR" kern="1200" dirty="0">
+                          <a:solidFill>
+                            <a:schemeClr val="dk1"/>
+                          </a:solidFill>
+                          <a:latin typeface="+mn-lt"/>
+                          <a:ea typeface="+mn-ea"/>
+                          <a:cs typeface="+mn-cs"/>
+                        </a:rPr>
+                        <a:t>67</a:t>
+                      </a:r>
+                    </a:p>
+                  </a:txBody>
+                  <a:tcPr marL="9525" marR="9525" marT="9525" marB="0" anchor="b"/>
+                </a:tc>
+                <a:tc>
+                  <a:txBody>
+                    <a:bodyPr/>
+                    <a:lstStyle/>
+                    <a:p>
+                      <a:pPr marL="0" algn="ctr" rtl="0" eaLnBrk="1" fontAlgn="b" latinLnBrk="0" hangingPunct="1"/>
+                      <a:r>
+                        <a:rPr kumimoji="0" lang="pt-BR" kern="1200" dirty="0">
+                          <a:solidFill>
+                            <a:schemeClr val="dk1"/>
+                          </a:solidFill>
+                          <a:latin typeface="+mn-lt"/>
+                          <a:ea typeface="+mn-ea"/>
+                          <a:cs typeface="+mn-cs"/>
+                        </a:rPr>
+                        <a:t>69</a:t>
+                      </a:r>
+                    </a:p>
+                  </a:txBody>
+                  <a:tcPr marL="9525" marR="9525" marT="9525" marB="0" anchor="b"/>
+                </a:tc>
+                <a:tc>
+                  <a:txBody>
+                    <a:bodyPr/>
+                    <a:lstStyle/>
+                    <a:p>
+                      <a:pPr marL="0" algn="ctr" rtl="0" eaLnBrk="1" fontAlgn="b" latinLnBrk="0" hangingPunct="1"/>
+                      <a:r>
+                        <a:rPr kumimoji="0" lang="pt-BR" kern="1200" dirty="0">
+                          <a:solidFill>
+                            <a:schemeClr val="dk1"/>
+                          </a:solidFill>
+                          <a:latin typeface="+mn-lt"/>
+                          <a:ea typeface="+mn-ea"/>
+                          <a:cs typeface="+mn-cs"/>
+                        </a:rPr>
+                        <a:t>1</a:t>
+                      </a:r>
+                    </a:p>
+                  </a:txBody>
+                  <a:tcPr marL="9525" marR="9525" marT="9525" marB="0" anchor="b"/>
+                </a:tc>
+                <a:extLst>
+                  <a:ext uri="{0D108BD9-81ED-4DB2-BD59-A6C34878D82A}">
+                    <a16:rowId xmlns:a16="http://schemas.microsoft.com/office/drawing/2014/main" val="10003"/>
+                  </a:ext>
+                </a:extLst>
+              </a:tr>
+              <a:tr h="370840">
+                <a:tc>
+                  <a:txBody>
+                    <a:bodyPr/>
+                    <a:lstStyle/>
+                    <a:p>
+                      <a:pPr marL="0" algn="ctr" rtl="0" eaLnBrk="1" fontAlgn="b" latinLnBrk="0" hangingPunct="1"/>
+                      <a:r>
+                        <a:rPr kumimoji="0" lang="pt-BR" kern="1200" dirty="0">
+                          <a:solidFill>
+                            <a:schemeClr val="dk1"/>
+                          </a:solidFill>
+                          <a:latin typeface="+mn-lt"/>
+                          <a:ea typeface="+mn-ea"/>
+                          <a:cs typeface="+mn-cs"/>
+                        </a:rPr>
+                        <a:t>2009</a:t>
+                      </a:r>
+                    </a:p>
+                  </a:txBody>
+                  <a:tcPr marL="9525" marR="9525" marT="9525" marB="0" anchor="b"/>
+                </a:tc>
+                <a:tc>
+                  <a:txBody>
+                    <a:bodyPr/>
+                    <a:lstStyle/>
+                    <a:p>
+                      <a:pPr marL="0" algn="ctr" rtl="0" eaLnBrk="1" fontAlgn="b" latinLnBrk="0" hangingPunct="1"/>
+                      <a:r>
+                        <a:rPr kumimoji="0" lang="pt-BR" kern="1200" dirty="0">
+                          <a:solidFill>
+                            <a:schemeClr val="dk1"/>
+                          </a:solidFill>
+                          <a:latin typeface="+mn-lt"/>
+                          <a:ea typeface="+mn-ea"/>
+                          <a:cs typeface="+mn-cs"/>
+                        </a:rPr>
+                        <a:t>95</a:t>
+                      </a:r>
+                    </a:p>
+                  </a:txBody>
+                  <a:tcPr marL="9525" marR="9525" marT="9525" marB="0" anchor="b"/>
+                </a:tc>
+                <a:tc>
+                  <a:txBody>
+                    <a:bodyPr/>
+                    <a:lstStyle/>
+                    <a:p>
+                      <a:pPr marL="0" algn="ctr" rtl="0" eaLnBrk="1" fontAlgn="b" latinLnBrk="0" hangingPunct="1"/>
+                      <a:r>
+                        <a:rPr kumimoji="0" lang="pt-BR" kern="1200" dirty="0">
+                          <a:solidFill>
+                            <a:schemeClr val="dk1"/>
+                          </a:solidFill>
+                          <a:latin typeface="+mn-lt"/>
+                          <a:ea typeface="+mn-ea"/>
+                          <a:cs typeface="+mn-cs"/>
+                        </a:rPr>
+                        <a:t>59</a:t>
+                      </a:r>
+                    </a:p>
+                  </a:txBody>
+                  <a:tcPr marL="9525" marR="9525" marT="9525" marB="0" anchor="b"/>
+                </a:tc>
+                <a:tc>
+                  <a:txBody>
+                    <a:bodyPr/>
+                    <a:lstStyle/>
+                    <a:p>
+                      <a:pPr marL="0" algn="ctr" rtl="0" eaLnBrk="1" fontAlgn="b" latinLnBrk="0" hangingPunct="1"/>
+                      <a:r>
+                        <a:rPr kumimoji="0" lang="pt-BR" kern="1200" dirty="0">
+                          <a:solidFill>
+                            <a:schemeClr val="dk1"/>
+                          </a:solidFill>
+                          <a:latin typeface="+mn-lt"/>
+                          <a:ea typeface="+mn-ea"/>
+                          <a:cs typeface="+mn-cs"/>
+                        </a:rPr>
+                        <a:t>61</a:t>
+                      </a:r>
+                    </a:p>
+                  </a:txBody>
+                  <a:tcPr marL="9525" marR="9525" marT="9525" marB="0" anchor="b"/>
+                </a:tc>
+                <a:tc>
+                  <a:txBody>
+                    <a:bodyPr/>
+                    <a:lstStyle/>
+                    <a:p>
+                      <a:pPr marL="0" algn="ctr" rtl="0" eaLnBrk="1" fontAlgn="b" latinLnBrk="0" hangingPunct="1"/>
+                      <a:endParaRPr kumimoji="0" lang="pt-BR" kern="1200" dirty="0">
+                        <a:solidFill>
+                          <a:schemeClr val="dk1"/>
+                        </a:solidFill>
+                        <a:latin typeface="+mn-lt"/>
+                        <a:ea typeface="+mn-ea"/>
+                        <a:cs typeface="+mn-cs"/>
+                      </a:endParaRPr>
+                    </a:p>
+                  </a:txBody>
+                  <a:tcPr marL="9525" marR="9525" marT="9525" marB="0" anchor="b"/>
+                </a:tc>
+                <a:extLst>
+                  <a:ext uri="{0D108BD9-81ED-4DB2-BD59-A6C34878D82A}">
+                    <a16:rowId xmlns:a16="http://schemas.microsoft.com/office/drawing/2014/main" val="10004"/>
+                  </a:ext>
+                </a:extLst>
+              </a:tr>
+              <a:tr h="370840">
+                <a:tc>
+                  <a:txBody>
+                    <a:bodyPr/>
+                    <a:lstStyle/>
+                    <a:p>
+                      <a:pPr marL="0" algn="ctr" rtl="0" eaLnBrk="1" fontAlgn="b" latinLnBrk="0" hangingPunct="1"/>
+                      <a:r>
+                        <a:rPr kumimoji="0" lang="pt-BR" kern="1200" dirty="0">
+                          <a:solidFill>
+                            <a:schemeClr val="dk1"/>
+                          </a:solidFill>
+                          <a:latin typeface="+mn-lt"/>
+                          <a:ea typeface="+mn-ea"/>
+                          <a:cs typeface="+mn-cs"/>
+                        </a:rPr>
+                        <a:t>2010</a:t>
+                      </a:r>
+                    </a:p>
+                  </a:txBody>
+                  <a:tcPr marL="9525" marR="9525" marT="9525" marB="0" anchor="b"/>
+                </a:tc>
+                <a:tc>
+                  <a:txBody>
+                    <a:bodyPr/>
+                    <a:lstStyle/>
+                    <a:p>
+                      <a:pPr marL="0" algn="ctr" rtl="0" eaLnBrk="1" fontAlgn="b" latinLnBrk="0" hangingPunct="1"/>
+                      <a:r>
+                        <a:rPr kumimoji="0" lang="pt-BR" kern="1200" dirty="0">
+                          <a:solidFill>
+                            <a:schemeClr val="dk1"/>
+                          </a:solidFill>
+                          <a:latin typeface="+mn-lt"/>
+                          <a:ea typeface="+mn-ea"/>
+                          <a:cs typeface="+mn-cs"/>
+                        </a:rPr>
+                        <a:t>115</a:t>
+                      </a:r>
+                    </a:p>
+                  </a:txBody>
+                  <a:tcPr marL="9525" marR="9525" marT="9525" marB="0" anchor="b"/>
+                </a:tc>
+                <a:tc>
+                  <a:txBody>
+                    <a:bodyPr/>
+                    <a:lstStyle/>
+                    <a:p>
+                      <a:pPr marL="0" algn="ctr" rtl="0" eaLnBrk="1" fontAlgn="b" latinLnBrk="0" hangingPunct="1"/>
+                      <a:r>
+                        <a:rPr kumimoji="0" lang="pt-BR" kern="1200" dirty="0">
+                          <a:solidFill>
+                            <a:schemeClr val="dk1"/>
+                          </a:solidFill>
+                          <a:latin typeface="+mn-lt"/>
+                          <a:ea typeface="+mn-ea"/>
+                          <a:cs typeface="+mn-cs"/>
+                        </a:rPr>
+                        <a:t>58</a:t>
+                      </a:r>
+                    </a:p>
+                  </a:txBody>
+                  <a:tcPr marL="9525" marR="9525" marT="9525" marB="0" anchor="b"/>
+                </a:tc>
+                <a:tc>
+                  <a:txBody>
+                    <a:bodyPr/>
+                    <a:lstStyle/>
+                    <a:p>
+                      <a:pPr marL="0" algn="ctr" rtl="0" eaLnBrk="1" fontAlgn="b" latinLnBrk="0" hangingPunct="1"/>
+                      <a:r>
+                        <a:rPr kumimoji="0" lang="pt-BR" kern="1200" dirty="0">
+                          <a:solidFill>
+                            <a:schemeClr val="dk1"/>
+                          </a:solidFill>
+                          <a:latin typeface="+mn-lt"/>
+                          <a:ea typeface="+mn-ea"/>
+                          <a:cs typeface="+mn-cs"/>
+                        </a:rPr>
+                        <a:t>79</a:t>
+                      </a:r>
+                    </a:p>
+                  </a:txBody>
+                  <a:tcPr marL="9525" marR="9525" marT="9525" marB="0" anchor="b"/>
+                </a:tc>
+                <a:tc>
+                  <a:txBody>
+                    <a:bodyPr/>
+                    <a:lstStyle/>
+                    <a:p>
+                      <a:pPr marL="0" algn="ctr" rtl="0" eaLnBrk="1" fontAlgn="b" latinLnBrk="0" hangingPunct="1"/>
+                      <a:endParaRPr kumimoji="0" lang="pt-BR" kern="1200" dirty="0">
+                        <a:solidFill>
+                          <a:schemeClr val="dk1"/>
+                        </a:solidFill>
+                        <a:latin typeface="+mn-lt"/>
+                        <a:ea typeface="+mn-ea"/>
+                        <a:cs typeface="+mn-cs"/>
+                      </a:endParaRPr>
+                    </a:p>
+                  </a:txBody>
+                  <a:tcPr marL="9525" marR="9525" marT="9525" marB="0" anchor="b"/>
+                </a:tc>
+                <a:extLst>
+                  <a:ext uri="{0D108BD9-81ED-4DB2-BD59-A6C34878D82A}">
+                    <a16:rowId xmlns:a16="http://schemas.microsoft.com/office/drawing/2014/main" val="10005"/>
+                  </a:ext>
+                </a:extLst>
+              </a:tr>
+              <a:tr h="370840">
+                <a:tc>
+                  <a:txBody>
+                    <a:bodyPr/>
+                    <a:lstStyle/>
+                    <a:p>
+                      <a:pPr marL="0" algn="ctr" rtl="0" eaLnBrk="1" fontAlgn="b" latinLnBrk="0" hangingPunct="1"/>
+                      <a:r>
+                        <a:rPr kumimoji="0" lang="pt-BR" kern="1200" dirty="0">
+                          <a:solidFill>
+                            <a:schemeClr val="dk1"/>
+                          </a:solidFill>
+                          <a:latin typeface="+mn-lt"/>
+                          <a:ea typeface="+mn-ea"/>
+                          <a:cs typeface="+mn-cs"/>
+                        </a:rPr>
+                        <a:t>2011</a:t>
+                      </a:r>
+                    </a:p>
+                  </a:txBody>
+                  <a:tcPr marL="9525" marR="9525" marT="9525" marB="0" anchor="b"/>
+                </a:tc>
+                <a:tc>
+                  <a:txBody>
+                    <a:bodyPr/>
+                    <a:lstStyle/>
+                    <a:p>
+                      <a:pPr marL="0" algn="ctr" rtl="0" eaLnBrk="1" fontAlgn="b" latinLnBrk="0" hangingPunct="1"/>
+                      <a:r>
+                        <a:rPr kumimoji="0" lang="pt-BR" kern="1200" dirty="0">
+                          <a:solidFill>
+                            <a:schemeClr val="dk1"/>
+                          </a:solidFill>
+                          <a:latin typeface="+mn-lt"/>
+                          <a:ea typeface="+mn-ea"/>
+                          <a:cs typeface="+mn-cs"/>
+                        </a:rPr>
+                        <a:t>110</a:t>
+                      </a:r>
+                    </a:p>
+                  </a:txBody>
+                  <a:tcPr marL="9525" marR="9525" marT="9525" marB="0" anchor="b"/>
+                </a:tc>
+                <a:tc>
+                  <a:txBody>
+                    <a:bodyPr/>
+                    <a:lstStyle/>
+                    <a:p>
+                      <a:pPr marL="0" algn="ctr" rtl="0" eaLnBrk="1" fontAlgn="b" latinLnBrk="0" hangingPunct="1"/>
+                      <a:r>
+                        <a:rPr kumimoji="0" lang="pt-BR" kern="1200" dirty="0">
+                          <a:solidFill>
+                            <a:schemeClr val="dk1"/>
+                          </a:solidFill>
+                          <a:latin typeface="+mn-lt"/>
+                          <a:ea typeface="+mn-ea"/>
+                          <a:cs typeface="+mn-cs"/>
+                        </a:rPr>
+                        <a:t>117</a:t>
+                      </a:r>
+                    </a:p>
+                  </a:txBody>
+                  <a:tcPr marL="9525" marR="9525" marT="9525" marB="0" anchor="b"/>
+                </a:tc>
+                <a:tc>
+                  <a:txBody>
+                    <a:bodyPr/>
+                    <a:lstStyle/>
+                    <a:p>
+                      <a:pPr marL="0" algn="ctr" rtl="0" eaLnBrk="1" fontAlgn="b" latinLnBrk="0" hangingPunct="1"/>
+                      <a:r>
+                        <a:rPr kumimoji="0" lang="pt-BR" kern="1200" dirty="0">
+                          <a:solidFill>
+                            <a:schemeClr val="dk1"/>
+                          </a:solidFill>
+                          <a:latin typeface="+mn-lt"/>
+                          <a:ea typeface="+mn-ea"/>
+                          <a:cs typeface="+mn-cs"/>
+                        </a:rPr>
+                        <a:t>145</a:t>
+                      </a:r>
+                    </a:p>
+                  </a:txBody>
+                  <a:tcPr marL="9525" marR="9525" marT="9525" marB="0" anchor="b"/>
+                </a:tc>
+                <a:tc>
+                  <a:txBody>
+                    <a:bodyPr/>
+                    <a:lstStyle/>
+                    <a:p>
+                      <a:pPr marL="0" algn="ctr" rtl="0" eaLnBrk="1" fontAlgn="b" latinLnBrk="0" hangingPunct="1"/>
+                      <a:endParaRPr kumimoji="0" lang="pt-BR" kern="1200" dirty="0">
+                        <a:solidFill>
+                          <a:schemeClr val="dk1"/>
+                        </a:solidFill>
+                        <a:latin typeface="+mn-lt"/>
+                        <a:ea typeface="+mn-ea"/>
+                        <a:cs typeface="+mn-cs"/>
+                      </a:endParaRPr>
+                    </a:p>
+                  </a:txBody>
+                  <a:tcPr marL="9525" marR="9525" marT="9525" marB="0" anchor="b"/>
+                </a:tc>
+                <a:extLst>
+                  <a:ext uri="{0D108BD9-81ED-4DB2-BD59-A6C34878D82A}">
+                    <a16:rowId xmlns:a16="http://schemas.microsoft.com/office/drawing/2014/main" val="10006"/>
+                  </a:ext>
+                </a:extLst>
+              </a:tr>
+              <a:tr h="370840">
+                <a:tc>
+                  <a:txBody>
+                    <a:bodyPr/>
+                    <a:lstStyle/>
+                    <a:p>
+                      <a:pPr marL="0" algn="ctr" rtl="0" eaLnBrk="1" fontAlgn="b" latinLnBrk="0" hangingPunct="1"/>
+                      <a:r>
+                        <a:rPr kumimoji="0" lang="pt-BR" kern="1200" dirty="0">
+                          <a:solidFill>
+                            <a:schemeClr val="dk1"/>
+                          </a:solidFill>
+                          <a:latin typeface="+mn-lt"/>
+                          <a:ea typeface="+mn-ea"/>
+                          <a:cs typeface="+mn-cs"/>
+                        </a:rPr>
+                        <a:t>2012</a:t>
+                      </a:r>
+                    </a:p>
+                  </a:txBody>
+                  <a:tcPr marL="9525" marR="9525" marT="9525" marB="0" anchor="b"/>
+                </a:tc>
+                <a:tc>
+                  <a:txBody>
+                    <a:bodyPr/>
+                    <a:lstStyle/>
+                    <a:p>
+                      <a:pPr marL="0" algn="ctr" rtl="0" eaLnBrk="1" fontAlgn="b" latinLnBrk="0" hangingPunct="1"/>
+                      <a:r>
+                        <a:rPr kumimoji="0" lang="pt-BR" kern="1200" dirty="0">
+                          <a:solidFill>
+                            <a:schemeClr val="dk1"/>
+                          </a:solidFill>
+                          <a:latin typeface="+mn-lt"/>
+                          <a:ea typeface="+mn-ea"/>
+                          <a:cs typeface="+mn-cs"/>
+                        </a:rPr>
+                        <a:t>195</a:t>
+                      </a:r>
+                    </a:p>
+                  </a:txBody>
+                  <a:tcPr marL="9525" marR="9525" marT="9525" marB="0" anchor="b"/>
+                </a:tc>
+                <a:tc>
+                  <a:txBody>
+                    <a:bodyPr/>
+                    <a:lstStyle/>
+                    <a:p>
+                      <a:pPr marL="0" algn="ctr" rtl="0" eaLnBrk="1" fontAlgn="b" latinLnBrk="0" hangingPunct="1"/>
+                      <a:r>
+                        <a:rPr kumimoji="0" lang="pt-BR" kern="1200" dirty="0">
+                          <a:solidFill>
+                            <a:schemeClr val="dk1"/>
+                          </a:solidFill>
+                          <a:latin typeface="+mn-lt"/>
+                          <a:ea typeface="+mn-ea"/>
+                          <a:cs typeface="+mn-cs"/>
+                        </a:rPr>
+                        <a:t>69</a:t>
+                      </a:r>
+                    </a:p>
+                  </a:txBody>
+                  <a:tcPr marL="9525" marR="9525" marT="9525" marB="0" anchor="b"/>
+                </a:tc>
+                <a:tc>
+                  <a:txBody>
+                    <a:bodyPr/>
+                    <a:lstStyle/>
+                    <a:p>
+                      <a:pPr marL="0" algn="ctr" rtl="0" eaLnBrk="1" fontAlgn="b" latinLnBrk="0" hangingPunct="1"/>
+                      <a:r>
+                        <a:rPr kumimoji="0" lang="pt-BR" kern="1200" dirty="0">
+                          <a:solidFill>
+                            <a:schemeClr val="dk1"/>
+                          </a:solidFill>
+                          <a:latin typeface="+mn-lt"/>
+                          <a:ea typeface="+mn-ea"/>
+                          <a:cs typeface="+mn-cs"/>
+                        </a:rPr>
+                        <a:t>92</a:t>
+                      </a:r>
+                    </a:p>
+                  </a:txBody>
+                  <a:tcPr marL="9525" marR="9525" marT="9525" marB="0" anchor="b"/>
+                </a:tc>
+                <a:tc>
+                  <a:txBody>
+                    <a:bodyPr/>
+                    <a:lstStyle/>
+                    <a:p>
+                      <a:pPr marL="0" algn="ctr" rtl="0" eaLnBrk="1" fontAlgn="b" latinLnBrk="0" hangingPunct="1"/>
+                      <a:endParaRPr kumimoji="0" lang="pt-BR" kern="1200" dirty="0">
+                        <a:solidFill>
+                          <a:schemeClr val="dk1"/>
+                        </a:solidFill>
+                        <a:latin typeface="+mn-lt"/>
+                        <a:ea typeface="+mn-ea"/>
+                        <a:cs typeface="+mn-cs"/>
+                      </a:endParaRPr>
+                    </a:p>
+                  </a:txBody>
+                  <a:tcPr marL="9525" marR="9525" marT="9525" marB="0" anchor="b"/>
+                </a:tc>
+                <a:extLst>
+                  <a:ext uri="{0D108BD9-81ED-4DB2-BD59-A6C34878D82A}">
+                    <a16:rowId xmlns:a16="http://schemas.microsoft.com/office/drawing/2014/main" val="10007"/>
+                  </a:ext>
+                </a:extLst>
+              </a:tr>
+              <a:tr h="370840">
+                <a:tc>
+                  <a:txBody>
+                    <a:bodyPr/>
+                    <a:lstStyle/>
+                    <a:p>
+                      <a:pPr marL="0" algn="ctr" rtl="0" eaLnBrk="1" fontAlgn="b" latinLnBrk="0" hangingPunct="1"/>
+                      <a:r>
+                        <a:rPr kumimoji="0" lang="pt-BR" kern="1200" dirty="0">
+                          <a:solidFill>
+                            <a:schemeClr val="dk1"/>
+                          </a:solidFill>
+                          <a:latin typeface="+mn-lt"/>
+                          <a:ea typeface="+mn-ea"/>
+                          <a:cs typeface="+mn-cs"/>
+                        </a:rPr>
+                        <a:t>2013</a:t>
+                      </a:r>
+                    </a:p>
+                  </a:txBody>
+                  <a:tcPr marL="9525" marR="9525" marT="9525" marB="0" anchor="b"/>
+                </a:tc>
+                <a:tc>
+                  <a:txBody>
+                    <a:bodyPr/>
+                    <a:lstStyle/>
+                    <a:p>
+                      <a:pPr marL="0" algn="ctr" rtl="0" eaLnBrk="1" fontAlgn="b" latinLnBrk="0" hangingPunct="1"/>
+                      <a:r>
+                        <a:rPr kumimoji="0" lang="pt-BR" kern="1200" dirty="0">
+                          <a:solidFill>
+                            <a:schemeClr val="dk1"/>
+                          </a:solidFill>
+                          <a:latin typeface="+mn-lt"/>
+                          <a:ea typeface="+mn-ea"/>
+                          <a:cs typeface="+mn-cs"/>
+                        </a:rPr>
+                        <a:t>170</a:t>
+                      </a:r>
+                    </a:p>
+                  </a:txBody>
+                  <a:tcPr marL="9525" marR="9525" marT="9525" marB="0" anchor="b"/>
+                </a:tc>
+                <a:tc>
+                  <a:txBody>
+                    <a:bodyPr/>
+                    <a:lstStyle/>
+                    <a:p>
+                      <a:pPr marL="0" algn="ctr" rtl="0" eaLnBrk="1" fontAlgn="b" latinLnBrk="0" hangingPunct="1"/>
+                      <a:r>
+                        <a:rPr kumimoji="0" lang="pt-BR" kern="1200" dirty="0">
+                          <a:solidFill>
+                            <a:schemeClr val="dk1"/>
+                          </a:solidFill>
+                          <a:latin typeface="+mn-lt"/>
+                          <a:ea typeface="+mn-ea"/>
+                          <a:cs typeface="+mn-cs"/>
+                        </a:rPr>
+                        <a:t>62</a:t>
+                      </a:r>
+                    </a:p>
+                  </a:txBody>
+                  <a:tcPr marL="9525" marR="9525" marT="9525" marB="0" anchor="b"/>
+                </a:tc>
+                <a:tc>
+                  <a:txBody>
+                    <a:bodyPr/>
+                    <a:lstStyle/>
+                    <a:p>
+                      <a:pPr marL="0" algn="ctr" rtl="0" eaLnBrk="1" fontAlgn="b" latinLnBrk="0" hangingPunct="1"/>
+                      <a:r>
+                        <a:rPr kumimoji="0" lang="pt-BR" kern="1200" dirty="0">
+                          <a:solidFill>
+                            <a:schemeClr val="dk1"/>
+                          </a:solidFill>
+                          <a:latin typeface="+mn-lt"/>
+                          <a:ea typeface="+mn-ea"/>
+                          <a:cs typeface="+mn-cs"/>
+                        </a:rPr>
+                        <a:t>99</a:t>
+                      </a:r>
+                    </a:p>
+                  </a:txBody>
+                  <a:tcPr marL="9525" marR="9525" marT="9525" marB="0" anchor="b"/>
+                </a:tc>
+                <a:tc>
+                  <a:txBody>
+                    <a:bodyPr/>
+                    <a:lstStyle/>
+                    <a:p>
+                      <a:pPr marL="0" algn="ctr" rtl="0" eaLnBrk="1" fontAlgn="b" latinLnBrk="0" hangingPunct="1"/>
+                      <a:endParaRPr kumimoji="0" lang="pt-BR" kern="1200" dirty="0">
+                        <a:solidFill>
+                          <a:schemeClr val="dk1"/>
+                        </a:solidFill>
+                        <a:latin typeface="+mn-lt"/>
+                        <a:ea typeface="+mn-ea"/>
+                        <a:cs typeface="+mn-cs"/>
+                      </a:endParaRPr>
+                    </a:p>
+                  </a:txBody>
+                  <a:tcPr marL="9525" marR="9525" marT="9525" marB="0" anchor="b"/>
+                </a:tc>
+                <a:extLst>
+                  <a:ext uri="{0D108BD9-81ED-4DB2-BD59-A6C34878D82A}">
+                    <a16:rowId xmlns:a16="http://schemas.microsoft.com/office/drawing/2014/main" val="10008"/>
+                  </a:ext>
+                </a:extLst>
+              </a:tr>
+              <a:tr h="370840">
+                <a:tc>
+                  <a:txBody>
+                    <a:bodyPr/>
+                    <a:lstStyle/>
+                    <a:p>
+                      <a:pPr marL="0" algn="ctr" rtl="0" eaLnBrk="1" fontAlgn="b" latinLnBrk="0" hangingPunct="1"/>
+                      <a:r>
+                        <a:rPr kumimoji="0" lang="pt-BR" kern="1200" dirty="0">
+                          <a:solidFill>
+                            <a:schemeClr val="dk1"/>
+                          </a:solidFill>
+                          <a:latin typeface="+mn-lt"/>
+                          <a:ea typeface="+mn-ea"/>
+                          <a:cs typeface="+mn-cs"/>
+                        </a:rPr>
+                        <a:t>2014</a:t>
+                      </a:r>
+                    </a:p>
+                  </a:txBody>
+                  <a:tcPr marL="9525" marR="9525" marT="9525" marB="0" anchor="b"/>
+                </a:tc>
+                <a:tc>
+                  <a:txBody>
+                    <a:bodyPr/>
+                    <a:lstStyle/>
+                    <a:p>
+                      <a:pPr marL="0" algn="ctr" rtl="0" eaLnBrk="1" fontAlgn="b" latinLnBrk="0" hangingPunct="1"/>
+                      <a:r>
+                        <a:rPr kumimoji="0" lang="pt-BR" kern="1200" dirty="0">
+                          <a:solidFill>
+                            <a:schemeClr val="dk1"/>
+                          </a:solidFill>
+                          <a:latin typeface="+mn-lt"/>
+                          <a:ea typeface="+mn-ea"/>
+                          <a:cs typeface="+mn-cs"/>
+                        </a:rPr>
+                        <a:t>128</a:t>
+                      </a:r>
+                    </a:p>
+                  </a:txBody>
+                  <a:tcPr marL="9525" marR="9525" marT="9525" marB="0" anchor="b"/>
+                </a:tc>
+                <a:tc>
+                  <a:txBody>
+                    <a:bodyPr/>
+                    <a:lstStyle/>
+                    <a:p>
+                      <a:pPr marL="0" algn="ctr" rtl="0" eaLnBrk="1" fontAlgn="b" latinLnBrk="0" hangingPunct="1"/>
+                      <a:r>
+                        <a:rPr kumimoji="0" lang="pt-BR" kern="1200" dirty="0">
+                          <a:solidFill>
+                            <a:schemeClr val="dk1"/>
+                          </a:solidFill>
+                          <a:latin typeface="+mn-lt"/>
+                          <a:ea typeface="+mn-ea"/>
+                          <a:cs typeface="+mn-cs"/>
+                        </a:rPr>
+                        <a:t>86</a:t>
+                      </a:r>
+                    </a:p>
+                  </a:txBody>
+                  <a:tcPr marL="9525" marR="9525" marT="9525" marB="0" anchor="b"/>
+                </a:tc>
+                <a:tc>
+                  <a:txBody>
+                    <a:bodyPr/>
+                    <a:lstStyle/>
+                    <a:p>
+                      <a:pPr marL="0" algn="ctr" rtl="0" eaLnBrk="1" fontAlgn="b" latinLnBrk="0" hangingPunct="1"/>
+                      <a:r>
+                        <a:rPr kumimoji="0" lang="pt-BR" kern="1200" dirty="0">
+                          <a:solidFill>
+                            <a:schemeClr val="dk1"/>
+                          </a:solidFill>
+                          <a:latin typeface="+mn-lt"/>
+                          <a:ea typeface="+mn-ea"/>
+                          <a:cs typeface="+mn-cs"/>
+                        </a:rPr>
+                        <a:t>124</a:t>
+                      </a:r>
+                    </a:p>
+                  </a:txBody>
+                  <a:tcPr marL="9525" marR="9525" marT="9525" marB="0" anchor="b"/>
+                </a:tc>
+                <a:tc>
+                  <a:txBody>
+                    <a:bodyPr/>
+                    <a:lstStyle/>
+                    <a:p>
+                      <a:pPr marL="0" algn="ctr" rtl="0" eaLnBrk="1" fontAlgn="b" latinLnBrk="0" hangingPunct="1"/>
+                      <a:endParaRPr kumimoji="0" lang="pt-BR" kern="1200" dirty="0">
+                        <a:solidFill>
+                          <a:schemeClr val="dk1"/>
+                        </a:solidFill>
+                        <a:latin typeface="+mn-lt"/>
+                        <a:ea typeface="+mn-ea"/>
+                        <a:cs typeface="+mn-cs"/>
+                      </a:endParaRPr>
+                    </a:p>
+                  </a:txBody>
+                  <a:tcPr marL="9525" marR="9525" marT="9525" marB="0" anchor="b"/>
+                </a:tc>
+                <a:extLst>
+                  <a:ext uri="{0D108BD9-81ED-4DB2-BD59-A6C34878D82A}">
+                    <a16:rowId xmlns:a16="http://schemas.microsoft.com/office/drawing/2014/main" val="10009"/>
+                  </a:ext>
+                </a:extLst>
+              </a:tr>
+              <a:tr h="370840">
+                <a:tc>
+                  <a:txBody>
+                    <a:bodyPr/>
+                    <a:lstStyle/>
+                    <a:p>
+                      <a:pPr marL="0" algn="ctr" rtl="0" eaLnBrk="1" fontAlgn="b" latinLnBrk="0" hangingPunct="1"/>
+                      <a:r>
+                        <a:rPr kumimoji="0" lang="pt-BR" kern="1200" dirty="0">
+                          <a:solidFill>
+                            <a:schemeClr val="dk1"/>
+                          </a:solidFill>
+                          <a:latin typeface="+mn-lt"/>
+                          <a:ea typeface="+mn-ea"/>
+                          <a:cs typeface="+mn-cs"/>
+                        </a:rPr>
+                        <a:t>2015</a:t>
+                      </a:r>
+                    </a:p>
+                  </a:txBody>
+                  <a:tcPr marL="9525" marR="9525" marT="9525" marB="0" anchor="b"/>
+                </a:tc>
+                <a:tc>
+                  <a:txBody>
+                    <a:bodyPr/>
+                    <a:lstStyle/>
+                    <a:p>
+                      <a:pPr marL="0" algn="ctr" rtl="0" eaLnBrk="1" fontAlgn="b" latinLnBrk="0" hangingPunct="1"/>
+                      <a:r>
+                        <a:rPr kumimoji="0" lang="pt-BR" kern="1200" dirty="0">
+                          <a:solidFill>
+                            <a:schemeClr val="dk1"/>
+                          </a:solidFill>
+                          <a:latin typeface="+mn-lt"/>
+                          <a:ea typeface="+mn-ea"/>
+                          <a:cs typeface="+mn-cs"/>
+                        </a:rPr>
+                        <a:t>64</a:t>
+                      </a:r>
+                    </a:p>
+                  </a:txBody>
+                  <a:tcPr marL="9525" marR="9525" marT="9525" marB="0" anchor="b"/>
+                </a:tc>
+                <a:tc>
+                  <a:txBody>
+                    <a:bodyPr/>
+                    <a:lstStyle/>
+                    <a:p>
+                      <a:pPr marL="0" algn="ctr" rtl="0" eaLnBrk="1" fontAlgn="b" latinLnBrk="0" hangingPunct="1"/>
+                      <a:r>
+                        <a:rPr kumimoji="0" lang="pt-BR" kern="1200" dirty="0">
+                          <a:solidFill>
+                            <a:schemeClr val="dk1"/>
+                          </a:solidFill>
+                          <a:latin typeface="+mn-lt"/>
+                          <a:ea typeface="+mn-ea"/>
+                          <a:cs typeface="+mn-cs"/>
+                        </a:rPr>
+                        <a:t>110</a:t>
+                      </a:r>
+                    </a:p>
+                  </a:txBody>
+                  <a:tcPr marL="9525" marR="9525" marT="9525" marB="0" anchor="b"/>
+                </a:tc>
+                <a:tc>
+                  <a:txBody>
+                    <a:bodyPr/>
+                    <a:lstStyle/>
+                    <a:p>
+                      <a:pPr marL="0" algn="ctr" rtl="0" eaLnBrk="1" fontAlgn="b" latinLnBrk="0" hangingPunct="1"/>
+                      <a:r>
+                        <a:rPr kumimoji="0" lang="pt-BR" kern="1200" dirty="0">
+                          <a:solidFill>
+                            <a:schemeClr val="dk1"/>
+                          </a:solidFill>
+                          <a:latin typeface="+mn-lt"/>
+                          <a:ea typeface="+mn-ea"/>
+                          <a:cs typeface="+mn-cs"/>
+                        </a:rPr>
+                        <a:t>158</a:t>
+                      </a:r>
+                    </a:p>
+                  </a:txBody>
+                  <a:tcPr marL="9525" marR="9525" marT="9525" marB="0" anchor="b"/>
+                </a:tc>
+                <a:tc>
+                  <a:txBody>
+                    <a:bodyPr/>
+                    <a:lstStyle/>
+                    <a:p>
+                      <a:pPr marL="0" algn="ctr" rtl="0" eaLnBrk="1" fontAlgn="b" latinLnBrk="0" hangingPunct="1"/>
+                      <a:r>
+                        <a:rPr kumimoji="0" lang="pt-BR" kern="1200" dirty="0">
+                          <a:solidFill>
+                            <a:schemeClr val="dk1"/>
+                          </a:solidFill>
+                          <a:latin typeface="+mn-lt"/>
+                          <a:ea typeface="+mn-ea"/>
+                          <a:cs typeface="+mn-cs"/>
+                        </a:rPr>
+                        <a:t>1</a:t>
+                      </a:r>
+                    </a:p>
+                  </a:txBody>
+                  <a:tcPr marL="9525" marR="9525" marT="9525" marB="0" anchor="b"/>
+                </a:tc>
+                <a:extLst>
+                  <a:ext uri="{0D108BD9-81ED-4DB2-BD59-A6C34878D82A}">
+                    <a16:rowId xmlns:a16="http://schemas.microsoft.com/office/drawing/2014/main" val="10010"/>
+                  </a:ext>
+                </a:extLst>
+              </a:tr>
+            </a:tbl>
+          </a:graphicData>
+        </a:graphic>
+      </p:graphicFrame>
     </p:spTree>
     <p:extLst>
       <p:ext uri="{BB962C8B-B14F-4D97-AF65-F5344CB8AC3E}">
-        <p14:creationId xmlns:p14="http://schemas.microsoft.com/office/powerpoint/2010/main" val="78595364"/>
+        <p14:creationId xmlns:p14="http://schemas.microsoft.com/office/powerpoint/2010/main" val="1849305516"/>
       </p:ext>
     </p:extLst>
   </p:cSld>
@@ -5532,10 +8637,29 @@
           <a:lstStyle/>
           <a:p>
             <a:r>
-              <a:rPr lang="pt-BR" sz="6000"/>
-              <a:t>Obrigado!</a:t>
+              <a:rPr lang="pt-BR" sz="6000" dirty="0"/>
+              <a:t>Perguntas?</a:t>
             </a:r>
             <a:endParaRPr lang="en-US" sz="6000" dirty="0"/>
+          </a:p>
+        </p:txBody>
+      </p:sp>
+      <p:sp>
+        <p:nvSpPr>
+          <p:cNvPr id="4" name="Subtítulo 3"/>
+          <p:cNvSpPr>
+            <a:spLocks noGrp="1"/>
+          </p:cNvSpPr>
+          <p:nvPr>
+            <p:ph type="subTitle" idx="1"/>
+          </p:nvPr>
+        </p:nvSpPr>
+        <p:spPr/>
+        <p:txBody>
+          <a:bodyPr/>
+          <a:lstStyle/>
+          <a:p>
+            <a:endParaRPr lang="pt-BR"/>
           </a:p>
         </p:txBody>
       </p:sp>
@@ -5563,6 +8687,61 @@
           </a:p>
         </p:txBody>
       </p:sp>
+    </p:spTree>
+    <p:extLst>
+      <p:ext uri="{BB962C8B-B14F-4D97-AF65-F5344CB8AC3E}">
+        <p14:creationId xmlns:p14="http://schemas.microsoft.com/office/powerpoint/2010/main" val="78595364"/>
+      </p:ext>
+    </p:extLst>
+  </p:cSld>
+  <p:clrMapOvr>
+    <a:masterClrMapping/>
+  </p:clrMapOvr>
+</p:sld>
+</file>
+
+<file path=ppt/slides/slide15.xml><?xml version="1.0" encoding="utf-8"?>
+<p:sld xmlns:a="http://schemas.openxmlformats.org/drawingml/2006/main" xmlns:r="http://schemas.openxmlformats.org/officeDocument/2006/relationships" xmlns:p="http://schemas.openxmlformats.org/presentationml/2006/main">
+  <p:cSld>
+    <p:spTree>
+      <p:nvGrpSpPr>
+        <p:cNvPr id="1" name=""/>
+        <p:cNvGrpSpPr/>
+        <p:nvPr/>
+      </p:nvGrpSpPr>
+      <p:grpSpPr>
+        <a:xfrm>
+          <a:off x="0" y="0"/>
+          <a:ext cx="0" cy="0"/>
+          <a:chOff x="0" y="0"/>
+          <a:chExt cx="0" cy="0"/>
+        </a:xfrm>
+      </p:grpSpPr>
+      <p:sp>
+        <p:nvSpPr>
+          <p:cNvPr id="2" name="Título 1"/>
+          <p:cNvSpPr>
+            <a:spLocks noGrp="1"/>
+          </p:cNvSpPr>
+          <p:nvPr>
+            <p:ph type="ctrTitle"/>
+          </p:nvPr>
+        </p:nvSpPr>
+        <p:spPr/>
+        <p:txBody>
+          <a:bodyPr>
+            <a:normAutofit/>
+          </a:bodyPr>
+          <a:lstStyle/>
+          <a:p>
+            <a:r>
+              <a:rPr lang="pt-BR" sz="6000"/>
+              <a:t>Obrigado!</a:t>
+            </a:r>
+            <a:endParaRPr lang="en-US" sz="6000" dirty="0"/>
+          </a:p>
+        </p:txBody>
+      </p:sp>
       <p:sp>
         <p:nvSpPr>
           <p:cNvPr id="4" name="Subtítulo 3"/>
@@ -5579,6 +8758,30 @@
           <a:lstStyle/>
           <a:p>
             <a:endParaRPr lang="pt-BR"/>
+          </a:p>
+        </p:txBody>
+      </p:sp>
+      <p:sp>
+        <p:nvSpPr>
+          <p:cNvPr id="6" name="Slide Number Placeholder 5"/>
+          <p:cNvSpPr>
+            <a:spLocks noGrp="1"/>
+          </p:cNvSpPr>
+          <p:nvPr>
+            <p:ph type="sldNum" sz="quarter" idx="12"/>
+          </p:nvPr>
+        </p:nvSpPr>
+        <p:spPr/>
+        <p:txBody>
+          <a:bodyPr/>
+          <a:lstStyle/>
+          <a:p>
+            <a:fld id="{8FE1B02D-2A3F-49DE-AB67-7B93722EBA11}" type="slidenum">
+              <a:rPr lang="en-US" smtClean="0"/>
+              <a:pPr/>
+              <a:t>15</a:t>
+            </a:fld>
+            <a:endParaRPr lang="en-US"/>
           </a:p>
         </p:txBody>
       </p:sp>
@@ -5641,13 +8844,13 @@
             <a:spLocks noGrp="1"/>
           </p:cNvSpPr>
           <p:nvPr>
-            <p:ph idx="1"/>
+            <p:ph sz="quarter" idx="1"/>
           </p:nvPr>
         </p:nvSpPr>
         <p:spPr>
           <a:xfrm>
-            <a:off x="457200" y="1295400"/>
-            <a:ext cx="8229600" cy="5486400"/>
+            <a:off x="457200" y="1676400"/>
+            <a:ext cx="8229600" cy="3048000"/>
           </a:xfrm>
         </p:spPr>
         <p:txBody>
@@ -5711,7 +8914,7 @@
             <a:spLocks noGrp="1"/>
           </p:cNvSpPr>
           <p:nvPr>
-            <p:ph type="sldNum" sz="quarter" idx="12"/>
+            <p:ph type="sldNum" sz="quarter" idx="15"/>
           </p:nvPr>
         </p:nvSpPr>
         <p:spPr/>
@@ -5782,7 +8985,7 @@
             <a:spLocks noGrp="1"/>
           </p:cNvSpPr>
           <p:nvPr>
-            <p:ph idx="1"/>
+            <p:ph sz="quarter" idx="1"/>
           </p:nvPr>
         </p:nvSpPr>
         <p:spPr/>
@@ -5794,7 +8997,23 @@
           <a:p>
             <a:r>
               <a:rPr lang="en-US" dirty="0" err="1"/>
-              <a:t>CeNtro</a:t>
+              <a:t>CEtro</a:t>
+            </a:r>
+            <a:r>
+              <a:rPr lang="en-US" dirty="0"/>
+              <a:t> Nacional de </a:t>
+            </a:r>
+            <a:r>
+              <a:rPr lang="en-US" dirty="0" err="1"/>
+              <a:t>Investigação</a:t>
+            </a:r>
+            <a:r>
+              <a:rPr lang="en-US" dirty="0"/>
+              <a:t> e </a:t>
+            </a:r>
+            <a:r>
+              <a:rPr lang="en-US" dirty="0" err="1"/>
+              <a:t>Prevenção</a:t>
             </a:r>
             <a:r>
               <a:rPr lang="en-US" dirty="0"/>
@@ -5802,22 +9021,6 @@
             </a:r>
             <a:r>
               <a:rPr lang="en-US" dirty="0" err="1"/>
-              <a:t>Investigação</a:t>
-            </a:r>
-            <a:r>
-              <a:rPr lang="en-US" dirty="0"/>
-              <a:t> e </a:t>
-            </a:r>
-            <a:r>
-              <a:rPr lang="en-US" dirty="0" err="1"/>
-              <a:t>Prevenção</a:t>
-            </a:r>
-            <a:r>
-              <a:rPr lang="en-US" dirty="0"/>
-              <a:t> de </a:t>
-            </a:r>
-            <a:r>
-              <a:rPr lang="en-US" dirty="0" err="1"/>
               <a:t>Acidentes</a:t>
             </a:r>
             <a:r>
@@ -5826,7 +9029,7 @@
             </a:r>
             <a:r>
               <a:rPr lang="en-US" dirty="0" err="1"/>
-              <a:t>aeronauticos</a:t>
+              <a:t>aeronáuticos</a:t>
             </a:r>
             <a:r>
               <a:rPr lang="en-US" dirty="0"/>
@@ -5872,7 +9075,7 @@
             <a:spLocks noGrp="1"/>
           </p:cNvSpPr>
           <p:nvPr>
-            <p:ph type="sldNum" sz="quarter" idx="12"/>
+            <p:ph type="sldNum" sz="quarter" idx="15"/>
           </p:nvPr>
         </p:nvSpPr>
         <p:spPr/>
@@ -5990,7 +9193,7 @@
             <a:spLocks noGrp="1"/>
           </p:cNvSpPr>
           <p:nvPr>
-            <p:ph idx="1"/>
+            <p:ph sz="quarter" idx="1"/>
           </p:nvPr>
         </p:nvSpPr>
         <p:spPr>
@@ -6100,7 +9303,10 @@
               <a:rPr lang="en-US" dirty="0" err="1"/>
               <a:t>aeronave</a:t>
             </a:r>
-            <a:endParaRPr lang="en-US" dirty="0"/>
+            <a:r>
+              <a:rPr lang="en-US" dirty="0"/>
+              <a:t>.</a:t>
+            </a:r>
           </a:p>
           <a:p>
             <a:pPr lvl="1"/>
@@ -6323,7 +9529,7 @@
             <a:spLocks noGrp="1"/>
           </p:cNvSpPr>
           <p:nvPr>
-            <p:ph type="sldNum" sz="quarter" idx="12"/>
+            <p:ph type="sldNum" sz="quarter" idx="15"/>
           </p:nvPr>
         </p:nvSpPr>
         <p:spPr/>
@@ -6400,7 +9606,7 @@
             <a:spLocks noGrp="1"/>
           </p:cNvSpPr>
           <p:nvPr>
-            <p:ph idx="1"/>
+            <p:ph sz="quarter" idx="1"/>
           </p:nvPr>
         </p:nvSpPr>
         <p:spPr>
@@ -6496,7 +9702,7 @@
             </a:r>
             <a:r>
               <a:rPr lang="en-US" dirty="0" err="1"/>
-              <a:t>acidentes</a:t>
+              <a:t>incidentes</a:t>
             </a:r>
             <a:r>
               <a:rPr lang="en-US" dirty="0"/>
@@ -6504,6 +9710,12 @@
             </a:r>
           </a:p>
           <a:p>
+            <a:pPr marL="365760" lvl="1" indent="0">
+              <a:buNone/>
+            </a:pPr>
+            <a:endParaRPr lang="en-US" dirty="0"/>
+          </a:p>
+          <a:p>
             <a:r>
               <a:rPr lang="en-US" dirty="0" err="1"/>
               <a:t>Qual</a:t>
@@ -6562,6 +9774,12 @@
             </a:r>
           </a:p>
           <a:p>
+            <a:pPr marL="365760" lvl="1" indent="0">
+              <a:buNone/>
+            </a:pPr>
+            <a:endParaRPr lang="en-US" dirty="0"/>
+          </a:p>
+          <a:p>
             <a:r>
               <a:rPr lang="en-US" dirty="0" err="1"/>
               <a:t>Fator</a:t>
@@ -6626,7 +9844,7 @@
             <a:spLocks noGrp="1"/>
           </p:cNvSpPr>
           <p:nvPr>
-            <p:ph type="sldNum" sz="quarter" idx="12"/>
+            <p:ph type="sldNum" sz="quarter" idx="15"/>
           </p:nvPr>
         </p:nvSpPr>
         <p:spPr/>
@@ -6702,7 +9920,7 @@
             <a:spLocks noGrp="1"/>
           </p:cNvSpPr>
           <p:nvPr>
-            <p:ph idx="1"/>
+            <p:ph sz="quarter" idx="1"/>
           </p:nvPr>
         </p:nvSpPr>
         <p:spPr>
@@ -6805,7 +10023,7 @@
             </a:r>
             <a:r>
               <a:rPr lang="en-US" dirty="0" err="1"/>
-              <a:t>resultado</a:t>
+              <a:t>resultados</a:t>
             </a:r>
             <a:r>
               <a:rPr lang="en-US" dirty="0"/>
@@ -6841,7 +10059,7 @@
             <a:spLocks noGrp="1"/>
           </p:cNvSpPr>
           <p:nvPr>
-            <p:ph type="sldNum" sz="quarter" idx="12"/>
+            <p:ph type="sldNum" sz="quarter" idx="15"/>
           </p:nvPr>
         </p:nvSpPr>
         <p:spPr/>
@@ -6917,7 +10135,7 @@
             <a:spLocks noGrp="1"/>
           </p:cNvSpPr>
           <p:nvPr>
-            <p:ph type="sldNum" sz="quarter" idx="12"/>
+            <p:ph type="sldNum" sz="quarter" idx="15"/>
           </p:nvPr>
         </p:nvSpPr>
         <p:spPr/>
@@ -6943,7 +10161,7 @@
           <p:nvPr/>
         </p:nvPicPr>
         <p:blipFill>
-          <a:blip r:embed="rId2">
+          <a:blip r:embed="rId2" cstate="print">
             <a:extLst>
               <a:ext uri="{28A0092B-C50C-407E-A947-70E740481C1C}">
                 <a14:useLocalDpi xmlns:a14="http://schemas.microsoft.com/office/drawing/2010/main" val="0"/>
@@ -7038,7 +10256,7 @@
             <a:spLocks noGrp="1"/>
           </p:cNvSpPr>
           <p:nvPr>
-            <p:ph idx="1"/>
+            <p:ph sz="quarter" idx="1"/>
           </p:nvPr>
         </p:nvSpPr>
         <p:spPr>
@@ -7263,7 +10481,7 @@
             <a:spLocks noGrp="1"/>
           </p:cNvSpPr>
           <p:nvPr>
-            <p:ph type="sldNum" sz="quarter" idx="12"/>
+            <p:ph type="sldNum" sz="quarter" idx="15"/>
           </p:nvPr>
         </p:nvSpPr>
         <p:spPr/>
@@ -7340,7 +10558,7 @@
             <a:spLocks noGrp="1"/>
           </p:cNvSpPr>
           <p:nvPr>
-            <p:ph idx="1"/>
+            <p:ph sz="quarter" idx="1"/>
           </p:nvPr>
         </p:nvSpPr>
         <p:spPr>
@@ -7373,7 +10591,7 @@
             </a:r>
             <a:r>
               <a:rPr lang="en-US" dirty="0" err="1"/>
-              <a:t>esta</a:t>
+              <a:t>está</a:t>
             </a:r>
             <a:r>
               <a:rPr lang="en-US" dirty="0"/>
@@ -7427,7 +10645,7 @@
             <a:spLocks noGrp="1"/>
           </p:cNvSpPr>
           <p:nvPr>
-            <p:ph type="sldNum" sz="quarter" idx="12"/>
+            <p:ph type="sldNum" sz="quarter" idx="15"/>
           </p:nvPr>
         </p:nvSpPr>
         <p:spPr/>
@@ -7460,7 +10678,7 @@
         </p:nvGraphicFramePr>
         <p:xfrm>
           <a:off x="914400" y="2781886"/>
-          <a:ext cx="7772400" cy="3056424"/>
+          <a:ext cx="7772400" cy="3152408"/>
         </p:xfrm>
         <a:graphic>
           <a:graphicData uri="http://schemas.openxmlformats.org/drawingml/2006/table">
@@ -7844,8 +11062,8 @@
         </p:nvSpPr>
         <p:spPr>
           <a:xfrm>
-            <a:off x="914400" y="5105400"/>
-            <a:ext cx="7772400" cy="609600"/>
+            <a:off x="914400" y="5180376"/>
+            <a:ext cx="7772400" cy="915624"/>
           </a:xfrm>
           <a:prstGeom prst="ellipse">
             <a:avLst/>
@@ -7896,9 +11114,9 @@
 </file>
 
 <file path=ppt/theme/theme1.xml><?xml version="1.0" encoding="utf-8"?>
-<a:theme xmlns:a="http://schemas.openxmlformats.org/drawingml/2006/main" name="Office Theme">
+<a:theme xmlns:a="http://schemas.openxmlformats.org/drawingml/2006/main" name="Balcão Envidraçado">
   <a:themeElements>
-    <a:clrScheme name="Office">
+    <a:clrScheme name="Balcão Envidraçado">
       <a:dk1>
         <a:sysClr val="windowText" lastClr="000000"/>
       </a:dk1>
@@ -7906,48 +11124,48 @@
         <a:sysClr val="window" lastClr="FFFFFF"/>
       </a:lt1>
       <a:dk2>
-        <a:srgbClr val="1F497D"/>
+        <a:srgbClr val="575F6D"/>
       </a:dk2>
       <a:lt2>
-        <a:srgbClr val="EEECE1"/>
+        <a:srgbClr val="FFF39D"/>
       </a:lt2>
       <a:accent1>
-        <a:srgbClr val="4F81BD"/>
+        <a:srgbClr val="FE8637"/>
       </a:accent1>
       <a:accent2>
-        <a:srgbClr val="C0504D"/>
+        <a:srgbClr val="7598D9"/>
       </a:accent2>
       <a:accent3>
-        <a:srgbClr val="9BBB59"/>
+        <a:srgbClr val="B32C16"/>
       </a:accent3>
       <a:accent4>
-        <a:srgbClr val="8064A2"/>
+        <a:srgbClr val="F5CD2D"/>
       </a:accent4>
       <a:accent5>
-        <a:srgbClr val="4BACC6"/>
+        <a:srgbClr val="AEBAD5"/>
       </a:accent5>
       <a:accent6>
-        <a:srgbClr val="F79646"/>
+        <a:srgbClr val="777C84"/>
       </a:accent6>
       <a:hlink>
-        <a:srgbClr val="0000FF"/>
+        <a:srgbClr val="D2611C"/>
       </a:hlink>
       <a:folHlink>
-        <a:srgbClr val="800080"/>
+        <a:srgbClr val="3B435B"/>
       </a:folHlink>
     </a:clrScheme>
-    <a:fontScheme name="Office">
+    <a:fontScheme name="Balcão Envidraçado">
       <a:majorFont>
-        <a:latin typeface="Calibri"/>
+        <a:latin typeface="Century Schoolbook"/>
         <a:ea typeface=""/>
         <a:cs typeface=""/>
-        <a:font script="Jpan" typeface="ＭＳ Ｐゴシック"/>
-        <a:font script="Hang" typeface="맑은 고딕"/>
-        <a:font script="Hans" typeface="宋体"/>
+        <a:font script="Jpan" typeface="ＭＳ Ｐ明朝"/>
+        <a:font script="Hang" typeface="휴먼매직체"/>
+        <a:font script="Hans" typeface="华文楷体"/>
         <a:font script="Hant" typeface="新細明體"/>
         <a:font script="Arab" typeface="Times New Roman"/>
         <a:font script="Hebr" typeface="Times New Roman"/>
-        <a:font script="Thai" typeface="Angsana New"/>
+        <a:font script="Thai" typeface="KodchiangUPC"/>
         <a:font script="Ethi" typeface="Nyala"/>
         <a:font script="Beng" typeface="Vrinda"/>
         <a:font script="Gujr" typeface="Shruti"/>
@@ -7972,20 +11190,20 @@
         <a:font script="Uigh" typeface="Microsoft Uighur"/>
       </a:majorFont>
       <a:minorFont>
-        <a:latin typeface="Calibri"/>
+        <a:latin typeface="Century Schoolbook"/>
         <a:ea typeface=""/>
         <a:cs typeface=""/>
-        <a:font script="Jpan" typeface="ＭＳ Ｐゴシック"/>
-        <a:font script="Hang" typeface="맑은 고딕"/>
+        <a:font script="Jpan" typeface="ＭＳ Ｐ明朝"/>
+        <a:font script="Hang" typeface="휴먼매직체"/>
         <a:font script="Hans" typeface="宋体"/>
         <a:font script="Hant" typeface="新細明體"/>
-        <a:font script="Arab" typeface="Arial"/>
-        <a:font script="Hebr" typeface="Arial"/>
-        <a:font script="Thai" typeface="Cordia New"/>
+        <a:font script="Arab" typeface="Times New Roman"/>
+        <a:font script="Hebr" typeface="Times New Roman"/>
+        <a:font script="Thai" typeface="KodchiangUPC"/>
         <a:font script="Ethi" typeface="Nyala"/>
         <a:font script="Beng" typeface="Vrinda"/>
         <a:font script="Gujr" typeface="Shruti"/>
-        <a:font script="Khmr" typeface="DaunPenh"/>
+        <a:font script="Khmr" typeface="MoolBoran"/>
         <a:font script="Knda" typeface="Tunga"/>
         <a:font script="Guru" typeface="Raavi"/>
         <a:font script="Cans" typeface="Euphemia"/>
@@ -8002,11 +11220,11 @@
         <a:font script="Laoo" typeface="DokChampa"/>
         <a:font script="Sinh" typeface="Iskoola Pota"/>
         <a:font script="Mong" typeface="Mongolian Baiti"/>
-        <a:font script="Viet" typeface="Arial"/>
+        <a:font script="Viet" typeface="Times New Roman"/>
         <a:font script="Uigh" typeface="Microsoft Uighur"/>
       </a:minorFont>
     </a:fontScheme>
-    <a:fmtScheme name="Office">
+    <a:fmtScheme name="Balcão Envidraçado">
       <a:fillStyleLst>
         <a:solidFill>
           <a:schemeClr val="phClr"/>
@@ -8015,55 +11233,71 @@
           <a:gsLst>
             <a:gs pos="0">
               <a:schemeClr val="phClr">
-                <a:tint val="50000"/>
-                <a:satMod val="300000"/>
+                <a:tint val="35000"/>
+                <a:satMod val="260000"/>
               </a:schemeClr>
             </a:gs>
-            <a:gs pos="35000">
+            <a:gs pos="30000">
               <a:schemeClr val="phClr">
-                <a:tint val="37000"/>
-                <a:satMod val="300000"/>
+                <a:tint val="38000"/>
+                <a:satMod val="260000"/>
+              </a:schemeClr>
+            </a:gs>
+            <a:gs pos="75000">
+              <a:schemeClr val="phClr">
+                <a:tint val="55000"/>
+                <a:satMod val="255000"/>
               </a:schemeClr>
             </a:gs>
             <a:gs pos="100000">
               <a:schemeClr val="phClr">
-                <a:tint val="15000"/>
-                <a:satMod val="350000"/>
+                <a:tint val="70000"/>
+                <a:satMod val="255000"/>
               </a:schemeClr>
             </a:gs>
           </a:gsLst>
-          <a:lin ang="16200000" scaled="1"/>
+          <a:path path="circle">
+            <a:fillToRect l="5000" t="100000" r="120000" b="10000"/>
+          </a:path>
         </a:gradFill>
         <a:gradFill rotWithShape="1">
           <a:gsLst>
             <a:gs pos="0">
               <a:schemeClr val="phClr">
-                <a:shade val="51000"/>
-                <a:satMod val="130000"/>
+                <a:shade val="63000"/>
+                <a:satMod val="165000"/>
               </a:schemeClr>
             </a:gs>
-            <a:gs pos="80000">
+            <a:gs pos="30000">
               <a:schemeClr val="phClr">
-                <a:shade val="93000"/>
-                <a:satMod val="130000"/>
+                <a:shade val="58000"/>
+                <a:satMod val="165000"/>
+              </a:schemeClr>
+            </a:gs>
+            <a:gs pos="75000">
+              <a:schemeClr val="phClr">
+                <a:shade val="30000"/>
+                <a:satMod val="175000"/>
               </a:schemeClr>
             </a:gs>
             <a:gs pos="100000">
               <a:schemeClr val="phClr">
-                <a:shade val="94000"/>
-                <a:satMod val="135000"/>
+                <a:shade val="15000"/>
+                <a:satMod val="175000"/>
               </a:schemeClr>
             </a:gs>
           </a:gsLst>
-          <a:lin ang="16200000" scaled="0"/>
+          <a:path path="circle">
+            <a:fillToRect l="5000" t="100000" r="120000" b="10000"/>
+          </a:path>
         </a:gradFill>
       </a:fillStyleLst>
       <a:lnStyleLst>
-        <a:ln w="9525" cap="flat" cmpd="sng" algn="ctr">
+        <a:ln w="12700" cap="flat" cmpd="sng" algn="ctr">
           <a:solidFill>
             <a:schemeClr val="phClr">
-              <a:shade val="95000"/>
-              <a:satMod val="105000"/>
+              <a:shade val="70000"/>
+              <a:satMod val="150000"/>
             </a:schemeClr>
           </a:solidFill>
           <a:prstDash val="solid"/>
@@ -8074,7 +11308,7 @@
           </a:solidFill>
           <a:prstDash val="solid"/>
         </a:ln>
-        <a:ln w="38100" cap="flat" cmpd="sng" algn="ctr">
+        <a:ln w="34925" cap="flat" cmpd="sng" algn="ctr">
           <a:solidFill>
             <a:schemeClr val="phClr"/>
           </a:solidFill>
@@ -8084,27 +11318,27 @@
       <a:effectStyleLst>
         <a:effectStyle>
           <a:effectLst>
-            <a:outerShdw blurRad="40000" dist="20000" dir="5400000" rotWithShape="0">
+            <a:outerShdw blurRad="50800" dist="25000" dir="5400000" rotWithShape="0">
               <a:srgbClr val="000000">
-                <a:alpha val="38000"/>
+                <a:alpha val="40000"/>
               </a:srgbClr>
             </a:outerShdw>
           </a:effectLst>
         </a:effectStyle>
         <a:effectStyle>
           <a:effectLst>
-            <a:outerShdw blurRad="40000" dist="23000" dir="5400000" rotWithShape="0">
+            <a:outerShdw blurRad="50800" dist="20000" dir="5400000" rotWithShape="0">
               <a:srgbClr val="000000">
-                <a:alpha val="35000"/>
+                <a:alpha val="42000"/>
               </a:srgbClr>
             </a:outerShdw>
           </a:effectLst>
         </a:effectStyle>
         <a:effectStyle>
           <a:effectLst>
-            <a:outerShdw blurRad="40000" dist="23000" dir="5400000" rotWithShape="0">
+            <a:outerShdw blurRad="50800" dist="20000" dir="5400000" rotWithShape="0">
               <a:srgbClr val="000000">
-                <a:alpha val="35000"/>
+                <a:alpha val="42000"/>
               </a:srgbClr>
             </a:outerShdw>
           </a:effectLst>
@@ -8112,12 +11346,15 @@
             <a:camera prst="orthographicFront">
               <a:rot lat="0" lon="0" rev="0"/>
             </a:camera>
-            <a:lightRig rig="threePt" dir="t">
-              <a:rot lat="0" lon="0" rev="1200000"/>
+            <a:lightRig rig="balanced" dir="t">
+              <a:rot lat="0" lon="0" rev="0"/>
             </a:lightRig>
           </a:scene3d>
           <a:sp3d>
-            <a:bevelT w="63500" h="25400"/>
+            <a:bevelT w="47625" h="69850"/>
+            <a:contourClr>
+              <a:schemeClr val="lt1"/>
+            </a:contourClr>
           </a:sp3d>
         </a:effectStyle>
       </a:effectStyleLst>
@@ -8129,47 +11366,38 @@
           <a:gsLst>
             <a:gs pos="0">
               <a:schemeClr val="phClr">
-                <a:tint val="40000"/>
-                <a:satMod val="350000"/>
+                <a:shade val="58000"/>
+                <a:satMod val="125000"/>
               </a:schemeClr>
             </a:gs>
             <a:gs pos="40000">
               <a:schemeClr val="phClr">
-                <a:tint val="45000"/>
-                <a:shade val="99000"/>
-                <a:satMod val="350000"/>
+                <a:tint val="90000"/>
+                <a:shade val="90000"/>
+                <a:satMod val="120000"/>
               </a:schemeClr>
             </a:gs>
             <a:gs pos="100000">
               <a:schemeClr val="phClr">
-                <a:shade val="20000"/>
-                <a:satMod val="255000"/>
+                <a:tint val="50000"/>
               </a:schemeClr>
             </a:gs>
           </a:gsLst>
-          <a:path path="circle">
-            <a:fillToRect l="50000" t="-80000" r="50000" b="180000"/>
-          </a:path>
+          <a:lin ang="16200000" scaled="1"/>
         </a:gradFill>
-        <a:gradFill rotWithShape="1">
-          <a:gsLst>
-            <a:gs pos="0">
+        <a:blipFill>
+          <a:blip xmlns:r="http://schemas.openxmlformats.org/officeDocument/2006/relationships" r:embed="rId1">
+            <a:duotone>
               <a:schemeClr val="phClr">
-                <a:tint val="80000"/>
-                <a:satMod val="300000"/>
+                <a:shade val="80000"/>
               </a:schemeClr>
-            </a:gs>
-            <a:gs pos="100000">
               <a:schemeClr val="phClr">
-                <a:shade val="30000"/>
-                <a:satMod val="200000"/>
+                <a:tint val="91000"/>
               </a:schemeClr>
-            </a:gs>
-          </a:gsLst>
-          <a:path path="circle">
-            <a:fillToRect l="50000" t="50000" r="50000" b="50000"/>
-          </a:path>
-        </a:gradFill>
+            </a:duotone>
+          </a:blip>
+          <a:tile tx="0" ty="0" sx="40000" sy="50000" flip="y" algn="tl"/>
+        </a:blipFill>
       </a:bgFillStyleLst>
     </a:fmtScheme>
   </a:themeElements>
